--- a/documents/presentations/Anguiano_402_Final_Presentation_Draft.pptx
+++ b/documents/presentations/Anguiano_402_Final_Presentation_Draft.pptx
@@ -5,27 +5,31 @@
     <p:sldMasterId id="2147483830" r:id="rId1"/>
   </p:sldMasterIdLst>
   <p:notesMasterIdLst>
-    <p:notesMasterId r:id="rId20"/>
+    <p:notesMasterId r:id="rId24"/>
   </p:notesMasterIdLst>
   <p:sldIdLst>
     <p:sldId id="256" r:id="rId2"/>
     <p:sldId id="286" r:id="rId3"/>
     <p:sldId id="287" r:id="rId4"/>
-    <p:sldId id="257" r:id="rId5"/>
-    <p:sldId id="268" r:id="rId6"/>
-    <p:sldId id="269" r:id="rId7"/>
-    <p:sldId id="270" r:id="rId8"/>
-    <p:sldId id="271" r:id="rId9"/>
-    <p:sldId id="277" r:id="rId10"/>
-    <p:sldId id="279" r:id="rId11"/>
-    <p:sldId id="275" r:id="rId12"/>
-    <p:sldId id="272" r:id="rId13"/>
-    <p:sldId id="273" r:id="rId14"/>
-    <p:sldId id="289" r:id="rId15"/>
-    <p:sldId id="281" r:id="rId16"/>
-    <p:sldId id="274" r:id="rId17"/>
-    <p:sldId id="284" r:id="rId18"/>
-    <p:sldId id="267" r:id="rId19"/>
+    <p:sldId id="268" r:id="rId5"/>
+    <p:sldId id="257" r:id="rId6"/>
+    <p:sldId id="296" r:id="rId7"/>
+    <p:sldId id="292" r:id="rId8"/>
+    <p:sldId id="293" r:id="rId9"/>
+    <p:sldId id="269" r:id="rId10"/>
+    <p:sldId id="270" r:id="rId11"/>
+    <p:sldId id="271" r:id="rId12"/>
+    <p:sldId id="277" r:id="rId13"/>
+    <p:sldId id="279" r:id="rId14"/>
+    <p:sldId id="275" r:id="rId15"/>
+    <p:sldId id="272" r:id="rId16"/>
+    <p:sldId id="273" r:id="rId17"/>
+    <p:sldId id="290" r:id="rId18"/>
+    <p:sldId id="289" r:id="rId19"/>
+    <p:sldId id="281" r:id="rId20"/>
+    <p:sldId id="274" r:id="rId21"/>
+    <p:sldId id="295" r:id="rId22"/>
+    <p:sldId id="284" r:id="rId23"/>
   </p:sldIdLst>
   <p:sldSz cx="9144000" cy="6858000" type="screen4x3"/>
   <p:notesSz cx="6858000" cy="9144000"/>
@@ -124,6 +128,22 @@
       </a:defRPr>
     </a:lvl9pPr>
   </p:defaultTextStyle>
+  <p:extLst>
+    <p:ext uri="{EFAFB233-063F-42B5-8137-9DF3F51BA10A}">
+      <p15:sldGuideLst xmlns:p15="http://schemas.microsoft.com/office/powerpoint/2012/main" xmlns="">
+        <p15:guide id="1" orient="horz" pos="2160">
+          <p15:clr>
+            <a:srgbClr val="A4A3A4"/>
+          </p15:clr>
+        </p15:guide>
+        <p15:guide id="2" pos="2880">
+          <p15:clr>
+            <a:srgbClr val="A4A3A4"/>
+          </p15:clr>
+        </p15:guide>
+      </p15:sldGuideLst>
+    </p:ext>
+  </p:extLst>
 </p:presentation>
 </file>
 
@@ -542,7 +562,91 @@
           <a:p>
             <a:fld id="{340FB9B0-F001-434D-8E97-731A5E2DD176}" type="slidenum">
               <a:rPr lang="en-US" smtClean="0"/>
-              <a:t>15</a:t>
+              <a:t>11</a:t>
+            </a:fld>
+            <a:endParaRPr lang="en-US"/>
+          </a:p>
+        </p:txBody>
+      </p:sp>
+    </p:spTree>
+    <p:extLst>
+      <p:ext uri="{BB962C8B-B14F-4D97-AF65-F5344CB8AC3E}">
+        <p14:creationId xmlns:p14="http://schemas.microsoft.com/office/powerpoint/2010/main" val="4222650577"/>
+      </p:ext>
+    </p:extLst>
+  </p:cSld>
+  <p:clrMapOvr>
+    <a:masterClrMapping/>
+  </p:clrMapOvr>
+</p:notes>
+</file>
+
+<file path=ppt/notesSlides/notesSlide2.xml><?xml version="1.0" encoding="utf-8"?>
+<p:notes xmlns:a="http://schemas.openxmlformats.org/drawingml/2006/main" xmlns:r="http://schemas.openxmlformats.org/officeDocument/2006/relationships" xmlns:p="http://schemas.openxmlformats.org/presentationml/2006/main">
+  <p:cSld>
+    <p:spTree>
+      <p:nvGrpSpPr>
+        <p:cNvPr id="1" name=""/>
+        <p:cNvGrpSpPr/>
+        <p:nvPr/>
+      </p:nvGrpSpPr>
+      <p:grpSpPr>
+        <a:xfrm>
+          <a:off x="0" y="0"/>
+          <a:ext cx="0" cy="0"/>
+          <a:chOff x="0" y="0"/>
+          <a:chExt cx="0" cy="0"/>
+        </a:xfrm>
+      </p:grpSpPr>
+      <p:sp>
+        <p:nvSpPr>
+          <p:cNvPr id="2" name="Slide Image Placeholder 1"/>
+          <p:cNvSpPr>
+            <a:spLocks noGrp="1" noRot="1" noChangeAspect="1"/>
+          </p:cNvSpPr>
+          <p:nvPr>
+            <p:ph type="sldImg"/>
+          </p:nvPr>
+        </p:nvSpPr>
+        <p:spPr/>
+      </p:sp>
+      <p:sp>
+        <p:nvSpPr>
+          <p:cNvPr id="3" name="Notes Placeholder 2"/>
+          <p:cNvSpPr>
+            <a:spLocks noGrp="1"/>
+          </p:cNvSpPr>
+          <p:nvPr>
+            <p:ph type="body" idx="1"/>
+          </p:nvPr>
+        </p:nvSpPr>
+        <p:spPr/>
+        <p:txBody>
+          <a:bodyPr/>
+          <a:lstStyle/>
+          <a:p>
+            <a:endParaRPr lang="en-US" dirty="0"/>
+          </a:p>
+        </p:txBody>
+      </p:sp>
+      <p:sp>
+        <p:nvSpPr>
+          <p:cNvPr id="4" name="Slide Number Placeholder 3"/>
+          <p:cNvSpPr>
+            <a:spLocks noGrp="1"/>
+          </p:cNvSpPr>
+          <p:nvPr>
+            <p:ph type="sldNum" sz="quarter" idx="10"/>
+          </p:nvPr>
+        </p:nvSpPr>
+        <p:spPr/>
+        <p:txBody>
+          <a:bodyPr/>
+          <a:lstStyle/>
+          <a:p>
+            <a:fld id="{340FB9B0-F001-434D-8E97-731A5E2DD176}" type="slidenum">
+              <a:rPr lang="en-US" smtClean="0"/>
+              <a:t>19</a:t>
             </a:fld>
             <a:endParaRPr lang="en-US"/>
           </a:p>
@@ -552,6 +656,98 @@
     <p:extLst>
       <p:ext uri="{BB962C8B-B14F-4D97-AF65-F5344CB8AC3E}">
         <p14:creationId xmlns:p14="http://schemas.microsoft.com/office/powerpoint/2010/main" val="472071036"/>
+      </p:ext>
+    </p:extLst>
+  </p:cSld>
+  <p:clrMapOvr>
+    <a:masterClrMapping/>
+  </p:clrMapOvr>
+</p:notes>
+</file>
+
+<file path=ppt/notesSlides/notesSlide3.xml><?xml version="1.0" encoding="utf-8"?>
+<p:notes xmlns:a="http://schemas.openxmlformats.org/drawingml/2006/main" xmlns:r="http://schemas.openxmlformats.org/officeDocument/2006/relationships" xmlns:p="http://schemas.openxmlformats.org/presentationml/2006/main">
+  <p:cSld>
+    <p:spTree>
+      <p:nvGrpSpPr>
+        <p:cNvPr id="1" name=""/>
+        <p:cNvGrpSpPr/>
+        <p:nvPr/>
+      </p:nvGrpSpPr>
+      <p:grpSpPr>
+        <a:xfrm>
+          <a:off x="0" y="0"/>
+          <a:ext cx="0" cy="0"/>
+          <a:chOff x="0" y="0"/>
+          <a:chExt cx="0" cy="0"/>
+        </a:xfrm>
+      </p:grpSpPr>
+      <p:sp>
+        <p:nvSpPr>
+          <p:cNvPr id="2" name="Slide Image Placeholder 1"/>
+          <p:cNvSpPr>
+            <a:spLocks noGrp="1" noRot="1" noChangeAspect="1"/>
+          </p:cNvSpPr>
+          <p:nvPr>
+            <p:ph type="sldImg"/>
+          </p:nvPr>
+        </p:nvSpPr>
+        <p:spPr/>
+      </p:sp>
+      <p:sp>
+        <p:nvSpPr>
+          <p:cNvPr id="3" name="Notes Placeholder 2"/>
+          <p:cNvSpPr>
+            <a:spLocks noGrp="1"/>
+          </p:cNvSpPr>
+          <p:nvPr>
+            <p:ph type="body" idx="1"/>
+          </p:nvPr>
+        </p:nvSpPr>
+        <p:spPr/>
+        <p:txBody>
+          <a:bodyPr/>
+          <a:lstStyle/>
+          <a:p>
+            <a:r>
+              <a:rPr lang="en-US" dirty="0" smtClean="0"/>
+              <a:t>List names either alphabetically</a:t>
+            </a:r>
+            <a:r>
+              <a:rPr lang="en-US" baseline="0" dirty="0" smtClean="0"/>
+              <a:t> or in order of seniority</a:t>
+            </a:r>
+            <a:endParaRPr lang="en-US" dirty="0"/>
+          </a:p>
+        </p:txBody>
+      </p:sp>
+      <p:sp>
+        <p:nvSpPr>
+          <p:cNvPr id="4" name="Slide Number Placeholder 3"/>
+          <p:cNvSpPr>
+            <a:spLocks noGrp="1"/>
+          </p:cNvSpPr>
+          <p:nvPr>
+            <p:ph type="sldNum" sz="quarter" idx="10"/>
+          </p:nvPr>
+        </p:nvSpPr>
+        <p:spPr/>
+        <p:txBody>
+          <a:bodyPr/>
+          <a:lstStyle/>
+          <a:p>
+            <a:fld id="{340FB9B0-F001-434D-8E97-731A5E2DD176}" type="slidenum">
+              <a:rPr lang="en-US" smtClean="0"/>
+              <a:t>22</a:t>
+            </a:fld>
+            <a:endParaRPr lang="en-US"/>
+          </a:p>
+        </p:txBody>
+      </p:sp>
+    </p:spTree>
+    <p:extLst>
+      <p:ext uri="{BB962C8B-B14F-4D97-AF65-F5344CB8AC3E}">
+        <p14:creationId xmlns:p14="http://schemas.microsoft.com/office/powerpoint/2010/main" val="3749038840"/>
       </p:ext>
     </p:extLst>
   </p:cSld>
@@ -5312,6 +5508,66 @@
           </a:p>
         </p:txBody>
       </p:sp>
+      <p:pic>
+        <p:nvPicPr>
+          <p:cNvPr id="4" name="Picture 3" descr="GRNsight_logo_20140710_main.jpg"/>
+          <p:cNvPicPr>
+            <a:picLocks noChangeAspect="1"/>
+          </p:cNvPicPr>
+          <p:nvPr/>
+        </p:nvPicPr>
+        <p:blipFill>
+          <a:blip r:embed="rId2">
+            <a:extLst>
+              <a:ext uri="{28A0092B-C50C-407E-A947-70E740481C1C}">
+                <a14:useLocalDpi xmlns:a14="http://schemas.microsoft.com/office/drawing/2010/main" val="0"/>
+              </a:ext>
+            </a:extLst>
+          </a:blip>
+          <a:stretch>
+            <a:fillRect/>
+          </a:stretch>
+        </p:blipFill>
+        <p:spPr>
+          <a:xfrm>
+            <a:off x="1978048" y="347394"/>
+            <a:ext cx="5217957" cy="2240032"/>
+          </a:xfrm>
+          <a:prstGeom prst="rect">
+            <a:avLst/>
+          </a:prstGeom>
+        </p:spPr>
+      </p:pic>
+      <p:pic>
+        <p:nvPicPr>
+          <p:cNvPr id="5" name="Picture 4" descr="GRNsight_logo_20140710_rollover.jpg"/>
+          <p:cNvPicPr>
+            <a:picLocks noChangeAspect="1"/>
+          </p:cNvPicPr>
+          <p:nvPr/>
+        </p:nvPicPr>
+        <p:blipFill>
+          <a:blip r:embed="rId3">
+            <a:extLst>
+              <a:ext uri="{28A0092B-C50C-407E-A947-70E740481C1C}">
+                <a14:useLocalDpi xmlns:a14="http://schemas.microsoft.com/office/drawing/2010/main" val="0"/>
+              </a:ext>
+            </a:extLst>
+          </a:blip>
+          <a:stretch>
+            <a:fillRect/>
+          </a:stretch>
+        </p:blipFill>
+        <p:spPr>
+          <a:xfrm>
+            <a:off x="1978048" y="347394"/>
+            <a:ext cx="5217957" cy="2240033"/>
+          </a:xfrm>
+          <a:prstGeom prst="rect">
+            <a:avLst/>
+          </a:prstGeom>
+        </p:spPr>
+      </p:pic>
     </p:spTree>
     <p:extLst>
       <p:ext uri="{BB962C8B-B14F-4D97-AF65-F5344CB8AC3E}">
@@ -5325,7 +5581,83 @@
   <p:timing>
     <p:tnLst>
       <p:par>
-        <p:cTn xmlns:p14="http://schemas.microsoft.com/office/powerpoint/2010/main" id="1" dur="indefinite" restart="never" nodeType="tmRoot"/>
+        <p:cTn xmlns:p14="http://schemas.microsoft.com/office/powerpoint/2010/main" id="1" dur="indefinite" restart="never" nodeType="tmRoot">
+          <p:childTnLst>
+            <p:seq concurrent="1" nextAc="seek">
+              <p:cTn id="2" dur="indefinite" nodeType="mainSeq">
+                <p:childTnLst>
+                  <p:par>
+                    <p:cTn id="3" fill="hold">
+                      <p:stCondLst>
+                        <p:cond delay="indefinite"/>
+                      </p:stCondLst>
+                      <p:childTnLst>
+                        <p:par>
+                          <p:cTn id="4" fill="hold">
+                            <p:stCondLst>
+                              <p:cond delay="0"/>
+                            </p:stCondLst>
+                            <p:childTnLst>
+                              <p:par>
+                                <p:cTn id="5" presetID="9" presetClass="entr" presetSubtype="0" fill="hold" nodeType="clickEffect">
+                                  <p:stCondLst>
+                                    <p:cond delay="0"/>
+                                  </p:stCondLst>
+                                  <p:childTnLst>
+                                    <p:set>
+                                      <p:cBhvr>
+                                        <p:cTn id="6" dur="1" fill="hold">
+                                          <p:stCondLst>
+                                            <p:cond delay="0"/>
+                                          </p:stCondLst>
+                                        </p:cTn>
+                                        <p:tgtEl>
+                                          <p:spTgt spid="5"/>
+                                        </p:tgtEl>
+                                        <p:attrNameLst>
+                                          <p:attrName>style.visibility</p:attrName>
+                                        </p:attrNameLst>
+                                      </p:cBhvr>
+                                      <p:to>
+                                        <p:strVal val="visible"/>
+                                      </p:to>
+                                    </p:set>
+                                    <p:animEffect transition="in" filter="dissolve">
+                                      <p:cBhvr>
+                                        <p:cTn id="7" dur="500"/>
+                                        <p:tgtEl>
+                                          <p:spTgt spid="5"/>
+                                        </p:tgtEl>
+                                      </p:cBhvr>
+                                    </p:animEffect>
+                                  </p:childTnLst>
+                                </p:cTn>
+                              </p:par>
+                            </p:childTnLst>
+                          </p:cTn>
+                        </p:par>
+                      </p:childTnLst>
+                    </p:cTn>
+                  </p:par>
+                </p:childTnLst>
+              </p:cTn>
+              <p:prevCondLst>
+                <p:cond evt="onPrev" delay="0">
+                  <p:tgtEl>
+                    <p:sldTgt/>
+                  </p:tgtEl>
+                </p:cond>
+              </p:prevCondLst>
+              <p:nextCondLst>
+                <p:cond evt="onNext" delay="0">
+                  <p:tgtEl>
+                    <p:sldTgt/>
+                  </p:tgtEl>
+                </p:cond>
+              </p:nextCondLst>
+            </p:seq>
+          </p:childTnLst>
+        </p:cTn>
       </p:par>
     </p:tnLst>
   </p:timing>
@@ -5351,61 +5683,106 @@
       </p:grpSpPr>
       <p:sp>
         <p:nvSpPr>
-          <p:cNvPr id="3" name="Content Placeholder 2"/>
-          <p:cNvSpPr>
-            <a:spLocks noGrp="1"/>
-          </p:cNvSpPr>
-          <p:nvPr>
-            <p:ph idx="1"/>
-          </p:nvPr>
-        </p:nvSpPr>
-        <p:spPr>
-          <a:xfrm>
-            <a:off x="1043492" y="1694700"/>
-            <a:ext cx="6777317" cy="3508977"/>
-          </a:xfrm>
-        </p:spPr>
-        <p:txBody>
-          <a:bodyPr/>
-          <a:lstStyle/>
-          <a:p>
-            <a:endParaRPr lang="en-US" dirty="0"/>
+          <p:cNvPr id="5" name="Rectangle 4"/>
+          <p:cNvSpPr/>
+          <p:nvPr/>
+        </p:nvSpPr>
+        <p:spPr>
+          <a:xfrm>
+            <a:off x="320204" y="1796333"/>
+            <a:ext cx="8521957" cy="4768050"/>
+          </a:xfrm>
+          <a:prstGeom prst="rect">
+            <a:avLst/>
+          </a:prstGeom>
+          <a:solidFill>
+            <a:schemeClr val="bg1"/>
+          </a:solidFill>
+          <a:ln w="76200" cap="sq">
+            <a:solidFill>
+              <a:schemeClr val="bg1">
+                <a:lumMod val="95000"/>
+              </a:schemeClr>
+            </a:solidFill>
+            <a:miter lim="800000"/>
+          </a:ln>
+        </p:spPr>
+        <p:style>
+          <a:lnRef idx="2">
+            <a:schemeClr val="accent1">
+              <a:shade val="50000"/>
+            </a:schemeClr>
+          </a:lnRef>
+          <a:fillRef idx="1">
+            <a:schemeClr val="accent1"/>
+          </a:fillRef>
+          <a:effectRef idx="0">
+            <a:schemeClr val="accent1"/>
+          </a:effectRef>
+          <a:fontRef idx="minor">
+            <a:schemeClr val="lt1"/>
+          </a:fontRef>
+        </p:style>
+        <p:txBody>
+          <a:bodyPr rtlCol="0" anchor="ctr"/>
+          <a:lstStyle/>
+          <a:p>
+            <a:pPr algn="ctr"/>
+            <a:endParaRPr lang="en-US">
+              <a:ln cap="sq">
+                <a:solidFill>
+                  <a:schemeClr val="accent1"/>
+                </a:solidFill>
+                <a:miter lim="800000"/>
+              </a:ln>
+            </a:endParaRPr>
           </a:p>
         </p:txBody>
       </p:sp>
       <p:pic>
         <p:nvPicPr>
-          <p:cNvPr id="4" name="Picture 3" descr="Screen Shot 2017-04-28 at 8.31.52 AM.png"/>
+          <p:cNvPr id="6" name="Picture 6" descr="demo-4-auto"/>
           <p:cNvPicPr>
-            <a:picLocks noChangeAspect="1"/>
+            <a:picLocks noChangeAspect="1" noChangeArrowheads="1"/>
           </p:cNvPicPr>
           <p:nvPr/>
         </p:nvPicPr>
         <p:blipFill>
-          <a:blip r:embed="rId2">
+          <a:blip r:embed="rId2" cstate="email">
             <a:extLst>
               <a:ext uri="{28A0092B-C50C-407E-A947-70E740481C1C}">
                 <a14:useLocalDpi xmlns:a14="http://schemas.microsoft.com/office/drawing/2010/main" val="0"/>
               </a:ext>
             </a:extLst>
           </a:blip>
+          <a:srcRect/>
           <a:stretch>
             <a:fillRect/>
           </a:stretch>
         </p:blipFill>
-        <p:spPr>
-          <a:xfrm>
-            <a:off x="255213" y="1798201"/>
-            <a:ext cx="8659399" cy="4899734"/>
+        <p:spPr bwMode="auto">
+          <a:xfrm>
+            <a:off x="1656860" y="1887928"/>
+            <a:ext cx="5848645" cy="4614530"/>
           </a:xfrm>
           <a:prstGeom prst="rect">
             <a:avLst/>
           </a:prstGeom>
+          <a:noFill/>
+          <a:extLst>
+            <a:ext uri="{909E8E84-426E-40dd-AFC4-6F175D3DCCD1}">
+              <a14:hiddenFill xmlns:a14="http://schemas.microsoft.com/office/drawing/2010/main">
+                <a:solidFill>
+                  <a:srgbClr val="FFFFFF"/>
+                </a:solidFill>
+              </a14:hiddenFill>
+            </a:ext>
+          </a:extLst>
         </p:spPr>
       </p:pic>
       <p:sp>
         <p:nvSpPr>
-          <p:cNvPr id="5" name="Title 4"/>
+          <p:cNvPr id="4" name="Title 3"/>
           <p:cNvSpPr>
             <a:spLocks noGrp="1"/>
           </p:cNvSpPr>
@@ -5415,24 +5792,23 @@
         </p:nvSpPr>
         <p:spPr/>
         <p:txBody>
-          <a:bodyPr/>
-          <a:lstStyle/>
-          <a:p>
-            <a:r>
-              <a:rPr lang="en-US" dirty="0" err="1"/>
-              <a:t>GRNsight</a:t>
-            </a:r>
-            <a:r>
-              <a:rPr lang="en-US" dirty="0"/>
-              <a:t> v1 (August 2016)</a:t>
-            </a:r>
+          <a:bodyPr>
+            <a:normAutofit fontScale="90000"/>
+          </a:bodyPr>
+          <a:lstStyle/>
+          <a:p>
+            <a:r>
+              <a:rPr lang="en-US" dirty="0" smtClean="0"/>
+              <a:t>Which can be customized to this!</a:t>
+            </a:r>
+            <a:endParaRPr lang="en-US" dirty="0"/>
           </a:p>
         </p:txBody>
       </p:sp>
     </p:spTree>
     <p:extLst>
       <p:ext uri="{BB962C8B-B14F-4D97-AF65-F5344CB8AC3E}">
-        <p14:creationId xmlns:p14="http://schemas.microsoft.com/office/powerpoint/2010/main" val="3644462785"/>
+        <p14:creationId xmlns:p14="http://schemas.microsoft.com/office/powerpoint/2010/main" val="1656564870"/>
       </p:ext>
     </p:extLst>
   </p:cSld>
@@ -5468,6 +5844,64 @@
       </p:grpSpPr>
       <p:sp>
         <p:nvSpPr>
+          <p:cNvPr id="5" name="Rectangle 4"/>
+          <p:cNvSpPr/>
+          <p:nvPr/>
+        </p:nvSpPr>
+        <p:spPr>
+          <a:xfrm>
+            <a:off x="320204" y="1796333"/>
+            <a:ext cx="8521957" cy="4768050"/>
+          </a:xfrm>
+          <a:prstGeom prst="rect">
+            <a:avLst/>
+          </a:prstGeom>
+          <a:solidFill>
+            <a:schemeClr val="bg1"/>
+          </a:solidFill>
+          <a:ln w="76200" cap="sq">
+            <a:solidFill>
+              <a:schemeClr val="bg1">
+                <a:lumMod val="95000"/>
+              </a:schemeClr>
+            </a:solidFill>
+            <a:miter lim="800000"/>
+          </a:ln>
+        </p:spPr>
+        <p:style>
+          <a:lnRef idx="2">
+            <a:schemeClr val="accent1">
+              <a:shade val="50000"/>
+            </a:schemeClr>
+          </a:lnRef>
+          <a:fillRef idx="1">
+            <a:schemeClr val="accent1"/>
+          </a:fillRef>
+          <a:effectRef idx="0">
+            <a:schemeClr val="accent1"/>
+          </a:effectRef>
+          <a:fontRef idx="minor">
+            <a:schemeClr val="lt1"/>
+          </a:fontRef>
+        </p:style>
+        <p:txBody>
+          <a:bodyPr rtlCol="0" anchor="ctr"/>
+          <a:lstStyle/>
+          <a:p>
+            <a:pPr algn="ctr"/>
+            <a:endParaRPr lang="en-US">
+              <a:ln cap="sq">
+                <a:solidFill>
+                  <a:schemeClr val="accent1"/>
+                </a:solidFill>
+                <a:miter lim="800000"/>
+              </a:ln>
+            </a:endParaRPr>
+          </a:p>
+        </p:txBody>
+      </p:sp>
+      <p:sp>
+        <p:nvSpPr>
           <p:cNvPr id="3" name="Content Placeholder 2"/>
           <p:cNvSpPr>
             <a:spLocks noGrp="1"/>
@@ -5478,8 +5912,8 @@
         </p:nvSpPr>
         <p:spPr>
           <a:xfrm>
-            <a:off x="301762" y="1694700"/>
-            <a:ext cx="8562480" cy="4894513"/>
+            <a:off x="301761" y="1817533"/>
+            <a:ext cx="8537333" cy="4037358"/>
           </a:xfrm>
         </p:spPr>
         <p:txBody>
@@ -5489,57 +5923,66 @@
           <a:lstStyle/>
           <a:p>
             <a:r>
-              <a:rPr lang="en-US" b="1" dirty="0" smtClean="0"/>
-              <a:t>Flaw: </a:t>
-            </a:r>
+              <a:rPr lang="en-US" dirty="0"/>
+              <a:t>Developed as part of a 402 project by Britain Southwick</a:t>
+            </a:r>
+          </a:p>
+          <a:p>
             <a:r>
               <a:rPr lang="en-US" dirty="0" smtClean="0"/>
-              <a:t>Force graph could not fully relax when loaded</a:t>
-            </a:r>
-          </a:p>
-          <a:p>
-            <a:r>
-              <a:rPr lang="en-US" b="1" dirty="0" smtClean="0"/>
-              <a:t>Goal: </a:t>
+              <a:t>Uses D3.js </a:t>
+            </a:r>
+            <a:r>
+              <a:rPr lang="en-US" dirty="0"/>
+              <a:t>to generate a graph derived from input network </a:t>
             </a:r>
             <a:r>
               <a:rPr lang="en-US" dirty="0" smtClean="0"/>
-              <a:t>Allow bounding box to expand as the force was applied</a:t>
-            </a:r>
+              <a:t>data</a:t>
+            </a:r>
+            <a:endParaRPr lang="en-US" dirty="0"/>
+          </a:p>
+          <a:p>
+            <a:r>
+              <a:rPr lang="en-US" dirty="0"/>
+              <a:t>D3 dynamically manipulates </a:t>
+            </a:r>
+            <a:r>
+              <a:rPr lang="en-US" dirty="0" smtClean="0"/>
+              <a:t>HTML, CSS </a:t>
+            </a:r>
+            <a:r>
+              <a:rPr lang="en-US" dirty="0"/>
+              <a:t>and </a:t>
+            </a:r>
+            <a:r>
+              <a:rPr lang="en-US" dirty="0" smtClean="0"/>
+              <a:t>SVG </a:t>
+            </a:r>
+            <a:r>
+              <a:rPr lang="en-US" dirty="0"/>
+              <a:t>to form the elements of the </a:t>
+            </a:r>
+            <a:r>
+              <a:rPr lang="en-US" dirty="0" smtClean="0"/>
+              <a:t>graph</a:t>
+            </a:r>
+            <a:endParaRPr lang="en-US" dirty="0"/>
           </a:p>
           <a:p>
             <a:pPr lvl="1"/>
             <a:r>
+              <a:rPr lang="en-US" dirty="0" err="1"/>
+              <a:t>GRNsight</a:t>
+            </a:r>
+            <a:r>
+              <a:rPr lang="en-US" dirty="0"/>
+              <a:t> implements D3’s force </a:t>
+            </a:r>
+            <a:r>
               <a:rPr lang="en-US" dirty="0" smtClean="0"/>
-              <a:t>Consequence: Need a way to navigate the newly expanded bounding box</a:t>
-            </a:r>
-          </a:p>
-          <a:p>
-            <a:r>
-              <a:rPr lang="en-US" b="1" dirty="0" smtClean="0"/>
-              <a:t>Resulting flaw: </a:t>
-            </a:r>
-            <a:r>
-              <a:rPr lang="en-US" dirty="0" smtClean="0"/>
-              <a:t>Viewport and bounding box were the same, and came in only one size</a:t>
-            </a:r>
-          </a:p>
-          <a:p>
-            <a:r>
-              <a:rPr lang="en-US" b="1" dirty="0" smtClean="0"/>
-              <a:t>Goal: </a:t>
-            </a:r>
-            <a:r>
-              <a:rPr lang="en-US" dirty="0" smtClean="0"/>
-              <a:t>Separate viewport from bounding box, and allow multiple sizes of both for different screens</a:t>
-            </a:r>
-          </a:p>
-          <a:p>
-            <a:r>
-              <a:rPr lang="en-US" dirty="0" smtClean="0"/>
-              <a:t>Smaller goals included quality of life improvements for the developers as well as code cleanup</a:t>
-            </a:r>
-            <a:endParaRPr lang="en-US" dirty="0"/>
+              <a:t>layout, which applies a physics-based simulation to the graph</a:t>
+            </a:r>
           </a:p>
         </p:txBody>
       </p:sp>
@@ -5562,24 +6005,77 @@
           <a:p>
             <a:r>
               <a:rPr lang="en-US" sz="2400" dirty="0" smtClean="0"/>
-              <a:t>With the initial </a:t>
+              <a:t>Initial </a:t>
             </a:r>
             <a:r>
               <a:rPr lang="en-US" sz="2400" dirty="0" err="1" smtClean="0"/>
-              <a:t>grnsight</a:t>
+              <a:t>GRNsight</a:t>
             </a:r>
             <a:r>
               <a:rPr lang="en-US" sz="2400" dirty="0" smtClean="0"/>
-              <a:t> application complete, it was time for improvements.</a:t>
+              <a:t> Implementation Required Customization of the D3 Library</a:t>
             </a:r>
             <a:endParaRPr lang="en-US" sz="2400" dirty="0"/>
+          </a:p>
+        </p:txBody>
+      </p:sp>
+      <p:pic>
+        <p:nvPicPr>
+          <p:cNvPr id="6" name="Picture 5"/>
+          <p:cNvPicPr>
+            <a:picLocks noChangeAspect="1"/>
+          </p:cNvPicPr>
+          <p:nvPr/>
+        </p:nvPicPr>
+        <p:blipFill rotWithShape="1">
+          <a:blip r:embed="rId3"/>
+          <a:srcRect l="9479" t="7895" r="9155" b="6993"/>
+          <a:stretch/>
+        </p:blipFill>
+        <p:spPr>
+          <a:xfrm>
+            <a:off x="3730137" y="5051142"/>
+            <a:ext cx="1664220" cy="1513241"/>
+          </a:xfrm>
+          <a:prstGeom prst="rect">
+            <a:avLst/>
+          </a:prstGeom>
+        </p:spPr>
+      </p:pic>
+      <p:sp>
+        <p:nvSpPr>
+          <p:cNvPr id="7" name="TextBox 6"/>
+          <p:cNvSpPr txBox="1"/>
+          <p:nvPr/>
+        </p:nvSpPr>
+        <p:spPr>
+          <a:xfrm>
+            <a:off x="1923195" y="5670225"/>
+            <a:ext cx="2090637" cy="369332"/>
+          </a:xfrm>
+          <a:prstGeom prst="rect">
+            <a:avLst/>
+          </a:prstGeom>
+          <a:noFill/>
+        </p:spPr>
+        <p:txBody>
+          <a:bodyPr wrap="none" rtlCol="0">
+            <a:spAutoFit/>
+          </a:bodyPr>
+          <a:lstStyle/>
+          <a:p>
+            <a:r>
+              <a:rPr lang="en-US" b="1" dirty="0" smtClean="0"/>
+              <a:t>Default D3 layout</a:t>
+            </a:r>
+            <a:endParaRPr lang="en-US" b="1" dirty="0"/>
           </a:p>
         </p:txBody>
       </p:sp>
     </p:spTree>
     <p:extLst>
       <p:ext uri="{BB962C8B-B14F-4D97-AF65-F5344CB8AC3E}">
-        <p14:creationId xmlns:p14="http://schemas.microsoft.com/office/powerpoint/2010/main" val="3337668226"/>
+        <p14:creationId xmlns:p14="http://schemas.microsoft.com/office/powerpoint/2010/main" val="2099093691"/>
       </p:ext>
     </p:extLst>
   </p:cSld>
@@ -5615,163 +6111,155 @@
       </p:grpSpPr>
       <p:sp>
         <p:nvSpPr>
-          <p:cNvPr id="3" name="Content Placeholder 2"/>
+          <p:cNvPr id="6" name="Rectangle 5"/>
+          <p:cNvSpPr/>
+          <p:nvPr/>
+        </p:nvSpPr>
+        <p:spPr>
+          <a:xfrm>
+            <a:off x="320204" y="1796333"/>
+            <a:ext cx="8521957" cy="4768050"/>
+          </a:xfrm>
+          <a:prstGeom prst="rect">
+            <a:avLst/>
+          </a:prstGeom>
+          <a:solidFill>
+            <a:schemeClr val="bg1"/>
+          </a:solidFill>
+          <a:ln w="76200" cap="sq">
+            <a:solidFill>
+              <a:schemeClr val="bg1">
+                <a:lumMod val="95000"/>
+              </a:schemeClr>
+            </a:solidFill>
+            <a:miter lim="800000"/>
+          </a:ln>
+        </p:spPr>
+        <p:style>
+          <a:lnRef idx="2">
+            <a:schemeClr val="accent1">
+              <a:shade val="50000"/>
+            </a:schemeClr>
+          </a:lnRef>
+          <a:fillRef idx="1">
+            <a:schemeClr val="accent1"/>
+          </a:fillRef>
+          <a:effectRef idx="0">
+            <a:schemeClr val="accent1"/>
+          </a:effectRef>
+          <a:fontRef idx="minor">
+            <a:schemeClr val="lt1"/>
+          </a:fontRef>
+        </p:style>
+        <p:txBody>
+          <a:bodyPr rtlCol="0" anchor="ctr"/>
+          <a:lstStyle/>
+          <a:p>
+            <a:pPr algn="ctr"/>
+            <a:endParaRPr lang="en-US">
+              <a:ln cap="sq">
+                <a:solidFill>
+                  <a:schemeClr val="accent1"/>
+                </a:solidFill>
+                <a:miter lim="800000"/>
+              </a:ln>
+            </a:endParaRPr>
+          </a:p>
+        </p:txBody>
+      </p:sp>
+      <p:pic>
+        <p:nvPicPr>
+          <p:cNvPr id="7" name="Picture 6" descr="Screen Shot 2017-04-28 at 3.10.32 PM.png"/>
+          <p:cNvPicPr>
+            <a:picLocks noChangeAspect="1"/>
+          </p:cNvPicPr>
+          <p:nvPr/>
+        </p:nvPicPr>
+        <p:blipFill rotWithShape="1">
+          <a:blip r:embed="rId2" cstate="email">
+            <a:extLst>
+              <a:ext uri="{28A0092B-C50C-407E-A947-70E740481C1C}">
+                <a14:useLocalDpi xmlns:a14="http://schemas.microsoft.com/office/drawing/2010/main" val="0"/>
+              </a:ext>
+            </a:extLst>
+          </a:blip>
+          <a:srcRect b="715"/>
+          <a:stretch/>
+        </p:blipFill>
+        <p:spPr>
+          <a:xfrm>
+            <a:off x="408228" y="1908434"/>
+            <a:ext cx="8358474" cy="4456856"/>
+          </a:xfrm>
+          <a:prstGeom prst="rect">
+            <a:avLst/>
+          </a:prstGeom>
+        </p:spPr>
+      </p:pic>
+      <p:sp>
+        <p:nvSpPr>
+          <p:cNvPr id="12" name="TextBox 11"/>
+          <p:cNvSpPr txBox="1"/>
+          <p:nvPr/>
+        </p:nvSpPr>
+        <p:spPr>
+          <a:xfrm>
+            <a:off x="355322" y="6028055"/>
+            <a:ext cx="3195105" cy="369332"/>
+          </a:xfrm>
+          <a:prstGeom prst="rect">
+            <a:avLst/>
+          </a:prstGeom>
+          <a:noFill/>
+        </p:spPr>
+        <p:txBody>
+          <a:bodyPr wrap="none" rtlCol="0">
+            <a:spAutoFit/>
+          </a:bodyPr>
+          <a:lstStyle/>
+          <a:p>
+            <a:r>
+              <a:rPr lang="en-US" dirty="0" smtClean="0"/>
+              <a:t>Britain Southwick</a:t>
+            </a:r>
+            <a:r>
+              <a:rPr lang="en-US" smtClean="0"/>
+              <a:t>, CMSI 402</a:t>
+            </a:r>
+            <a:endParaRPr lang="en-US" dirty="0"/>
+          </a:p>
+        </p:txBody>
+      </p:sp>
+      <p:sp>
+        <p:nvSpPr>
+          <p:cNvPr id="13" name="Title 12"/>
           <p:cNvSpPr>
             <a:spLocks noGrp="1"/>
           </p:cNvSpPr>
           <p:nvPr>
-            <p:ph idx="1"/>
-          </p:nvPr>
-        </p:nvSpPr>
-        <p:spPr>
-          <a:xfrm>
-            <a:off x="276616" y="1694700"/>
-            <a:ext cx="8587626" cy="4957387"/>
-          </a:xfrm>
-        </p:spPr>
-        <p:txBody>
-          <a:bodyPr>
-            <a:normAutofit/>
-          </a:bodyPr>
-          <a:lstStyle/>
-          <a:p>
-            <a:r>
-              <a:rPr lang="en-US" dirty="0" smtClean="0"/>
-              <a:t>Allows </a:t>
+            <p:ph type="title"/>
+          </p:nvPr>
+        </p:nvSpPr>
+        <p:spPr/>
+        <p:txBody>
+          <a:bodyPr/>
+          <a:lstStyle/>
+          <a:p>
+            <a:r>
+              <a:rPr lang="en-US" dirty="0" err="1"/>
+              <a:t>GRNsight</a:t>
             </a:r>
             <a:r>
               <a:rPr lang="en-US" dirty="0"/>
-              <a:t>me to contribute </a:t>
-            </a:r>
-            <a:r>
-              <a:rPr lang="en-US" dirty="0" smtClean="0"/>
-              <a:t>to </a:t>
-            </a:r>
-            <a:r>
-              <a:rPr lang="en-US" dirty="0"/>
-              <a:t>an ongoing research </a:t>
-            </a:r>
-            <a:r>
-              <a:rPr lang="en-US" dirty="0" smtClean="0"/>
-              <a:t>project</a:t>
-            </a:r>
-            <a:endParaRPr lang="en-US" dirty="0" smtClean="0"/>
-          </a:p>
-          <a:p>
-            <a:pPr lvl="1"/>
-            <a:r>
-              <a:rPr lang="en-US" dirty="0" err="1" smtClean="0"/>
-              <a:t>Dahlquist</a:t>
-            </a:r>
-            <a:r>
-              <a:rPr lang="en-US" dirty="0" smtClean="0"/>
-              <a:t> Lab:</a:t>
-            </a:r>
-            <a:r>
-              <a:rPr lang="en-US" dirty="0"/>
-              <a:t> </a:t>
-            </a:r>
-            <a:r>
-              <a:rPr lang="en-US" dirty="0" smtClean="0"/>
-              <a:t>Wet Lab, </a:t>
-            </a:r>
-            <a:r>
-              <a:rPr lang="en-US" dirty="0" err="1" smtClean="0"/>
-              <a:t>GRNmap</a:t>
-            </a:r>
-            <a:r>
-              <a:rPr lang="en-US" dirty="0" smtClean="0"/>
-              <a:t>, Data Analysis, </a:t>
-            </a:r>
-            <a:r>
-              <a:rPr lang="en-US" dirty="0" err="1" smtClean="0"/>
-              <a:t>GRNsight</a:t>
-            </a:r>
-            <a:endParaRPr lang="en-US" dirty="0" smtClean="0"/>
-          </a:p>
-          <a:p>
-            <a:r>
-              <a:rPr lang="en-US" dirty="0" smtClean="0"/>
-              <a:t>Combines my interest in biology with my skills as a computer scientist</a:t>
-            </a:r>
-            <a:endParaRPr lang="en-US" dirty="0"/>
-          </a:p>
-          <a:p>
-            <a:r>
-              <a:rPr lang="en-US" dirty="0" smtClean="0"/>
-              <a:t>Create a maintainable project that the remaining members of the </a:t>
-            </a:r>
-            <a:r>
-              <a:rPr lang="en-US" dirty="0" err="1" smtClean="0"/>
-              <a:t>GRNsight</a:t>
-            </a:r>
-            <a:r>
-              <a:rPr lang="en-US" dirty="0" smtClean="0"/>
-              <a:t> team could continue without feeling too confused</a:t>
-            </a:r>
-          </a:p>
-          <a:p>
-            <a:r>
-              <a:rPr lang="en-US" dirty="0" err="1" smtClean="0"/>
-              <a:t>GRNsight</a:t>
-            </a:r>
-            <a:r>
-              <a:rPr lang="en-US" dirty="0" smtClean="0"/>
-              <a:t> was the first </a:t>
-            </a:r>
-            <a:r>
-              <a:rPr lang="en-US" dirty="0" smtClean="0"/>
-              <a:t>major coding </a:t>
-            </a:r>
-            <a:r>
-              <a:rPr lang="en-US" dirty="0" smtClean="0"/>
-              <a:t>project I ever did at LMU, and it felt fitting for it to also be the last one I did here as </a:t>
-            </a:r>
-            <a:r>
-              <a:rPr lang="en-US" dirty="0" smtClean="0"/>
-              <a:t>well</a:t>
-            </a:r>
-            <a:endParaRPr lang="en-US" dirty="0" smtClean="0"/>
-          </a:p>
-        </p:txBody>
-      </p:sp>
-      <p:sp>
-        <p:nvSpPr>
-          <p:cNvPr id="6" name="Title 5"/>
-          <p:cNvSpPr>
-            <a:spLocks noGrp="1"/>
-          </p:cNvSpPr>
-          <p:nvPr>
-            <p:ph type="title"/>
-          </p:nvPr>
-        </p:nvSpPr>
-        <p:spPr/>
-        <p:txBody>
-          <a:bodyPr>
-            <a:normAutofit/>
-          </a:bodyPr>
-          <a:lstStyle/>
-          <a:p>
-            <a:r>
-              <a:rPr lang="en-US" sz="2400" dirty="0" smtClean="0"/>
-              <a:t>The decision to work on </a:t>
-            </a:r>
-            <a:r>
-              <a:rPr lang="en-US" sz="2400" dirty="0" err="1" smtClean="0"/>
-              <a:t>grnsight</a:t>
-            </a:r>
-            <a:r>
-              <a:rPr lang="en-US" sz="2400" dirty="0" smtClean="0"/>
-              <a:t> for 402 was inspired by a number of different factors.</a:t>
-            </a:r>
-            <a:endParaRPr lang="en-US" sz="2400" dirty="0"/>
+              <a:t> v0 (May 2014)</a:t>
+            </a:r>
           </a:p>
         </p:txBody>
       </p:sp>
     </p:spTree>
     <p:extLst>
       <p:ext uri="{BB962C8B-B14F-4D97-AF65-F5344CB8AC3E}">
-        <p14:creationId xmlns:p14="http://schemas.microsoft.com/office/powerpoint/2010/main" val="1148903225"/>
+        <p14:creationId xmlns:p14="http://schemas.microsoft.com/office/powerpoint/2010/main" val="3969859091"/>
       </p:ext>
     </p:extLst>
   </p:cSld>
@@ -5807,88 +6295,115 @@
       </p:grpSpPr>
       <p:sp>
         <p:nvSpPr>
-          <p:cNvPr id="3" name="Content Placeholder 2"/>
+          <p:cNvPr id="6" name="Rectangle 5"/>
+          <p:cNvSpPr/>
+          <p:nvPr/>
+        </p:nvSpPr>
+        <p:spPr>
+          <a:xfrm>
+            <a:off x="320204" y="1796333"/>
+            <a:ext cx="8521957" cy="4768050"/>
+          </a:xfrm>
+          <a:prstGeom prst="rect">
+            <a:avLst/>
+          </a:prstGeom>
+          <a:solidFill>
+            <a:schemeClr val="bg1"/>
+          </a:solidFill>
+          <a:ln w="76200" cap="sq">
+            <a:solidFill>
+              <a:schemeClr val="bg1">
+                <a:lumMod val="95000"/>
+              </a:schemeClr>
+            </a:solidFill>
+            <a:miter lim="800000"/>
+          </a:ln>
+        </p:spPr>
+        <p:style>
+          <a:lnRef idx="2">
+            <a:schemeClr val="accent1">
+              <a:shade val="50000"/>
+            </a:schemeClr>
+          </a:lnRef>
+          <a:fillRef idx="1">
+            <a:schemeClr val="accent1"/>
+          </a:fillRef>
+          <a:effectRef idx="0">
+            <a:schemeClr val="accent1"/>
+          </a:effectRef>
+          <a:fontRef idx="minor">
+            <a:schemeClr val="lt1"/>
+          </a:fontRef>
+        </p:style>
+        <p:txBody>
+          <a:bodyPr rtlCol="0" anchor="ctr"/>
+          <a:lstStyle/>
+          <a:p>
+            <a:pPr algn="ctr"/>
+            <a:endParaRPr lang="en-US">
+              <a:ln cap="sq">
+                <a:solidFill>
+                  <a:schemeClr val="accent1"/>
+                </a:solidFill>
+                <a:miter lim="800000"/>
+              </a:ln>
+            </a:endParaRPr>
+          </a:p>
+        </p:txBody>
+      </p:sp>
+      <p:sp>
+        <p:nvSpPr>
+          <p:cNvPr id="5" name="Title 4"/>
           <p:cNvSpPr>
             <a:spLocks noGrp="1"/>
           </p:cNvSpPr>
           <p:nvPr>
-            <p:ph idx="1"/>
-          </p:nvPr>
-        </p:nvSpPr>
-        <p:spPr>
-          <a:xfrm>
-            <a:off x="1043492" y="1694700"/>
-            <a:ext cx="6777317" cy="3508977"/>
-          </a:xfrm>
-        </p:spPr>
+            <p:ph type="title"/>
+          </p:nvPr>
+        </p:nvSpPr>
+        <p:spPr/>
         <p:txBody>
           <a:bodyPr/>
           <a:lstStyle/>
           <a:p>
-            <a:endParaRPr lang="en-US" dirty="0"/>
+            <a:r>
+              <a:rPr lang="en-US" dirty="0" err="1"/>
+              <a:t>GRNsight</a:t>
+            </a:r>
+            <a:r>
+              <a:rPr lang="en-US" dirty="0"/>
+              <a:t> v1 (August 2016)</a:t>
+            </a:r>
           </a:p>
         </p:txBody>
       </p:sp>
       <p:pic>
         <p:nvPicPr>
-          <p:cNvPr id="7" name="Picture 6" descr="Screen Shot 2017-04-28 at 8.40.31 AM.png"/>
+          <p:cNvPr id="7" name="Picture 6"/>
           <p:cNvPicPr>
             <a:picLocks noChangeAspect="1"/>
           </p:cNvPicPr>
           <p:nvPr/>
         </p:nvPicPr>
-        <p:blipFill>
-          <a:blip r:embed="rId2">
-            <a:extLst>
-              <a:ext uri="{28A0092B-C50C-407E-A947-70E740481C1C}">
-                <a14:useLocalDpi xmlns:a14="http://schemas.microsoft.com/office/drawing/2010/main" val="0"/>
-              </a:ext>
-            </a:extLst>
-          </a:blip>
-          <a:stretch>
-            <a:fillRect/>
-          </a:stretch>
+        <p:blipFill rotWithShape="1">
+          <a:blip r:embed="rId2"/>
+          <a:srcRect l="11316" t="15590" r="17720" b="12001"/>
+          <a:stretch/>
         </p:blipFill>
         <p:spPr>
           <a:xfrm>
-            <a:off x="251473" y="1703608"/>
-            <a:ext cx="8656029" cy="4860272"/>
+            <a:off x="436724" y="1839925"/>
+            <a:ext cx="8288916" cy="4651629"/>
           </a:xfrm>
           <a:prstGeom prst="rect">
             <a:avLst/>
           </a:prstGeom>
         </p:spPr>
       </p:pic>
-      <p:sp>
-        <p:nvSpPr>
-          <p:cNvPr id="4" name="Title 3"/>
-          <p:cNvSpPr>
-            <a:spLocks noGrp="1"/>
-          </p:cNvSpPr>
-          <p:nvPr>
-            <p:ph type="title"/>
-          </p:nvPr>
-        </p:nvSpPr>
-        <p:spPr/>
-        <p:txBody>
-          <a:bodyPr/>
-          <a:lstStyle/>
-          <a:p>
-            <a:r>
-              <a:rPr lang="en-US" dirty="0" err="1"/>
-              <a:t>GRNsight</a:t>
-            </a:r>
-            <a:r>
-              <a:rPr lang="en-US" dirty="0"/>
-              <a:t> v2 (May 2017)</a:t>
-            </a:r>
-          </a:p>
-        </p:txBody>
-      </p:sp>
     </p:spTree>
     <p:extLst>
       <p:ext uri="{BB962C8B-B14F-4D97-AF65-F5344CB8AC3E}">
-        <p14:creationId xmlns:p14="http://schemas.microsoft.com/office/powerpoint/2010/main" val="2179672677"/>
+        <p14:creationId xmlns:p14="http://schemas.microsoft.com/office/powerpoint/2010/main" val="3644462785"/>
       </p:ext>
     </p:extLst>
   </p:cSld>
@@ -5924,26 +6439,59 @@
       </p:grpSpPr>
       <p:sp>
         <p:nvSpPr>
-          <p:cNvPr id="2" name="Title 1"/>
-          <p:cNvSpPr>
-            <a:spLocks noGrp="1"/>
-          </p:cNvSpPr>
-          <p:nvPr>
-            <p:ph type="title"/>
-          </p:nvPr>
-        </p:nvSpPr>
-        <p:spPr/>
-        <p:txBody>
-          <a:bodyPr>
-            <a:normAutofit fontScale="90000"/>
-          </a:bodyPr>
-          <a:lstStyle/>
-          <a:p>
-            <a:r>
-              <a:rPr lang="en-US" dirty="0" smtClean="0"/>
-              <a:t>Graph without adaptive bounding box</a:t>
-            </a:r>
-            <a:endParaRPr lang="en-US" dirty="0"/>
+          <p:cNvPr id="5" name="Rectangle 4"/>
+          <p:cNvSpPr/>
+          <p:nvPr/>
+        </p:nvSpPr>
+        <p:spPr>
+          <a:xfrm>
+            <a:off x="320204" y="1796333"/>
+            <a:ext cx="8521957" cy="4768050"/>
+          </a:xfrm>
+          <a:prstGeom prst="rect">
+            <a:avLst/>
+          </a:prstGeom>
+          <a:solidFill>
+            <a:schemeClr val="bg1"/>
+          </a:solidFill>
+          <a:ln w="76200" cap="sq">
+            <a:solidFill>
+              <a:schemeClr val="bg1">
+                <a:lumMod val="95000"/>
+              </a:schemeClr>
+            </a:solidFill>
+            <a:miter lim="800000"/>
+          </a:ln>
+        </p:spPr>
+        <p:style>
+          <a:lnRef idx="2">
+            <a:schemeClr val="accent1">
+              <a:shade val="50000"/>
+            </a:schemeClr>
+          </a:lnRef>
+          <a:fillRef idx="1">
+            <a:schemeClr val="accent1"/>
+          </a:fillRef>
+          <a:effectRef idx="0">
+            <a:schemeClr val="accent1"/>
+          </a:effectRef>
+          <a:fontRef idx="minor">
+            <a:schemeClr val="lt1"/>
+          </a:fontRef>
+        </p:style>
+        <p:txBody>
+          <a:bodyPr rtlCol="0" anchor="ctr"/>
+          <a:lstStyle/>
+          <a:p>
+            <a:pPr algn="ctr"/>
+            <a:endParaRPr lang="en-US">
+              <a:ln cap="sq">
+                <a:solidFill>
+                  <a:schemeClr val="accent1"/>
+                </a:solidFill>
+                <a:miter lim="800000"/>
+              </a:ln>
+            </a:endParaRPr>
           </a:p>
         </p:txBody>
       </p:sp>
@@ -5957,55 +6505,149 @@
             <p:ph idx="1"/>
           </p:nvPr>
         </p:nvSpPr>
+        <p:spPr>
+          <a:xfrm>
+            <a:off x="301762" y="1790236"/>
+            <a:ext cx="8562480" cy="4894513"/>
+          </a:xfrm>
+        </p:spPr>
+        <p:txBody>
+          <a:bodyPr>
+            <a:normAutofit/>
+          </a:bodyPr>
+          <a:lstStyle/>
+          <a:p>
+            <a:r>
+              <a:rPr lang="en-US" b="1" dirty="0" smtClean="0"/>
+              <a:t>Flaw: </a:t>
+            </a:r>
+            <a:r>
+              <a:rPr lang="en-US" dirty="0" smtClean="0"/>
+              <a:t>Force graph could not fully relax </a:t>
+            </a:r>
+            <a:r>
+              <a:rPr lang="en-US" smtClean="0"/>
+              <a:t>when loaded</a:t>
+            </a:r>
+          </a:p>
+          <a:p>
+            <a:pPr lvl="1"/>
+            <a:r>
+              <a:rPr lang="en-US"/>
+              <a:t>Viewport and bounding box were the same, and came in only one size</a:t>
+            </a:r>
+            <a:endParaRPr lang="en-US" dirty="0" smtClean="0"/>
+          </a:p>
+          <a:p>
+            <a:r>
+              <a:rPr lang="en-US" b="1" smtClean="0"/>
+              <a:t>Solution: </a:t>
+            </a:r>
+            <a:r>
+              <a:rPr lang="en-US" dirty="0" smtClean="0"/>
+              <a:t>Allow bounding box to expand as the force was applied</a:t>
+            </a:r>
+          </a:p>
+          <a:p>
+            <a:pPr lvl="1"/>
+            <a:r>
+              <a:rPr lang="en-US" b="1" smtClean="0"/>
+              <a:t>Consequence:</a:t>
+            </a:r>
+            <a:r>
+              <a:rPr lang="en-US" smtClean="0"/>
+              <a:t> Need a way to navigate the newly expanded bounding box</a:t>
+            </a:r>
+          </a:p>
+          <a:p>
+            <a:r>
+              <a:rPr lang="en-US" b="1" smtClean="0"/>
+              <a:t>Goal</a:t>
+            </a:r>
+            <a:r>
+              <a:rPr lang="en-US" b="1" dirty="0" smtClean="0"/>
+              <a:t>: </a:t>
+            </a:r>
+            <a:r>
+              <a:rPr lang="en-US" dirty="0" smtClean="0"/>
+              <a:t>Separate viewport from bounding box, and allow multiple sizes of both for </a:t>
+            </a:r>
+            <a:r>
+              <a:rPr lang="en-US" smtClean="0"/>
+              <a:t>different screens</a:t>
+            </a:r>
+          </a:p>
+          <a:p>
+            <a:pPr lvl="1"/>
+            <a:r>
+              <a:rPr lang="en-US" smtClean="0"/>
+              <a:t>Add zooming and scrolling navigation functions</a:t>
+            </a:r>
+            <a:endParaRPr lang="en-US" dirty="0" smtClean="0"/>
+          </a:p>
+          <a:p>
+            <a:r>
+              <a:rPr lang="en-US" dirty="0" smtClean="0"/>
+              <a:t>Smaller goals included quality of life improvements for the developers as well as code cleanup</a:t>
+            </a:r>
+            <a:endParaRPr lang="en-US" dirty="0"/>
+          </a:p>
+        </p:txBody>
+      </p:sp>
+      <p:sp>
+        <p:nvSpPr>
+          <p:cNvPr id="4" name="Title 3"/>
+          <p:cNvSpPr>
+            <a:spLocks noGrp="1"/>
+          </p:cNvSpPr>
+          <p:nvPr>
+            <p:ph type="title"/>
+          </p:nvPr>
+        </p:nvSpPr>
         <p:spPr/>
         <p:txBody>
-          <a:bodyPr/>
-          <a:lstStyle/>
-          <a:p>
-            <a:endParaRPr lang="en-US" dirty="0"/>
-          </a:p>
-        </p:txBody>
-      </p:sp>
-      <p:pic>
-        <p:nvPicPr>
-          <p:cNvPr id="5" name="Picture 4" descr="Screen Shot 2017-05-03 at 10.22.12 AM.png"/>
-          <p:cNvPicPr>
-            <a:picLocks noChangeAspect="1"/>
-          </p:cNvPicPr>
-          <p:nvPr/>
-        </p:nvPicPr>
-        <p:blipFill>
-          <a:blip r:embed="rId2">
-            <a:extLst>
-              <a:ext uri="{28A0092B-C50C-407E-A947-70E740481C1C}">
-                <a14:useLocalDpi xmlns:a14="http://schemas.microsoft.com/office/drawing/2010/main" val="0"/>
-              </a:ext>
-            </a:extLst>
-          </a:blip>
-          <a:stretch>
-            <a:fillRect/>
-          </a:stretch>
-        </p:blipFill>
-        <p:spPr>
-          <a:xfrm>
-            <a:off x="1483661" y="1920345"/>
-            <a:ext cx="6168664" cy="4457315"/>
-          </a:xfrm>
-          <a:prstGeom prst="rect">
-            <a:avLst/>
-          </a:prstGeom>
-        </p:spPr>
-      </p:pic>
+          <a:bodyPr>
+            <a:noAutofit/>
+          </a:bodyPr>
+          <a:lstStyle/>
+          <a:p>
+            <a:r>
+              <a:rPr lang="en-US" sz="2400" dirty="0" smtClean="0"/>
+              <a:t>With the initial </a:t>
+            </a:r>
+            <a:r>
+              <a:rPr lang="en-US" sz="2400" dirty="0" err="1" smtClean="0"/>
+              <a:t>grnsight</a:t>
+            </a:r>
+            <a:r>
+              <a:rPr lang="en-US" sz="2400" dirty="0" smtClean="0"/>
+              <a:t> application complete, it was time </a:t>
+            </a:r>
+            <a:r>
+              <a:rPr lang="en-US" sz="2400" smtClean="0"/>
+              <a:t>for improvements</a:t>
+            </a:r>
+            <a:endParaRPr lang="en-US" sz="2400" dirty="0"/>
+          </a:p>
+        </p:txBody>
+      </p:sp>
     </p:spTree>
     <p:extLst>
       <p:ext uri="{BB962C8B-B14F-4D97-AF65-F5344CB8AC3E}">
-        <p14:creationId xmlns:p14="http://schemas.microsoft.com/office/powerpoint/2010/main" val="1889434669"/>
+        <p14:creationId xmlns:p14="http://schemas.microsoft.com/office/powerpoint/2010/main" val="3337668226"/>
       </p:ext>
     </p:extLst>
   </p:cSld>
   <p:clrMapOvr>
     <a:masterClrMapping/>
   </p:clrMapOvr>
+  <p:timing>
+    <p:tnLst>
+      <p:par>
+        <p:cTn xmlns:p14="http://schemas.microsoft.com/office/powerpoint/2010/main" id="1" dur="indefinite" restart="never" nodeType="tmRoot"/>
+      </p:par>
+    </p:tnLst>
+  </p:timing>
 </p:sld>
 </file>
 
@@ -6028,6 +6670,64 @@
       </p:grpSpPr>
       <p:sp>
         <p:nvSpPr>
+          <p:cNvPr id="4" name="Rectangle 3"/>
+          <p:cNvSpPr/>
+          <p:nvPr/>
+        </p:nvSpPr>
+        <p:spPr>
+          <a:xfrm>
+            <a:off x="320204" y="1796333"/>
+            <a:ext cx="8521957" cy="4768050"/>
+          </a:xfrm>
+          <a:prstGeom prst="rect">
+            <a:avLst/>
+          </a:prstGeom>
+          <a:solidFill>
+            <a:schemeClr val="bg1"/>
+          </a:solidFill>
+          <a:ln w="76200" cap="sq">
+            <a:solidFill>
+              <a:schemeClr val="bg1">
+                <a:lumMod val="95000"/>
+              </a:schemeClr>
+            </a:solidFill>
+            <a:miter lim="800000"/>
+          </a:ln>
+        </p:spPr>
+        <p:style>
+          <a:lnRef idx="2">
+            <a:schemeClr val="accent1">
+              <a:shade val="50000"/>
+            </a:schemeClr>
+          </a:lnRef>
+          <a:fillRef idx="1">
+            <a:schemeClr val="accent1"/>
+          </a:fillRef>
+          <a:effectRef idx="0">
+            <a:schemeClr val="accent1"/>
+          </a:effectRef>
+          <a:fontRef idx="minor">
+            <a:schemeClr val="lt1"/>
+          </a:fontRef>
+        </p:style>
+        <p:txBody>
+          <a:bodyPr rtlCol="0" anchor="ctr"/>
+          <a:lstStyle/>
+          <a:p>
+            <a:pPr algn="ctr"/>
+            <a:endParaRPr lang="en-US">
+              <a:ln cap="sq">
+                <a:solidFill>
+                  <a:schemeClr val="accent1"/>
+                </a:solidFill>
+                <a:miter lim="800000"/>
+              </a:ln>
+            </a:endParaRPr>
+          </a:p>
+        </p:txBody>
+      </p:sp>
+      <p:sp>
+        <p:nvSpPr>
           <p:cNvPr id="3" name="Content Placeholder 2"/>
           <p:cNvSpPr>
             <a:spLocks noGrp="1"/>
@@ -6038,21 +6738,105 @@
         </p:nvSpPr>
         <p:spPr>
           <a:xfrm>
-            <a:off x="1043492" y="1694700"/>
-            <a:ext cx="6777317" cy="3508977"/>
-          </a:xfrm>
-        </p:spPr>
-        <p:txBody>
-          <a:bodyPr/>
-          <a:lstStyle/>
-          <a:p>
+            <a:off x="276616" y="1817532"/>
+            <a:ext cx="8587626" cy="4957387"/>
+          </a:xfrm>
+        </p:spPr>
+        <p:txBody>
+          <a:bodyPr>
+            <a:normAutofit/>
+          </a:bodyPr>
+          <a:lstStyle/>
+          <a:p>
+            <a:r>
+              <a:rPr lang="en-US" dirty="0" smtClean="0"/>
+              <a:t>Allows </a:t>
+            </a:r>
+            <a:r>
+              <a:rPr lang="en-US" dirty="0"/>
+              <a:t>me to contribute </a:t>
+            </a:r>
+            <a:r>
+              <a:rPr lang="en-US" dirty="0" smtClean="0"/>
+              <a:t>to </a:t>
+            </a:r>
+            <a:r>
+              <a:rPr lang="en-US" dirty="0"/>
+              <a:t>an ongoing research </a:t>
+            </a:r>
+            <a:r>
+              <a:rPr lang="en-US" dirty="0" smtClean="0"/>
+              <a:t>project</a:t>
+            </a:r>
+          </a:p>
+          <a:p>
+            <a:pPr lvl="1"/>
+            <a:r>
+              <a:rPr lang="en-US" dirty="0" err="1" smtClean="0"/>
+              <a:t>Dahlquist</a:t>
+            </a:r>
+            <a:r>
+              <a:rPr lang="en-US" dirty="0" smtClean="0"/>
+              <a:t> Lab:</a:t>
+            </a:r>
+            <a:r>
+              <a:rPr lang="en-US" dirty="0"/>
+              <a:t> </a:t>
+            </a:r>
+            <a:r>
+              <a:rPr lang="en-US" dirty="0" smtClean="0"/>
+              <a:t>Wet Lab, </a:t>
+            </a:r>
+            <a:r>
+              <a:rPr lang="en-US" dirty="0" err="1" smtClean="0"/>
+              <a:t>GRNmap</a:t>
+            </a:r>
+            <a:r>
+              <a:rPr lang="en-US" dirty="0" smtClean="0"/>
+              <a:t>, Data Analysis, </a:t>
+            </a:r>
+            <a:r>
+              <a:rPr lang="en-US" dirty="0" err="1" smtClean="0"/>
+              <a:t>GRNsight</a:t>
+            </a:r>
+            <a:endParaRPr lang="en-US" dirty="0" smtClean="0"/>
+          </a:p>
+          <a:p>
+            <a:r>
+              <a:rPr lang="en-US" dirty="0" smtClean="0"/>
+              <a:t>Combines my interest in biology with my skills as a computer scientist</a:t>
+            </a:r>
             <a:endParaRPr lang="en-US" dirty="0"/>
           </a:p>
-        </p:txBody>
-      </p:sp>
-      <p:sp>
-        <p:nvSpPr>
-          <p:cNvPr id="5" name="Title 4"/>
+          <a:p>
+            <a:r>
+              <a:rPr lang="en-US" dirty="0" smtClean="0"/>
+              <a:t>Create a maintainable project that the remaining members of the </a:t>
+            </a:r>
+            <a:r>
+              <a:rPr lang="en-US" dirty="0" err="1" smtClean="0"/>
+              <a:t>GRNsight</a:t>
+            </a:r>
+            <a:r>
+              <a:rPr lang="en-US" dirty="0" smtClean="0"/>
+              <a:t> team could continue without feeling too confused</a:t>
+            </a:r>
+          </a:p>
+          <a:p>
+            <a:r>
+              <a:rPr lang="en-US" dirty="0" err="1" smtClean="0"/>
+              <a:t>GRNsight</a:t>
+            </a:r>
+            <a:r>
+              <a:rPr lang="en-US" dirty="0" smtClean="0"/>
+              <a:t> was the first major coding project I ever did at LMU, and it felt fitting for it to also be the last one I did here as well</a:t>
+            </a:r>
+          </a:p>
+        </p:txBody>
+      </p:sp>
+      <p:sp>
+        <p:nvSpPr>
+          <p:cNvPr id="6" name="Title 5"/>
           <p:cNvSpPr>
             <a:spLocks noGrp="1"/>
           </p:cNvSpPr>
@@ -6069,46 +6853,28 @@
           <a:p>
             <a:r>
               <a:rPr lang="en-US" sz="2400" dirty="0" smtClean="0"/>
-              <a:t>Graph with adaptive bounding box</a:t>
+              <a:t>The decision to work on </a:t>
+            </a:r>
+            <a:r>
+              <a:rPr lang="en-US" sz="2400" dirty="0" err="1" smtClean="0"/>
+              <a:t>grnsight</a:t>
+            </a:r>
+            <a:r>
+              <a:rPr lang="en-US" sz="2400" dirty="0" smtClean="0"/>
+              <a:t> for 402 was inspired by a number of </a:t>
+            </a:r>
+            <a:r>
+              <a:rPr lang="en-US" sz="2400" smtClean="0"/>
+              <a:t>different factors</a:t>
             </a:r>
             <a:endParaRPr lang="en-US" sz="2400" dirty="0"/>
           </a:p>
         </p:txBody>
       </p:sp>
-      <p:pic>
-        <p:nvPicPr>
-          <p:cNvPr id="6" name="Picture 5" descr="Screen Shot 2017-05-03 at 10.24.42 AM.png"/>
-          <p:cNvPicPr>
-            <a:picLocks noChangeAspect="1"/>
-          </p:cNvPicPr>
-          <p:nvPr/>
-        </p:nvPicPr>
-        <p:blipFill>
-          <a:blip r:embed="rId3">
-            <a:extLst>
-              <a:ext uri="{28A0092B-C50C-407E-A947-70E740481C1C}">
-                <a14:useLocalDpi xmlns:a14="http://schemas.microsoft.com/office/drawing/2010/main" val="0"/>
-              </a:ext>
-            </a:extLst>
-          </a:blip>
-          <a:stretch>
-            <a:fillRect/>
-          </a:stretch>
-        </p:blipFill>
-        <p:spPr>
-          <a:xfrm>
-            <a:off x="1207045" y="1694700"/>
-            <a:ext cx="6880789" cy="4991660"/>
-          </a:xfrm>
-          <a:prstGeom prst="rect">
-            <a:avLst/>
-          </a:prstGeom>
-        </p:spPr>
-      </p:pic>
     </p:spTree>
     <p:extLst>
       <p:ext uri="{BB962C8B-B14F-4D97-AF65-F5344CB8AC3E}">
-        <p14:creationId xmlns:p14="http://schemas.microsoft.com/office/powerpoint/2010/main" val="2017318638"/>
+        <p14:creationId xmlns:p14="http://schemas.microsoft.com/office/powerpoint/2010/main" val="1148903225"/>
       </p:ext>
     </p:extLst>
   </p:cSld>
@@ -6144,75 +6910,59 @@
       </p:grpSpPr>
       <p:sp>
         <p:nvSpPr>
-          <p:cNvPr id="3" name="Content Placeholder 2"/>
-          <p:cNvSpPr>
-            <a:spLocks noGrp="1"/>
-          </p:cNvSpPr>
-          <p:nvPr>
-            <p:ph idx="1"/>
-          </p:nvPr>
-        </p:nvSpPr>
-        <p:spPr>
-          <a:xfrm>
-            <a:off x="276615" y="1694700"/>
-            <a:ext cx="8575053" cy="4957387"/>
-          </a:xfrm>
-        </p:spPr>
-        <p:txBody>
-          <a:bodyPr>
-            <a:normAutofit/>
-          </a:bodyPr>
-          <a:lstStyle/>
-          <a:p>
-            <a:r>
-              <a:rPr lang="en-US" dirty="0" smtClean="0"/>
-              <a:t>Working in a team (both a challenge and a blessing)</a:t>
-            </a:r>
-          </a:p>
-          <a:p>
-            <a:r>
-              <a:rPr lang="en-US" dirty="0" smtClean="0"/>
-              <a:t>Messy, un-commented chunks of code </a:t>
-            </a:r>
-            <a:endParaRPr lang="en-US" dirty="0"/>
-          </a:p>
-          <a:p>
-            <a:r>
-              <a:rPr lang="en-US" dirty="0" smtClean="0"/>
-              <a:t>Dynamic </a:t>
-            </a:r>
-            <a:r>
-              <a:rPr lang="en-US" dirty="0"/>
-              <a:t>resizing </a:t>
-            </a:r>
-            <a:r>
-              <a:rPr lang="en-US" dirty="0" smtClean="0"/>
-              <a:t>algorithm</a:t>
-            </a:r>
-          </a:p>
-          <a:p>
-            <a:r>
-              <a:rPr lang="en-US" dirty="0" smtClean="0"/>
-              <a:t>Windows OS</a:t>
-            </a:r>
-          </a:p>
-          <a:p>
-            <a:r>
-              <a:rPr lang="en-US" dirty="0"/>
-              <a:t>Chrome/Firefox </a:t>
-            </a:r>
-            <a:r>
-              <a:rPr lang="en-US" dirty="0" smtClean="0"/>
-              <a:t>updates </a:t>
-            </a:r>
-            <a:endParaRPr lang="en-US" dirty="0"/>
-          </a:p>
-          <a:p>
-            <a:r>
-              <a:rPr lang="en-US" dirty="0" smtClean="0"/>
-              <a:t>Sudden bug with the entire program breaking entirely for two of the developers appearing a week before the end of the semester</a:t>
-            </a:r>
-            <a:endParaRPr lang="en-US" dirty="0"/>
+          <p:cNvPr id="6" name="Rectangle 5"/>
+          <p:cNvSpPr/>
+          <p:nvPr/>
+        </p:nvSpPr>
+        <p:spPr>
+          <a:xfrm>
+            <a:off x="320204" y="1796333"/>
+            <a:ext cx="8521957" cy="4768050"/>
+          </a:xfrm>
+          <a:prstGeom prst="rect">
+            <a:avLst/>
+          </a:prstGeom>
+          <a:solidFill>
+            <a:schemeClr val="bg1"/>
+          </a:solidFill>
+          <a:ln w="76200" cap="sq">
+            <a:solidFill>
+              <a:schemeClr val="bg1">
+                <a:lumMod val="95000"/>
+              </a:schemeClr>
+            </a:solidFill>
+            <a:miter lim="800000"/>
+          </a:ln>
+        </p:spPr>
+        <p:style>
+          <a:lnRef idx="2">
+            <a:schemeClr val="accent1">
+              <a:shade val="50000"/>
+            </a:schemeClr>
+          </a:lnRef>
+          <a:fillRef idx="1">
+            <a:schemeClr val="accent1"/>
+          </a:fillRef>
+          <a:effectRef idx="0">
+            <a:schemeClr val="accent1"/>
+          </a:effectRef>
+          <a:fontRef idx="minor">
+            <a:schemeClr val="lt1"/>
+          </a:fontRef>
+        </p:style>
+        <p:txBody>
+          <a:bodyPr rtlCol="0" anchor="ctr"/>
+          <a:lstStyle/>
+          <a:p>
+            <a:pPr algn="ctr"/>
+            <a:endParaRPr lang="en-US">
+              <a:ln cap="sq">
+                <a:solidFill>
+                  <a:schemeClr val="accent1"/>
+                </a:solidFill>
+                <a:miter lim="800000"/>
+              </a:ln>
+            </a:endParaRPr>
           </a:p>
         </p:txBody>
       </p:sp>
@@ -6228,31 +6978,47 @@
         </p:nvSpPr>
         <p:spPr/>
         <p:txBody>
-          <a:bodyPr>
-            <a:noAutofit/>
-          </a:bodyPr>
-          <a:lstStyle/>
-          <a:p>
-            <a:r>
-              <a:rPr lang="en-US" sz="2400" dirty="0" smtClean="0"/>
-              <a:t>Every project comes with its challenges, and </a:t>
-            </a:r>
-            <a:r>
-              <a:rPr lang="en-US" sz="2400" dirty="0" err="1" smtClean="0"/>
-              <a:t>grnsight</a:t>
-            </a:r>
-            <a:r>
-              <a:rPr lang="en-US" sz="2400" dirty="0" smtClean="0"/>
-              <a:t> was no different.</a:t>
-            </a:r>
-            <a:endParaRPr lang="en-US" sz="2400" dirty="0"/>
-          </a:p>
-        </p:txBody>
-      </p:sp>
+          <a:bodyPr/>
+          <a:lstStyle/>
+          <a:p>
+            <a:r>
+              <a:rPr lang="en-US" dirty="0" err="1"/>
+              <a:t>GRNsight</a:t>
+            </a:r>
+            <a:r>
+              <a:rPr lang="en-US" dirty="0"/>
+              <a:t> v2 (May 2017)</a:t>
+            </a:r>
+          </a:p>
+        </p:txBody>
+      </p:sp>
+      <p:pic>
+        <p:nvPicPr>
+          <p:cNvPr id="2" name="Picture 1"/>
+          <p:cNvPicPr>
+            <a:picLocks noChangeAspect="1"/>
+          </p:cNvPicPr>
+          <p:nvPr/>
+        </p:nvPicPr>
+        <p:blipFill rotWithShape="1">
+          <a:blip r:embed="rId2"/>
+          <a:srcRect l="12859" t="19960" r="2586" b="507"/>
+          <a:stretch/>
+        </p:blipFill>
+        <p:spPr>
+          <a:xfrm>
+            <a:off x="397884" y="1891869"/>
+            <a:ext cx="8355499" cy="4426817"/>
+          </a:xfrm>
+          <a:prstGeom prst="rect">
+            <a:avLst/>
+          </a:prstGeom>
+        </p:spPr>
+      </p:pic>
     </p:spTree>
     <p:extLst>
       <p:ext uri="{BB962C8B-B14F-4D97-AF65-F5344CB8AC3E}">
-        <p14:creationId xmlns:p14="http://schemas.microsoft.com/office/powerpoint/2010/main" val="403550464"/>
+        <p14:creationId xmlns:p14="http://schemas.microsoft.com/office/powerpoint/2010/main" val="2179672677"/>
       </p:ext>
     </p:extLst>
   </p:cSld>
@@ -6288,137 +7054,59 @@
       </p:grpSpPr>
       <p:sp>
         <p:nvSpPr>
-          <p:cNvPr id="3" name="Content Placeholder 2"/>
-          <p:cNvSpPr>
-            <a:spLocks noGrp="1"/>
-          </p:cNvSpPr>
-          <p:nvPr>
-            <p:ph idx="1"/>
-          </p:nvPr>
-        </p:nvSpPr>
-        <p:spPr>
-          <a:xfrm>
-            <a:off x="276616" y="1694700"/>
-            <a:ext cx="8587626" cy="4831639"/>
-          </a:xfrm>
-        </p:spPr>
-        <p:txBody>
-          <a:bodyPr>
-            <a:normAutofit/>
-          </a:bodyPr>
-          <a:lstStyle/>
-          <a:p>
-            <a:r>
-              <a:rPr lang="en-US" dirty="0" smtClean="0"/>
-              <a:t>Dr. </a:t>
-            </a:r>
-            <a:r>
-              <a:rPr lang="en-US" dirty="0" err="1" smtClean="0"/>
-              <a:t>Kam</a:t>
-            </a:r>
-            <a:r>
-              <a:rPr lang="en-US" dirty="0" smtClean="0"/>
-              <a:t> D. </a:t>
-            </a:r>
-            <a:r>
-              <a:rPr lang="en-US" dirty="0" err="1" smtClean="0"/>
-              <a:t>Dahlquist</a:t>
-            </a:r>
-            <a:endParaRPr lang="en-US" dirty="0" smtClean="0"/>
-          </a:p>
-          <a:p>
-            <a:r>
-              <a:rPr lang="en-US" dirty="0" smtClean="0"/>
-              <a:t>Dr. John David N. </a:t>
-            </a:r>
-            <a:r>
-              <a:rPr lang="en-US" dirty="0" err="1" smtClean="0"/>
-              <a:t>Dionisio</a:t>
-            </a:r>
-            <a:endParaRPr lang="en-US" dirty="0" smtClean="0"/>
-          </a:p>
-          <a:p>
-            <a:r>
-              <a:rPr lang="en-US" dirty="0"/>
-              <a:t>Britain </a:t>
-            </a:r>
-            <a:r>
-              <a:rPr lang="en-US" dirty="0" smtClean="0"/>
-              <a:t>Southwick</a:t>
-            </a:r>
-          </a:p>
-          <a:p>
-            <a:r>
-              <a:rPr lang="en-US" dirty="0" err="1" smtClean="0"/>
-              <a:t>GRNsight</a:t>
-            </a:r>
-            <a:r>
-              <a:rPr lang="en-US" dirty="0" smtClean="0"/>
-              <a:t> Team:</a:t>
-            </a:r>
-          </a:p>
-          <a:p>
-            <a:pPr lvl="1"/>
-            <a:r>
-              <a:rPr lang="en-US" dirty="0" smtClean="0"/>
-              <a:t>Jen Shin</a:t>
-            </a:r>
-          </a:p>
-          <a:p>
-            <a:pPr lvl="1"/>
-            <a:r>
-              <a:rPr lang="en-US" dirty="0" err="1" smtClean="0"/>
-              <a:t>Anu</a:t>
-            </a:r>
-            <a:r>
-              <a:rPr lang="en-US" dirty="0" smtClean="0"/>
-              <a:t> </a:t>
-            </a:r>
-            <a:r>
-              <a:rPr lang="en-US" dirty="0" err="1" smtClean="0"/>
-              <a:t>Varshneya</a:t>
-            </a:r>
-            <a:endParaRPr lang="en-US" dirty="0" smtClean="0"/>
-          </a:p>
-          <a:p>
-            <a:pPr lvl="1"/>
-            <a:r>
-              <a:rPr lang="en-US" dirty="0" err="1" smtClean="0"/>
-              <a:t>Mihir</a:t>
-            </a:r>
-            <a:r>
-              <a:rPr lang="en-US" dirty="0"/>
-              <a:t> </a:t>
-            </a:r>
-            <a:r>
-              <a:rPr lang="en-US" dirty="0" err="1" smtClean="0"/>
-              <a:t>Samdarshi</a:t>
-            </a:r>
-            <a:endParaRPr lang="en-US" dirty="0" smtClean="0"/>
-          </a:p>
-          <a:p>
-            <a:pPr lvl="1"/>
-            <a:r>
-              <a:rPr lang="en-US" dirty="0" smtClean="0"/>
-              <a:t>Eddie </a:t>
-            </a:r>
-            <a:r>
-              <a:rPr lang="en-US" dirty="0" err="1" smtClean="0"/>
-              <a:t>Bachoura</a:t>
-            </a:r>
-            <a:endParaRPr lang="en-US" dirty="0" smtClean="0"/>
-          </a:p>
-          <a:p>
-            <a:pPr lvl="1"/>
-            <a:r>
-              <a:rPr lang="en-US" dirty="0" smtClean="0"/>
-              <a:t>Eileen </a:t>
-            </a:r>
-            <a:r>
-              <a:rPr lang="en-US" dirty="0" err="1" smtClean="0"/>
-              <a:t>Choe</a:t>
-            </a:r>
-            <a:endParaRPr lang="en-US" dirty="0" smtClean="0"/>
+          <p:cNvPr id="6" name="Rectangle 5"/>
+          <p:cNvSpPr/>
+          <p:nvPr/>
+        </p:nvSpPr>
+        <p:spPr>
+          <a:xfrm>
+            <a:off x="320204" y="1796333"/>
+            <a:ext cx="8521957" cy="4768050"/>
+          </a:xfrm>
+          <a:prstGeom prst="rect">
+            <a:avLst/>
+          </a:prstGeom>
+          <a:solidFill>
+            <a:schemeClr val="bg1"/>
+          </a:solidFill>
+          <a:ln w="76200" cap="sq">
+            <a:solidFill>
+              <a:schemeClr val="bg1">
+                <a:lumMod val="95000"/>
+              </a:schemeClr>
+            </a:solidFill>
+            <a:miter lim="800000"/>
+          </a:ln>
+        </p:spPr>
+        <p:style>
+          <a:lnRef idx="2">
+            <a:schemeClr val="accent1">
+              <a:shade val="50000"/>
+            </a:schemeClr>
+          </a:lnRef>
+          <a:fillRef idx="1">
+            <a:schemeClr val="accent1"/>
+          </a:fillRef>
+          <a:effectRef idx="0">
+            <a:schemeClr val="accent1"/>
+          </a:effectRef>
+          <a:fontRef idx="minor">
+            <a:schemeClr val="lt1"/>
+          </a:fontRef>
+        </p:style>
+        <p:txBody>
+          <a:bodyPr rtlCol="0" anchor="ctr"/>
+          <a:lstStyle/>
+          <a:p>
+            <a:pPr algn="ctr"/>
+            <a:endParaRPr lang="en-US">
+              <a:ln cap="sq">
+                <a:solidFill>
+                  <a:schemeClr val="accent1"/>
+                </a:solidFill>
+                <a:miter lim="800000"/>
+              </a:ln>
+            </a:endParaRPr>
           </a:p>
         </p:txBody>
       </p:sp>
@@ -6438,16 +7126,73 @@
           <a:lstStyle/>
           <a:p>
             <a:r>
+              <a:rPr lang="en-US" dirty="0" err="1"/>
+              <a:t>GRNsight</a:t>
+            </a:r>
+            <a:r>
               <a:rPr lang="en-US" dirty="0"/>
-              <a:t>Acknowledgments</a:t>
-            </a:r>
+              <a:t> v2 (May 2017)</a:t>
+            </a:r>
+          </a:p>
+        </p:txBody>
+      </p:sp>
+      <p:pic>
+        <p:nvPicPr>
+          <p:cNvPr id="3" name="Picture 2"/>
+          <p:cNvPicPr>
+            <a:picLocks noChangeAspect="1"/>
+          </p:cNvPicPr>
+          <p:nvPr/>
+        </p:nvPicPr>
+        <p:blipFill rotWithShape="1">
+          <a:blip r:embed="rId2"/>
+          <a:srcRect l="12947" t="20273" r="2561" b="1132"/>
+          <a:stretch/>
+        </p:blipFill>
+        <p:spPr>
+          <a:xfrm>
+            <a:off x="415740" y="1919166"/>
+            <a:ext cx="8339300" cy="4369446"/>
+          </a:xfrm>
+          <a:prstGeom prst="rect">
+            <a:avLst/>
+          </a:prstGeom>
+        </p:spPr>
+      </p:pic>
+      <p:sp>
+        <p:nvSpPr>
+          <p:cNvPr id="2" name="TextBox 1"/>
+          <p:cNvSpPr txBox="1"/>
+          <p:nvPr/>
+        </p:nvSpPr>
+        <p:spPr>
+          <a:xfrm>
+            <a:off x="5730536" y="5825719"/>
+            <a:ext cx="2956264" cy="369332"/>
+          </a:xfrm>
+          <a:prstGeom prst="rect">
+            <a:avLst/>
+          </a:prstGeom>
+          <a:noFill/>
+        </p:spPr>
+        <p:txBody>
+          <a:bodyPr wrap="square" rtlCol="0">
+            <a:spAutoFit/>
+          </a:bodyPr>
+          <a:lstStyle/>
+          <a:p>
+            <a:r>
+              <a:rPr lang="en-US" smtClean="0"/>
+              <a:t>Anu Varshneya, BIOL 598</a:t>
+            </a:r>
+            <a:endParaRPr lang="en-US"/>
           </a:p>
         </p:txBody>
       </p:sp>
     </p:spTree>
     <p:extLst>
       <p:ext uri="{BB962C8B-B14F-4D97-AF65-F5344CB8AC3E}">
-        <p14:creationId xmlns:p14="http://schemas.microsoft.com/office/powerpoint/2010/main" val="2721141253"/>
+        <p14:creationId xmlns:p14="http://schemas.microsoft.com/office/powerpoint/2010/main" val="1642813126"/>
       </p:ext>
     </p:extLst>
   </p:cSld>
@@ -6483,28 +7228,82 @@
       </p:grpSpPr>
       <p:sp>
         <p:nvSpPr>
-          <p:cNvPr id="8" name="Title 7"/>
+          <p:cNvPr id="6" name="Rectangle 5"/>
+          <p:cNvSpPr/>
+          <p:nvPr/>
+        </p:nvSpPr>
+        <p:spPr>
+          <a:xfrm>
+            <a:off x="320204" y="1796333"/>
+            <a:ext cx="8521957" cy="4768050"/>
+          </a:xfrm>
+          <a:prstGeom prst="rect">
+            <a:avLst/>
+          </a:prstGeom>
+          <a:solidFill>
+            <a:schemeClr val="bg1"/>
+          </a:solidFill>
+          <a:ln w="76200" cap="sq">
+            <a:solidFill>
+              <a:schemeClr val="bg1">
+                <a:lumMod val="95000"/>
+              </a:schemeClr>
+            </a:solidFill>
+            <a:miter lim="800000"/>
+          </a:ln>
+        </p:spPr>
+        <p:style>
+          <a:lnRef idx="2">
+            <a:schemeClr val="accent1">
+              <a:shade val="50000"/>
+            </a:schemeClr>
+          </a:lnRef>
+          <a:fillRef idx="1">
+            <a:schemeClr val="accent1"/>
+          </a:fillRef>
+          <a:effectRef idx="0">
+            <a:schemeClr val="accent1"/>
+          </a:effectRef>
+          <a:fontRef idx="minor">
+            <a:schemeClr val="lt1"/>
+          </a:fontRef>
+        </p:style>
+        <p:txBody>
+          <a:bodyPr rtlCol="0" anchor="ctr"/>
+          <a:lstStyle/>
+          <a:p>
+            <a:pPr algn="ctr"/>
+            <a:endParaRPr lang="en-US">
+              <a:ln cap="sq">
+                <a:solidFill>
+                  <a:schemeClr val="accent1"/>
+                </a:solidFill>
+                <a:miter lim="800000"/>
+              </a:ln>
+            </a:endParaRPr>
+          </a:p>
+        </p:txBody>
+      </p:sp>
+      <p:sp>
+        <p:nvSpPr>
+          <p:cNvPr id="2" name="Title 1"/>
           <p:cNvSpPr>
             <a:spLocks noGrp="1"/>
           </p:cNvSpPr>
           <p:nvPr>
-            <p:ph type="title" idx="4294967295"/>
-          </p:nvPr>
-        </p:nvSpPr>
-        <p:spPr>
-          <a:xfrm>
-            <a:off x="1261897" y="4219061"/>
-            <a:ext cx="6637337" cy="828675"/>
-          </a:xfrm>
-        </p:spPr>
-        <p:txBody>
-          <a:bodyPr/>
-          <a:lstStyle/>
-          <a:p>
-            <a:pPr algn="ctr"/>
+            <p:ph type="title"/>
+          </p:nvPr>
+        </p:nvSpPr>
+        <p:spPr/>
+        <p:txBody>
+          <a:bodyPr>
+            <a:normAutofit fontScale="90000"/>
+          </a:bodyPr>
+          <a:lstStyle/>
+          <a:p>
             <a:r>
               <a:rPr lang="en-US" dirty="0" smtClean="0"/>
-              <a:t>Questions?</a:t>
+              <a:t>Graph without adaptive bounding box</a:t>
             </a:r>
             <a:endParaRPr lang="en-US" dirty="0"/>
           </a:p>
@@ -6512,7 +7311,7 @@
       </p:sp>
       <p:pic>
         <p:nvPicPr>
-          <p:cNvPr id="2" name="Picture 1" descr="Screen Shot 2017-04-28 at 9.34.21 AM.png"/>
+          <p:cNvPr id="3" name="Picture 2" descr="Screen Shot 2017-05-03 at 5.27.20 PM.png"/>
           <p:cNvPicPr>
             <a:picLocks noChangeAspect="1"/>
           </p:cNvPicPr>
@@ -6532,116 +7331,173 @@
         </p:blipFill>
         <p:spPr>
           <a:xfrm>
-            <a:off x="2158668" y="461526"/>
-            <a:ext cx="4835539" cy="3768876"/>
+            <a:off x="741829" y="1918199"/>
+            <a:ext cx="7672913" cy="4512255"/>
           </a:xfrm>
           <a:prstGeom prst="rect">
             <a:avLst/>
           </a:prstGeom>
         </p:spPr>
       </p:pic>
-      <p:sp>
-        <p:nvSpPr>
-          <p:cNvPr id="3" name="TextBox 2"/>
-          <p:cNvSpPr txBox="1"/>
+    </p:spTree>
+    <p:extLst>
+      <p:ext uri="{BB962C8B-B14F-4D97-AF65-F5344CB8AC3E}">
+        <p14:creationId xmlns:p14="http://schemas.microsoft.com/office/powerpoint/2010/main" val="1889434669"/>
+      </p:ext>
+    </p:extLst>
+  </p:cSld>
+  <p:clrMapOvr>
+    <a:masterClrMapping/>
+  </p:clrMapOvr>
+  <p:timing>
+    <p:tnLst>
+      <p:par>
+        <p:cTn xmlns:p14="http://schemas.microsoft.com/office/powerpoint/2010/main" id="1" dur="indefinite" restart="never" nodeType="tmRoot"/>
+      </p:par>
+    </p:tnLst>
+  </p:timing>
+</p:sld>
+</file>
+
+<file path=ppt/slides/slide19.xml><?xml version="1.0" encoding="utf-8"?>
+<p:sld xmlns:a="http://schemas.openxmlformats.org/drawingml/2006/main" xmlns:r="http://schemas.openxmlformats.org/officeDocument/2006/relationships" xmlns:p="http://schemas.openxmlformats.org/presentationml/2006/main">
+  <p:cSld>
+    <p:spTree>
+      <p:nvGrpSpPr>
+        <p:cNvPr id="1" name=""/>
+        <p:cNvGrpSpPr/>
+        <p:nvPr/>
+      </p:nvGrpSpPr>
+      <p:grpSpPr>
+        <a:xfrm>
+          <a:off x="0" y="0"/>
+          <a:ext cx="0" cy="0"/>
+          <a:chOff x="0" y="0"/>
+          <a:chExt cx="0" cy="0"/>
+        </a:xfrm>
+      </p:grpSpPr>
+      <p:sp>
+        <p:nvSpPr>
+          <p:cNvPr id="7" name="Rectangle 6"/>
+          <p:cNvSpPr/>
           <p:nvPr/>
         </p:nvSpPr>
         <p:spPr>
           <a:xfrm>
-            <a:off x="113161" y="5047736"/>
-            <a:ext cx="8927109" cy="1754327"/>
+            <a:off x="320204" y="1796333"/>
+            <a:ext cx="8521957" cy="4768050"/>
           </a:xfrm>
           <a:prstGeom prst="rect">
             <a:avLst/>
           </a:prstGeom>
-          <a:noFill/>
-        </p:spPr>
-        <p:txBody>
-          <a:bodyPr wrap="square" rtlCol="0">
-            <a:spAutoFit/>
+          <a:solidFill>
+            <a:schemeClr val="bg1"/>
+          </a:solidFill>
+          <a:ln w="76200" cap="sq">
+            <a:solidFill>
+              <a:schemeClr val="bg1">
+                <a:lumMod val="95000"/>
+              </a:schemeClr>
+            </a:solidFill>
+            <a:miter lim="800000"/>
+          </a:ln>
+        </p:spPr>
+        <p:style>
+          <a:lnRef idx="2">
+            <a:schemeClr val="accent1">
+              <a:shade val="50000"/>
+            </a:schemeClr>
+          </a:lnRef>
+          <a:fillRef idx="1">
+            <a:schemeClr val="accent1"/>
+          </a:fillRef>
+          <a:effectRef idx="0">
+            <a:schemeClr val="accent1"/>
+          </a:effectRef>
+          <a:fontRef idx="minor">
+            <a:schemeClr val="lt1"/>
+          </a:fontRef>
+        </p:style>
+        <p:txBody>
+          <a:bodyPr rtlCol="0" anchor="ctr"/>
+          <a:lstStyle/>
+          <a:p>
+            <a:pPr algn="ctr"/>
+            <a:endParaRPr lang="en-US">
+              <a:ln cap="sq">
+                <a:solidFill>
+                  <a:schemeClr val="accent1"/>
+                </a:solidFill>
+                <a:miter lim="800000"/>
+              </a:ln>
+            </a:endParaRPr>
+          </a:p>
+        </p:txBody>
+      </p:sp>
+      <p:sp>
+        <p:nvSpPr>
+          <p:cNvPr id="5" name="Title 4"/>
+          <p:cNvSpPr>
+            <a:spLocks noGrp="1"/>
+          </p:cNvSpPr>
+          <p:nvPr>
+            <p:ph type="title"/>
+          </p:nvPr>
+        </p:nvSpPr>
+        <p:spPr>
+          <a:xfrm>
+            <a:off x="959093" y="408372"/>
+            <a:ext cx="7244179" cy="1039427"/>
+          </a:xfrm>
+        </p:spPr>
+        <p:txBody>
+          <a:bodyPr>
+            <a:noAutofit/>
           </a:bodyPr>
           <a:lstStyle/>
           <a:p>
-            <a:pPr algn="ctr"/>
-            <a:r>
-              <a:rPr lang="en-US" dirty="0" err="1" smtClean="0"/>
-              <a:t>GRNsight</a:t>
-            </a:r>
-            <a:r>
-              <a:rPr lang="en-US" dirty="0" smtClean="0"/>
-              <a:t>: </a:t>
-            </a:r>
-            <a:r>
-              <a:rPr lang="en-US" dirty="0" smtClean="0">
-                <a:hlinkClick r:id="rId3"/>
-              </a:rPr>
-              <a:t>https</a:t>
-            </a:r>
-            <a:r>
-              <a:rPr lang="en-US" dirty="0">
-                <a:hlinkClick r:id="rId3"/>
-              </a:rPr>
-              <a:t>://dondi.github.io/GRNsight/</a:t>
-            </a:r>
-            <a:endParaRPr lang="en-US" dirty="0"/>
-          </a:p>
-          <a:p>
-            <a:pPr algn="ctr"/>
-            <a:endParaRPr lang="en-US" dirty="0" smtClean="0"/>
-          </a:p>
-          <a:p>
-            <a:pPr algn="ctr"/>
-            <a:r>
-              <a:rPr lang="en-US" dirty="0" err="1" smtClean="0"/>
-              <a:t>Github</a:t>
-            </a:r>
-            <a:r>
-              <a:rPr lang="en-US" dirty="0" smtClean="0"/>
-              <a:t>: </a:t>
-            </a:r>
-            <a:r>
-              <a:rPr lang="en-US" dirty="0" smtClean="0">
-                <a:hlinkClick r:id="rId4"/>
-              </a:rPr>
-              <a:t>https://github.com/dondi/GRNsight</a:t>
-            </a:r>
-            <a:endParaRPr lang="en-US" dirty="0" smtClean="0"/>
-          </a:p>
-          <a:p>
-            <a:pPr algn="ctr"/>
-            <a:endParaRPr lang="en-US" dirty="0" smtClean="0"/>
-          </a:p>
-          <a:p>
-            <a:pPr algn="ctr"/>
-            <a:r>
-              <a:rPr lang="en-US" dirty="0" err="1" smtClean="0"/>
-              <a:t>PeerJ</a:t>
-            </a:r>
-            <a:r>
-              <a:rPr lang="en-US" dirty="0" smtClean="0"/>
-              <a:t> </a:t>
-            </a:r>
-            <a:r>
-              <a:rPr lang="en-US" dirty="0"/>
-              <a:t>Paper: </a:t>
-            </a:r>
-            <a:r>
-              <a:rPr lang="en-US" dirty="0">
-                <a:hlinkClick r:id="rId5"/>
-              </a:rPr>
-              <a:t>https://peerj.com/articles/cs-85/</a:t>
-            </a:r>
-            <a:endParaRPr lang="en-US" dirty="0"/>
-          </a:p>
-          <a:p>
-            <a:endParaRPr lang="en-US" dirty="0"/>
-          </a:p>
-        </p:txBody>
-      </p:sp>
+            <a:r>
+              <a:rPr lang="en-US" sz="3200" dirty="0" smtClean="0"/>
+              <a:t>Graph with adaptive bounding box</a:t>
+            </a:r>
+            <a:endParaRPr lang="en-US" sz="3200" dirty="0"/>
+          </a:p>
+        </p:txBody>
+      </p:sp>
+      <p:pic>
+        <p:nvPicPr>
+          <p:cNvPr id="8" name="Picture 7" descr="Screen Shot 2017-05-03 at 5.44.34 PM.png"/>
+          <p:cNvPicPr>
+            <a:picLocks noChangeAspect="1"/>
+          </p:cNvPicPr>
+          <p:nvPr/>
+        </p:nvPicPr>
+        <p:blipFill>
+          <a:blip r:embed="rId3">
+            <a:extLst>
+              <a:ext uri="{28A0092B-C50C-407E-A947-70E740481C1C}">
+                <a14:useLocalDpi xmlns:a14="http://schemas.microsoft.com/office/drawing/2010/main" val="0"/>
+              </a:ext>
+            </a:extLst>
+          </a:blip>
+          <a:stretch>
+            <a:fillRect/>
+          </a:stretch>
+        </p:blipFill>
+        <p:spPr>
+          <a:xfrm>
+            <a:off x="741828" y="1918198"/>
+            <a:ext cx="7670833" cy="4512255"/>
+          </a:xfrm>
+          <a:prstGeom prst="rect">
+            <a:avLst/>
+          </a:prstGeom>
+        </p:spPr>
+      </p:pic>
     </p:spTree>
     <p:extLst>
       <p:ext uri="{BB962C8B-B14F-4D97-AF65-F5344CB8AC3E}">
-        <p14:creationId xmlns:p14="http://schemas.microsoft.com/office/powerpoint/2010/main" val="2644248703"/>
+        <p14:creationId xmlns:p14="http://schemas.microsoft.com/office/powerpoint/2010/main" val="2017318638"/>
       </p:ext>
     </p:extLst>
   </p:cSld>
@@ -6677,6 +7533,64 @@
       </p:grpSpPr>
       <p:sp>
         <p:nvSpPr>
+          <p:cNvPr id="4" name="Rectangle 3"/>
+          <p:cNvSpPr/>
+          <p:nvPr/>
+        </p:nvSpPr>
+        <p:spPr>
+          <a:xfrm>
+            <a:off x="320204" y="1796333"/>
+            <a:ext cx="8521957" cy="4768050"/>
+          </a:xfrm>
+          <a:prstGeom prst="rect">
+            <a:avLst/>
+          </a:prstGeom>
+          <a:solidFill>
+            <a:schemeClr val="bg1"/>
+          </a:solidFill>
+          <a:ln w="76200" cap="sq">
+            <a:solidFill>
+              <a:schemeClr val="bg1">
+                <a:lumMod val="95000"/>
+              </a:schemeClr>
+            </a:solidFill>
+            <a:miter lim="800000"/>
+          </a:ln>
+        </p:spPr>
+        <p:style>
+          <a:lnRef idx="2">
+            <a:schemeClr val="accent1">
+              <a:shade val="50000"/>
+            </a:schemeClr>
+          </a:lnRef>
+          <a:fillRef idx="1">
+            <a:schemeClr val="accent1"/>
+          </a:fillRef>
+          <a:effectRef idx="0">
+            <a:schemeClr val="accent1"/>
+          </a:effectRef>
+          <a:fontRef idx="minor">
+            <a:schemeClr val="lt1"/>
+          </a:fontRef>
+        </p:style>
+        <p:txBody>
+          <a:bodyPr rtlCol="0" anchor="ctr"/>
+          <a:lstStyle/>
+          <a:p>
+            <a:pPr algn="ctr"/>
+            <a:endParaRPr lang="en-US">
+              <a:ln cap="sq">
+                <a:solidFill>
+                  <a:schemeClr val="accent1"/>
+                </a:solidFill>
+                <a:miter lim="800000"/>
+              </a:ln>
+            </a:endParaRPr>
+          </a:p>
+        </p:txBody>
+      </p:sp>
+      <p:sp>
+        <p:nvSpPr>
           <p:cNvPr id="2" name="Title 1"/>
           <p:cNvSpPr>
             <a:spLocks noGrp="1"/>
@@ -6710,8 +7624,8 @@
         </p:nvSpPr>
         <p:spPr>
           <a:xfrm>
-            <a:off x="457200" y="1752600"/>
-            <a:ext cx="8229600" cy="4886912"/>
+            <a:off x="388702" y="1834488"/>
+            <a:ext cx="8384961" cy="4886912"/>
           </a:xfrm>
         </p:spPr>
         <p:txBody>
@@ -6742,60 +7656,56 @@
             </a:r>
             <a:r>
               <a:rPr lang="en-US" dirty="0" smtClean="0"/>
-              <a:t> project began in 2014 as a web app intended for viewing GRNs generated from </a:t>
+              <a:t> project began in 2014 as a web app intended for viewing GRNs generated from the </a:t>
             </a:r>
             <a:r>
               <a:rPr lang="en-US" dirty="0" err="1" smtClean="0"/>
               <a:t>GRNmap</a:t>
             </a:r>
             <a:r>
+              <a:rPr lang="en-US" dirty="0"/>
+              <a:t> </a:t>
+            </a:r>
+            <a:r>
+              <a:rPr lang="en-US" dirty="0" smtClean="0"/>
+              <a:t>mathematical modeling software.</a:t>
+            </a:r>
+          </a:p>
+          <a:p>
+            <a:r>
+              <a:rPr lang="en-US" dirty="0" smtClean="0"/>
+              <a:t>The primary goal for this project was to improve the graph layout by separating the visible area of the graph from the </a:t>
+            </a:r>
+            <a:r>
+              <a:rPr lang="en-US" dirty="0" err="1" smtClean="0"/>
+              <a:t>drawable</a:t>
+            </a:r>
+            <a:r>
+              <a:rPr lang="en-US" dirty="0" smtClean="0"/>
+              <a:t> area of the graph.</a:t>
+            </a:r>
+          </a:p>
+          <a:p>
+            <a:r>
+              <a:rPr lang="en-US" dirty="0" smtClean="0"/>
+              <a:t>The goals and resulting </a:t>
+            </a:r>
+            <a:r>
+              <a:rPr lang="en-US" dirty="0" err="1" smtClean="0"/>
+              <a:t>subgoals</a:t>
+            </a:r>
+            <a:r>
+              <a:rPr lang="en-US" dirty="0" smtClean="0"/>
+              <a:t> were achieved in version 2 of </a:t>
+            </a:r>
+            <a:r>
+              <a:rPr lang="en-US" dirty="0" err="1" smtClean="0"/>
+              <a:t>GRNsight</a:t>
+            </a:r>
+            <a:r>
               <a:rPr lang="en-US" dirty="0" smtClean="0"/>
               <a:t>.</a:t>
             </a:r>
-          </a:p>
-          <a:p>
-            <a:r>
-              <a:rPr lang="en-US" dirty="0" smtClean="0"/>
-              <a:t>The primary goals for this project was centered around separating the visible area of the graph from the </a:t>
-            </a:r>
-            <a:r>
-              <a:rPr lang="en-US" dirty="0" err="1" smtClean="0"/>
-              <a:t>drawable</a:t>
-            </a:r>
-            <a:r>
-              <a:rPr lang="en-US" dirty="0" smtClean="0"/>
-              <a:t> area of the graph.</a:t>
-            </a:r>
-          </a:p>
-          <a:p>
-            <a:r>
-              <a:rPr lang="en-US" dirty="0" smtClean="0"/>
-              <a:t>The goals and resulting </a:t>
-            </a:r>
-            <a:r>
-              <a:rPr lang="en-US" dirty="0" err="1" smtClean="0"/>
-              <a:t>subgoals</a:t>
-            </a:r>
-            <a:r>
-              <a:rPr lang="en-US" dirty="0" smtClean="0"/>
-              <a:t> from </a:t>
-            </a:r>
-            <a:r>
-              <a:rPr lang="en-US" dirty="0" smtClean="0"/>
-              <a:t>them were achieved in version 2 of </a:t>
-            </a:r>
-            <a:r>
-              <a:rPr lang="en-US" dirty="0" err="1" smtClean="0"/>
-              <a:t>GRNsight</a:t>
-            </a:r>
-            <a:r>
-              <a:rPr lang="en-US" smtClean="0"/>
-              <a:t>.</a:t>
-            </a:r>
-            <a:endParaRPr lang="en-US" dirty="0" smtClean="0"/>
-          </a:p>
-          <a:p>
-            <a:endParaRPr lang="en-US" dirty="0" smtClean="0"/>
           </a:p>
           <a:p>
             <a:endParaRPr lang="en-US" dirty="0" smtClean="0"/>
@@ -6815,6 +7725,866 @@
   <p:clrMapOvr>
     <a:masterClrMapping/>
   </p:clrMapOvr>
+  <p:timing>
+    <p:tnLst>
+      <p:par>
+        <p:cTn xmlns:p14="http://schemas.microsoft.com/office/powerpoint/2010/main" id="1" dur="indefinite" restart="never" nodeType="tmRoot"/>
+      </p:par>
+    </p:tnLst>
+  </p:timing>
+</p:sld>
+</file>
+
+<file path=ppt/slides/slide20.xml><?xml version="1.0" encoding="utf-8"?>
+<p:sld xmlns:a="http://schemas.openxmlformats.org/drawingml/2006/main" xmlns:r="http://schemas.openxmlformats.org/officeDocument/2006/relationships" xmlns:p="http://schemas.openxmlformats.org/presentationml/2006/main">
+  <p:cSld>
+    <p:spTree>
+      <p:nvGrpSpPr>
+        <p:cNvPr id="1" name=""/>
+        <p:cNvGrpSpPr/>
+        <p:nvPr/>
+      </p:nvGrpSpPr>
+      <p:grpSpPr>
+        <a:xfrm>
+          <a:off x="0" y="0"/>
+          <a:ext cx="0" cy="0"/>
+          <a:chOff x="0" y="0"/>
+          <a:chExt cx="0" cy="0"/>
+        </a:xfrm>
+      </p:grpSpPr>
+      <p:sp>
+        <p:nvSpPr>
+          <p:cNvPr id="5" name="Rectangle 4"/>
+          <p:cNvSpPr/>
+          <p:nvPr/>
+        </p:nvSpPr>
+        <p:spPr>
+          <a:xfrm>
+            <a:off x="320204" y="1796333"/>
+            <a:ext cx="8521957" cy="4768050"/>
+          </a:xfrm>
+          <a:prstGeom prst="rect">
+            <a:avLst/>
+          </a:prstGeom>
+          <a:solidFill>
+            <a:schemeClr val="bg1"/>
+          </a:solidFill>
+          <a:ln w="76200" cap="sq">
+            <a:solidFill>
+              <a:schemeClr val="bg1">
+                <a:lumMod val="95000"/>
+              </a:schemeClr>
+            </a:solidFill>
+            <a:miter lim="800000"/>
+          </a:ln>
+        </p:spPr>
+        <p:style>
+          <a:lnRef idx="2">
+            <a:schemeClr val="accent1">
+              <a:shade val="50000"/>
+            </a:schemeClr>
+          </a:lnRef>
+          <a:fillRef idx="1">
+            <a:schemeClr val="accent1"/>
+          </a:fillRef>
+          <a:effectRef idx="0">
+            <a:schemeClr val="accent1"/>
+          </a:effectRef>
+          <a:fontRef idx="minor">
+            <a:schemeClr val="lt1"/>
+          </a:fontRef>
+        </p:style>
+        <p:txBody>
+          <a:bodyPr rtlCol="0" anchor="ctr"/>
+          <a:lstStyle/>
+          <a:p>
+            <a:pPr algn="ctr"/>
+            <a:endParaRPr lang="en-US">
+              <a:ln cap="sq">
+                <a:solidFill>
+                  <a:schemeClr val="accent1"/>
+                </a:solidFill>
+                <a:miter lim="800000"/>
+              </a:ln>
+            </a:endParaRPr>
+          </a:p>
+        </p:txBody>
+      </p:sp>
+      <p:sp>
+        <p:nvSpPr>
+          <p:cNvPr id="3" name="Content Placeholder 2"/>
+          <p:cNvSpPr>
+            <a:spLocks noGrp="1"/>
+          </p:cNvSpPr>
+          <p:nvPr>
+            <p:ph idx="1"/>
+          </p:nvPr>
+        </p:nvSpPr>
+        <p:spPr>
+          <a:xfrm>
+            <a:off x="276615" y="1817532"/>
+            <a:ext cx="8575053" cy="4957387"/>
+          </a:xfrm>
+        </p:spPr>
+        <p:txBody>
+          <a:bodyPr>
+            <a:normAutofit/>
+          </a:bodyPr>
+          <a:lstStyle/>
+          <a:p>
+            <a:r>
+              <a:rPr lang="en-US" dirty="0" smtClean="0"/>
+              <a:t>Working in a team (both a challenge and a blessing)</a:t>
+            </a:r>
+          </a:p>
+          <a:p>
+            <a:r>
+              <a:rPr lang="en-US" dirty="0" smtClean="0"/>
+              <a:t>Messy, un-commented chunks of code </a:t>
+            </a:r>
+            <a:endParaRPr lang="en-US" dirty="0"/>
+          </a:p>
+          <a:p>
+            <a:r>
+              <a:rPr lang="en-US" dirty="0" smtClean="0"/>
+              <a:t>Dynamic </a:t>
+            </a:r>
+            <a:r>
+              <a:rPr lang="en-US" dirty="0"/>
+              <a:t>resizing </a:t>
+            </a:r>
+            <a:r>
+              <a:rPr lang="en-US" dirty="0" smtClean="0"/>
+              <a:t>algorithm</a:t>
+            </a:r>
+          </a:p>
+          <a:p>
+            <a:r>
+              <a:rPr lang="en-US" dirty="0" smtClean="0"/>
+              <a:t>Windows OS</a:t>
+            </a:r>
+          </a:p>
+          <a:p>
+            <a:r>
+              <a:rPr lang="en-US" dirty="0"/>
+              <a:t>Chrome/Firefox </a:t>
+            </a:r>
+            <a:r>
+              <a:rPr lang="en-US" dirty="0" smtClean="0"/>
+              <a:t>updates </a:t>
+            </a:r>
+            <a:endParaRPr lang="en-US" dirty="0"/>
+          </a:p>
+          <a:p>
+            <a:r>
+              <a:rPr lang="en-US" dirty="0" smtClean="0"/>
+              <a:t>Sudden </a:t>
+            </a:r>
+            <a:r>
+              <a:rPr lang="en-US" smtClean="0"/>
+              <a:t>bug where </a:t>
+            </a:r>
+            <a:r>
+              <a:rPr lang="en-US" dirty="0" smtClean="0"/>
+              <a:t>the entire </a:t>
+            </a:r>
+            <a:r>
+              <a:rPr lang="en-US" smtClean="0"/>
+              <a:t>program broke </a:t>
+            </a:r>
+            <a:r>
+              <a:rPr lang="en-US" dirty="0" smtClean="0"/>
+              <a:t>entirely for two of the </a:t>
+            </a:r>
+            <a:r>
+              <a:rPr lang="en-US" smtClean="0"/>
+              <a:t>developers appeared </a:t>
+            </a:r>
+            <a:r>
+              <a:rPr lang="en-US" dirty="0" smtClean="0"/>
+              <a:t>a week before the end of the semester</a:t>
+            </a:r>
+            <a:endParaRPr lang="en-US" dirty="0"/>
+          </a:p>
+        </p:txBody>
+      </p:sp>
+      <p:sp>
+        <p:nvSpPr>
+          <p:cNvPr id="4" name="Title 3"/>
+          <p:cNvSpPr>
+            <a:spLocks noGrp="1"/>
+          </p:cNvSpPr>
+          <p:nvPr>
+            <p:ph type="title"/>
+          </p:nvPr>
+        </p:nvSpPr>
+        <p:spPr/>
+        <p:txBody>
+          <a:bodyPr>
+            <a:noAutofit/>
+          </a:bodyPr>
+          <a:lstStyle/>
+          <a:p>
+            <a:r>
+              <a:rPr lang="en-US" sz="2400" dirty="0" smtClean="0"/>
+              <a:t>Every project comes with its challenges, and </a:t>
+            </a:r>
+            <a:r>
+              <a:rPr lang="en-US" sz="2400" dirty="0" err="1" smtClean="0"/>
+              <a:t>grnsight</a:t>
+            </a:r>
+            <a:r>
+              <a:rPr lang="en-US" sz="2400" dirty="0" smtClean="0"/>
+              <a:t> was </a:t>
+            </a:r>
+            <a:r>
+              <a:rPr lang="en-US" sz="2400" smtClean="0"/>
+              <a:t>no different</a:t>
+            </a:r>
+            <a:endParaRPr lang="en-US" sz="2400" dirty="0"/>
+          </a:p>
+        </p:txBody>
+      </p:sp>
+    </p:spTree>
+    <p:extLst>
+      <p:ext uri="{BB962C8B-B14F-4D97-AF65-F5344CB8AC3E}">
+        <p14:creationId xmlns:p14="http://schemas.microsoft.com/office/powerpoint/2010/main" val="403550464"/>
+      </p:ext>
+    </p:extLst>
+  </p:cSld>
+  <p:clrMapOvr>
+    <a:masterClrMapping/>
+  </p:clrMapOvr>
+  <p:timing>
+    <p:tnLst>
+      <p:par>
+        <p:cTn xmlns:p14="http://schemas.microsoft.com/office/powerpoint/2010/main" id="1" dur="indefinite" restart="never" nodeType="tmRoot"/>
+      </p:par>
+    </p:tnLst>
+  </p:timing>
+</p:sld>
+</file>
+
+<file path=ppt/slides/slide21.xml><?xml version="1.0" encoding="utf-8"?>
+<p:sld xmlns:a="http://schemas.openxmlformats.org/drawingml/2006/main" xmlns:r="http://schemas.openxmlformats.org/officeDocument/2006/relationships" xmlns:p="http://schemas.openxmlformats.org/presentationml/2006/main">
+  <p:cSld>
+    <p:spTree>
+      <p:nvGrpSpPr>
+        <p:cNvPr id="1" name=""/>
+        <p:cNvGrpSpPr/>
+        <p:nvPr/>
+      </p:nvGrpSpPr>
+      <p:grpSpPr>
+        <a:xfrm>
+          <a:off x="0" y="0"/>
+          <a:ext cx="0" cy="0"/>
+          <a:chOff x="0" y="0"/>
+          <a:chExt cx="0" cy="0"/>
+        </a:xfrm>
+      </p:grpSpPr>
+      <p:sp>
+        <p:nvSpPr>
+          <p:cNvPr id="4" name="Rectangle 3"/>
+          <p:cNvSpPr/>
+          <p:nvPr/>
+        </p:nvSpPr>
+        <p:spPr>
+          <a:xfrm>
+            <a:off x="320204" y="1796333"/>
+            <a:ext cx="8521957" cy="4768050"/>
+          </a:xfrm>
+          <a:prstGeom prst="rect">
+            <a:avLst/>
+          </a:prstGeom>
+          <a:solidFill>
+            <a:schemeClr val="bg1"/>
+          </a:solidFill>
+          <a:ln w="76200" cap="sq">
+            <a:solidFill>
+              <a:schemeClr val="bg1">
+                <a:lumMod val="95000"/>
+              </a:schemeClr>
+            </a:solidFill>
+            <a:miter lim="800000"/>
+          </a:ln>
+        </p:spPr>
+        <p:style>
+          <a:lnRef idx="2">
+            <a:schemeClr val="accent1">
+              <a:shade val="50000"/>
+            </a:schemeClr>
+          </a:lnRef>
+          <a:fillRef idx="1">
+            <a:schemeClr val="accent1"/>
+          </a:fillRef>
+          <a:effectRef idx="0">
+            <a:schemeClr val="accent1"/>
+          </a:effectRef>
+          <a:fontRef idx="minor">
+            <a:schemeClr val="lt1"/>
+          </a:fontRef>
+        </p:style>
+        <p:txBody>
+          <a:bodyPr rtlCol="0" anchor="ctr"/>
+          <a:lstStyle/>
+          <a:p>
+            <a:pPr algn="ctr"/>
+            <a:endParaRPr lang="en-US">
+              <a:ln cap="sq">
+                <a:solidFill>
+                  <a:schemeClr val="accent1"/>
+                </a:solidFill>
+                <a:miter lim="800000"/>
+              </a:ln>
+            </a:endParaRPr>
+          </a:p>
+        </p:txBody>
+      </p:sp>
+      <p:sp>
+        <p:nvSpPr>
+          <p:cNvPr id="2" name="Title 1"/>
+          <p:cNvSpPr>
+            <a:spLocks noGrp="1"/>
+          </p:cNvSpPr>
+          <p:nvPr>
+            <p:ph type="title"/>
+          </p:nvPr>
+        </p:nvSpPr>
+        <p:spPr/>
+        <p:txBody>
+          <a:bodyPr/>
+          <a:lstStyle/>
+          <a:p>
+            <a:r>
+              <a:rPr lang="en-US" smtClean="0"/>
+              <a:t>SUMMary</a:t>
+            </a:r>
+            <a:endParaRPr lang="en-US" dirty="0"/>
+          </a:p>
+        </p:txBody>
+      </p:sp>
+      <p:sp>
+        <p:nvSpPr>
+          <p:cNvPr id="3" name="Content Placeholder 2"/>
+          <p:cNvSpPr>
+            <a:spLocks noGrp="1"/>
+          </p:cNvSpPr>
+          <p:nvPr>
+            <p:ph idx="1"/>
+          </p:nvPr>
+        </p:nvSpPr>
+        <p:spPr>
+          <a:xfrm>
+            <a:off x="388702" y="1834488"/>
+            <a:ext cx="8384961" cy="4886912"/>
+          </a:xfrm>
+        </p:spPr>
+        <p:txBody>
+          <a:bodyPr>
+            <a:normAutofit/>
+          </a:bodyPr>
+          <a:lstStyle/>
+          <a:p>
+            <a:r>
+              <a:rPr lang="en-US" dirty="0" err="1"/>
+              <a:t>GRNsight</a:t>
+            </a:r>
+            <a:r>
+              <a:rPr lang="en-US" dirty="0"/>
+              <a:t> is a web app and service for visualizing small- to medium-scale gene regulatory networks (GRNs</a:t>
+            </a:r>
+            <a:r>
+              <a:rPr lang="en-US" dirty="0" smtClean="0"/>
+              <a:t>).</a:t>
+            </a:r>
+            <a:endParaRPr lang="en-US" dirty="0" smtClean="0"/>
+          </a:p>
+          <a:p>
+            <a:r>
+              <a:rPr lang="en-US" dirty="0" smtClean="0"/>
+              <a:t>New features for v2 include:</a:t>
+            </a:r>
+          </a:p>
+          <a:p>
+            <a:pPr lvl="1"/>
+            <a:r>
+              <a:rPr lang="en-US" dirty="0" smtClean="0"/>
+              <a:t>Separation of viewport from graph bounding box</a:t>
+            </a:r>
+          </a:p>
+          <a:p>
+            <a:pPr lvl="1"/>
+            <a:r>
+              <a:rPr lang="en-US" dirty="0" smtClean="0"/>
+              <a:t>Choice of three viewport sizes</a:t>
+            </a:r>
+          </a:p>
+          <a:p>
+            <a:pPr lvl="2"/>
+            <a:r>
+              <a:rPr lang="en-US" dirty="0" smtClean="0"/>
+              <a:t>Best </a:t>
+            </a:r>
+            <a:r>
+              <a:rPr lang="en-US" dirty="0"/>
+              <a:t>viewport size automatically detected from </a:t>
+            </a:r>
+            <a:r>
+              <a:rPr lang="en-US" dirty="0" smtClean="0"/>
+              <a:t>browser</a:t>
+            </a:r>
+          </a:p>
+          <a:p>
+            <a:pPr lvl="2"/>
+            <a:r>
+              <a:rPr lang="en-US" dirty="0" smtClean="0"/>
+              <a:t>Viewport can also be fit to window</a:t>
+            </a:r>
+          </a:p>
+          <a:p>
+            <a:pPr lvl="1"/>
+            <a:r>
+              <a:rPr lang="en-US" dirty="0" smtClean="0"/>
+              <a:t>Choice of fixing graph inside viewport or adaptively resizing graph bounding box based on graph size</a:t>
+            </a:r>
+          </a:p>
+          <a:p>
+            <a:pPr lvl="1"/>
+            <a:r>
+              <a:rPr lang="en-US" dirty="0" smtClean="0"/>
+              <a:t>Zooming and scrolling enabled</a:t>
+            </a:r>
+          </a:p>
+          <a:p>
+            <a:pPr lvl="1"/>
+            <a:endParaRPr lang="en-US" dirty="0" smtClean="0"/>
+          </a:p>
+          <a:p>
+            <a:endParaRPr lang="en-US" dirty="0" smtClean="0"/>
+          </a:p>
+          <a:p>
+            <a:endParaRPr lang="en-US" dirty="0"/>
+          </a:p>
+        </p:txBody>
+      </p:sp>
+    </p:spTree>
+    <p:extLst>
+      <p:ext uri="{BB962C8B-B14F-4D97-AF65-F5344CB8AC3E}">
+        <p14:creationId xmlns:p14="http://schemas.microsoft.com/office/powerpoint/2010/main" val="1320701065"/>
+      </p:ext>
+    </p:extLst>
+  </p:cSld>
+  <p:clrMapOvr>
+    <a:masterClrMapping/>
+  </p:clrMapOvr>
+  <p:timing>
+    <p:tnLst>
+      <p:par>
+        <p:cTn xmlns:p14="http://schemas.microsoft.com/office/powerpoint/2010/main" id="1" dur="indefinite" restart="never" nodeType="tmRoot"/>
+      </p:par>
+    </p:tnLst>
+  </p:timing>
+</p:sld>
+</file>
+
+<file path=ppt/slides/slide22.xml><?xml version="1.0" encoding="utf-8"?>
+<p:sld xmlns:a="http://schemas.openxmlformats.org/drawingml/2006/main" xmlns:r="http://schemas.openxmlformats.org/officeDocument/2006/relationships" xmlns:p="http://schemas.openxmlformats.org/presentationml/2006/main">
+  <p:cSld>
+    <p:spTree>
+      <p:nvGrpSpPr>
+        <p:cNvPr id="1" name=""/>
+        <p:cNvGrpSpPr/>
+        <p:nvPr/>
+      </p:nvGrpSpPr>
+      <p:grpSpPr>
+        <a:xfrm>
+          <a:off x="0" y="0"/>
+          <a:ext cx="0" cy="0"/>
+          <a:chOff x="0" y="0"/>
+          <a:chExt cx="0" cy="0"/>
+        </a:xfrm>
+      </p:grpSpPr>
+      <p:sp>
+        <p:nvSpPr>
+          <p:cNvPr id="5" name="Rectangle 4"/>
+          <p:cNvSpPr/>
+          <p:nvPr/>
+        </p:nvSpPr>
+        <p:spPr>
+          <a:xfrm>
+            <a:off x="320204" y="1796333"/>
+            <a:ext cx="8521957" cy="4768050"/>
+          </a:xfrm>
+          <a:prstGeom prst="rect">
+            <a:avLst/>
+          </a:prstGeom>
+          <a:solidFill>
+            <a:schemeClr val="bg1"/>
+          </a:solidFill>
+          <a:ln w="76200" cap="sq">
+            <a:solidFill>
+              <a:schemeClr val="bg1">
+                <a:lumMod val="95000"/>
+              </a:schemeClr>
+            </a:solidFill>
+            <a:miter lim="800000"/>
+          </a:ln>
+        </p:spPr>
+        <p:style>
+          <a:lnRef idx="2">
+            <a:schemeClr val="accent1">
+              <a:shade val="50000"/>
+            </a:schemeClr>
+          </a:lnRef>
+          <a:fillRef idx="1">
+            <a:schemeClr val="accent1"/>
+          </a:fillRef>
+          <a:effectRef idx="0">
+            <a:schemeClr val="accent1"/>
+          </a:effectRef>
+          <a:fontRef idx="minor">
+            <a:schemeClr val="lt1"/>
+          </a:fontRef>
+        </p:style>
+        <p:txBody>
+          <a:bodyPr rtlCol="0" anchor="ctr"/>
+          <a:lstStyle/>
+          <a:p>
+            <a:pPr algn="ctr"/>
+            <a:endParaRPr lang="en-US">
+              <a:ln cap="sq">
+                <a:solidFill>
+                  <a:schemeClr val="accent1"/>
+                </a:solidFill>
+                <a:miter lim="800000"/>
+              </a:ln>
+            </a:endParaRPr>
+          </a:p>
+        </p:txBody>
+      </p:sp>
+      <p:sp>
+        <p:nvSpPr>
+          <p:cNvPr id="4" name="Title 3"/>
+          <p:cNvSpPr>
+            <a:spLocks noGrp="1"/>
+          </p:cNvSpPr>
+          <p:nvPr>
+            <p:ph type="title"/>
+          </p:nvPr>
+        </p:nvSpPr>
+        <p:spPr/>
+        <p:txBody>
+          <a:bodyPr/>
+          <a:lstStyle/>
+          <a:p>
+            <a:r>
+              <a:rPr lang="en-US" smtClean="0"/>
+              <a:t>Acknowledgments</a:t>
+            </a:r>
+            <a:endParaRPr lang="en-US" dirty="0"/>
+          </a:p>
+        </p:txBody>
+      </p:sp>
+      <p:pic>
+        <p:nvPicPr>
+          <p:cNvPr id="6" name="Picture 5" descr="Screen Shot 2017-04-28 at 9.34.21 AM.png"/>
+          <p:cNvPicPr>
+            <a:picLocks noChangeAspect="1"/>
+          </p:cNvPicPr>
+          <p:nvPr/>
+        </p:nvPicPr>
+        <p:blipFill rotWithShape="1">
+          <a:blip r:embed="rId3" cstate="email">
+            <a:extLst>
+              <a:ext uri="{28A0092B-C50C-407E-A947-70E740481C1C}">
+                <a14:useLocalDpi xmlns:a14="http://schemas.microsoft.com/office/drawing/2010/main" val="0"/>
+              </a:ext>
+            </a:extLst>
+          </a:blip>
+          <a:srcRect l="4947" t="8168" r="5276"/>
+          <a:stretch/>
+        </p:blipFill>
+        <p:spPr>
+          <a:xfrm>
+            <a:off x="4429957" y="1873186"/>
+            <a:ext cx="4341180" cy="3461019"/>
+          </a:xfrm>
+          <a:prstGeom prst="rect">
+            <a:avLst/>
+          </a:prstGeom>
+        </p:spPr>
+      </p:pic>
+      <p:sp>
+        <p:nvSpPr>
+          <p:cNvPr id="7" name="TextBox 6"/>
+          <p:cNvSpPr txBox="1"/>
+          <p:nvPr/>
+        </p:nvSpPr>
+        <p:spPr>
+          <a:xfrm>
+            <a:off x="1935686" y="5365995"/>
+            <a:ext cx="5912176" cy="1015663"/>
+          </a:xfrm>
+          <a:prstGeom prst="rect">
+            <a:avLst/>
+          </a:prstGeom>
+          <a:noFill/>
+        </p:spPr>
+        <p:txBody>
+          <a:bodyPr wrap="square" rtlCol="0">
+            <a:spAutoFit/>
+          </a:bodyPr>
+          <a:lstStyle/>
+          <a:p>
+            <a:r>
+              <a:rPr lang="en-US" sz="2000" dirty="0" err="1" smtClean="0"/>
+              <a:t>GRNsight</a:t>
+            </a:r>
+            <a:r>
+              <a:rPr lang="en-US" sz="2000" dirty="0"/>
+              <a:t>: https://</a:t>
+            </a:r>
+            <a:r>
+              <a:rPr lang="en-US" sz="2000" dirty="0" err="1"/>
+              <a:t>dondi.github.io</a:t>
+            </a:r>
+            <a:r>
+              <a:rPr lang="en-US" sz="2000" dirty="0"/>
+              <a:t>/</a:t>
+            </a:r>
+            <a:r>
+              <a:rPr lang="en-US" sz="2000" dirty="0" err="1"/>
+              <a:t>GRNsight</a:t>
+            </a:r>
+            <a:r>
+              <a:rPr lang="en-US" sz="2000" dirty="0"/>
+              <a:t>/ </a:t>
+            </a:r>
+            <a:endParaRPr lang="en-US" sz="2000" dirty="0" smtClean="0"/>
+          </a:p>
+          <a:p>
+            <a:r>
+              <a:rPr lang="en-US" sz="2000" dirty="0" err="1" smtClean="0"/>
+              <a:t>Github</a:t>
+            </a:r>
+            <a:r>
+              <a:rPr lang="en-US" sz="2000" dirty="0"/>
+              <a:t>: https://</a:t>
+            </a:r>
+            <a:r>
+              <a:rPr lang="en-US" sz="2000" dirty="0" err="1" smtClean="0"/>
+              <a:t>github.com</a:t>
+            </a:r>
+            <a:r>
+              <a:rPr lang="en-US" sz="2000" dirty="0" smtClean="0"/>
+              <a:t>/</a:t>
+            </a:r>
+            <a:r>
+              <a:rPr lang="en-US" sz="2000" dirty="0" err="1" smtClean="0"/>
+              <a:t>dondi</a:t>
+            </a:r>
+            <a:r>
+              <a:rPr lang="en-US" sz="2000" dirty="0" smtClean="0"/>
+              <a:t>/</a:t>
+            </a:r>
+            <a:r>
+              <a:rPr lang="en-US" sz="2000" dirty="0" err="1" smtClean="0"/>
+              <a:t>GRNsight</a:t>
+            </a:r>
+            <a:endParaRPr lang="en-US" sz="2000" dirty="0" smtClean="0"/>
+          </a:p>
+          <a:p>
+            <a:r>
+              <a:rPr lang="en-US" sz="2000" dirty="0" err="1" smtClean="0"/>
+              <a:t>PeerJ</a:t>
+            </a:r>
+            <a:r>
+              <a:rPr lang="en-US" sz="2000" dirty="0" smtClean="0"/>
+              <a:t> </a:t>
+            </a:r>
+            <a:r>
+              <a:rPr lang="en-US" sz="2000" dirty="0"/>
+              <a:t>Paper: https://</a:t>
+            </a:r>
+            <a:r>
+              <a:rPr lang="en-US" sz="2000" dirty="0" err="1"/>
+              <a:t>peerj.com</a:t>
+            </a:r>
+            <a:r>
+              <a:rPr lang="en-US" sz="2000" dirty="0"/>
+              <a:t>/articles/cs-85</a:t>
+            </a:r>
+            <a:r>
+              <a:rPr lang="en-US" sz="2000" dirty="0" smtClean="0"/>
+              <a:t>/</a:t>
+            </a:r>
+            <a:endParaRPr lang="en-US" sz="2000" dirty="0"/>
+          </a:p>
+        </p:txBody>
+      </p:sp>
+      <p:sp>
+        <p:nvSpPr>
+          <p:cNvPr id="3" name="Content Placeholder 2"/>
+          <p:cNvSpPr>
+            <a:spLocks noGrp="1"/>
+          </p:cNvSpPr>
+          <p:nvPr>
+            <p:ph idx="1"/>
+          </p:nvPr>
+        </p:nvSpPr>
+        <p:spPr>
+          <a:xfrm>
+            <a:off x="276616" y="1803884"/>
+            <a:ext cx="8587626" cy="4831639"/>
+          </a:xfrm>
+        </p:spPr>
+        <p:txBody>
+          <a:bodyPr>
+            <a:normAutofit/>
+          </a:bodyPr>
+          <a:lstStyle/>
+          <a:p>
+            <a:r>
+              <a:rPr lang="en-US" dirty="0" smtClean="0"/>
+              <a:t>Dr. </a:t>
+            </a:r>
+            <a:r>
+              <a:rPr lang="en-US" dirty="0" err="1" smtClean="0"/>
+              <a:t>Kam</a:t>
+            </a:r>
+            <a:r>
+              <a:rPr lang="en-US" dirty="0" smtClean="0"/>
+              <a:t> D. </a:t>
+            </a:r>
+            <a:r>
+              <a:rPr lang="en-US" dirty="0" err="1" smtClean="0"/>
+              <a:t>Dahlquist</a:t>
+            </a:r>
+            <a:endParaRPr lang="en-US" dirty="0" smtClean="0"/>
+          </a:p>
+          <a:p>
+            <a:r>
+              <a:rPr lang="en-US" dirty="0" smtClean="0"/>
+              <a:t>Dr. John David N. </a:t>
+            </a:r>
+            <a:r>
+              <a:rPr lang="en-US" dirty="0" err="1" smtClean="0"/>
+              <a:t>Dionisio</a:t>
+            </a:r>
+            <a:endParaRPr lang="en-US" dirty="0" smtClean="0"/>
+          </a:p>
+          <a:p>
+            <a:r>
+              <a:rPr lang="en-US" dirty="0"/>
+              <a:t>Britain </a:t>
+            </a:r>
+            <a:r>
+              <a:rPr lang="en-US" dirty="0" smtClean="0"/>
+              <a:t>Southwick</a:t>
+            </a:r>
+          </a:p>
+          <a:p>
+            <a:r>
+              <a:rPr lang="en-US" dirty="0" err="1" smtClean="0"/>
+              <a:t>GRNsight</a:t>
+            </a:r>
+            <a:r>
+              <a:rPr lang="en-US" dirty="0" smtClean="0"/>
+              <a:t> Team:</a:t>
+            </a:r>
+          </a:p>
+          <a:p>
+            <a:pPr lvl="1"/>
+            <a:r>
+              <a:rPr lang="en-US" dirty="0" err="1"/>
+              <a:t>Anu</a:t>
+            </a:r>
+            <a:r>
+              <a:rPr lang="en-US" dirty="0"/>
+              <a:t> </a:t>
+            </a:r>
+            <a:r>
+              <a:rPr lang="en-US" dirty="0" err="1" smtClean="0"/>
+              <a:t>Varshneya</a:t>
+            </a:r>
+            <a:endParaRPr lang="en-US" dirty="0" smtClean="0"/>
+          </a:p>
+          <a:p>
+            <a:pPr lvl="1"/>
+            <a:r>
+              <a:rPr lang="en-US" dirty="0" err="1"/>
+              <a:t>Mihir</a:t>
+            </a:r>
+            <a:r>
+              <a:rPr lang="en-US" dirty="0"/>
+              <a:t> </a:t>
+            </a:r>
+            <a:r>
+              <a:rPr lang="en-US" dirty="0" err="1" smtClean="0"/>
+              <a:t>Samdarshi</a:t>
+            </a:r>
+            <a:endParaRPr lang="en-US" dirty="0" smtClean="0"/>
+          </a:p>
+          <a:p>
+            <a:pPr lvl="1"/>
+            <a:r>
+              <a:rPr lang="en-US" dirty="0" smtClean="0"/>
+              <a:t>Jen </a:t>
+            </a:r>
+            <a:r>
+              <a:rPr lang="en-US" dirty="0" smtClean="0"/>
+              <a:t>Shin</a:t>
+            </a:r>
+          </a:p>
+          <a:p>
+            <a:pPr lvl="1"/>
+            <a:r>
+              <a:rPr lang="en-US" dirty="0" smtClean="0"/>
+              <a:t>Eddie </a:t>
+            </a:r>
+            <a:r>
+              <a:rPr lang="en-US" dirty="0" err="1" smtClean="0"/>
+              <a:t>Bachoura</a:t>
+            </a:r>
+            <a:endParaRPr lang="en-US" dirty="0" smtClean="0"/>
+          </a:p>
+          <a:p>
+            <a:pPr lvl="1"/>
+            <a:r>
+              <a:rPr lang="en-US" dirty="0" smtClean="0"/>
+              <a:t>Eileen </a:t>
+            </a:r>
+            <a:r>
+              <a:rPr lang="en-US" dirty="0" err="1" smtClean="0"/>
+              <a:t>Choe</a:t>
+            </a:r>
+            <a:endParaRPr lang="en-US" dirty="0" smtClean="0"/>
+          </a:p>
+          <a:p>
+            <a:pPr marL="1325880" lvl="4" indent="0">
+              <a:buNone/>
+            </a:pPr>
+            <a:endParaRPr lang="en-US" dirty="0" smtClean="0"/>
+          </a:p>
+        </p:txBody>
+      </p:sp>
+    </p:spTree>
+    <p:extLst>
+      <p:ext uri="{BB962C8B-B14F-4D97-AF65-F5344CB8AC3E}">
+        <p14:creationId xmlns:p14="http://schemas.microsoft.com/office/powerpoint/2010/main" val="2721141253"/>
+      </p:ext>
+    </p:extLst>
+  </p:cSld>
+  <p:clrMapOvr>
+    <a:masterClrMapping/>
+  </p:clrMapOvr>
+  <p:timing>
+    <p:tnLst>
+      <p:par>
+        <p:cTn xmlns:p14="http://schemas.microsoft.com/office/powerpoint/2010/main" id="1" dur="indefinite" restart="never" nodeType="tmRoot"/>
+      </p:par>
+    </p:tnLst>
+  </p:timing>
 </p:sld>
 </file>
 
@@ -6837,95 +8607,85 @@
       </p:grpSpPr>
       <p:sp>
         <p:nvSpPr>
-          <p:cNvPr id="2" name="Title 1"/>
-          <p:cNvSpPr>
-            <a:spLocks noGrp="1"/>
-          </p:cNvSpPr>
-          <p:nvPr>
-            <p:ph type="title"/>
-          </p:nvPr>
-        </p:nvSpPr>
-        <p:spPr/>
-        <p:txBody>
-          <a:bodyPr>
-            <a:noAutofit/>
-          </a:bodyPr>
-          <a:lstStyle/>
-          <a:p>
-            <a:r>
-              <a:rPr lang="en-US" sz="2400" dirty="0" smtClean="0"/>
-              <a:t>A gene regulatory network controls the level of expression of genes and proteins.</a:t>
-            </a:r>
-            <a:endParaRPr lang="en-US" sz="2400" dirty="0"/>
-          </a:p>
-        </p:txBody>
-      </p:sp>
-      <p:sp>
-        <p:nvSpPr>
-          <p:cNvPr id="3" name="Content Placeholder 2"/>
-          <p:cNvSpPr>
-            <a:spLocks noGrp="1"/>
-          </p:cNvSpPr>
-          <p:nvPr>
-            <p:ph idx="1"/>
-          </p:nvPr>
-        </p:nvSpPr>
-        <p:spPr>
-          <a:xfrm>
-            <a:off x="5205384" y="1752600"/>
-            <a:ext cx="3658858" cy="4373563"/>
-          </a:xfrm>
-        </p:spPr>
-        <p:txBody>
-          <a:bodyPr/>
-          <a:lstStyle/>
-          <a:p>
-            <a:r>
-              <a:rPr lang="en-US" sz="2000" dirty="0" smtClean="0"/>
-              <a:t>Mechanism of control: transcription factors</a:t>
-            </a:r>
-          </a:p>
-          <a:p>
-            <a:r>
-              <a:rPr lang="en-US" sz="2000" dirty="0" smtClean="0"/>
-              <a:t>Transcription factors bind to regulatory DNA sequences</a:t>
-            </a:r>
-            <a:endParaRPr lang="en-US" dirty="0" smtClean="0"/>
-          </a:p>
-          <a:p>
-            <a:pPr lvl="1"/>
-            <a:r>
-              <a:rPr lang="en-US" sz="1600" dirty="0" smtClean="0"/>
-              <a:t>Activators increase gene expression</a:t>
-            </a:r>
-          </a:p>
-          <a:p>
-            <a:pPr lvl="1"/>
-            <a:r>
-              <a:rPr lang="en-US" sz="1600" dirty="0" smtClean="0"/>
-              <a:t>Repressors decrease gene expression</a:t>
-            </a:r>
-            <a:endParaRPr lang="en-US" sz="1600" dirty="0"/>
+          <p:cNvPr id="12" name="Rectangle 11"/>
+          <p:cNvSpPr/>
+          <p:nvPr/>
+        </p:nvSpPr>
+        <p:spPr>
+          <a:xfrm>
+            <a:off x="320204" y="1796333"/>
+            <a:ext cx="8521957" cy="4768050"/>
+          </a:xfrm>
+          <a:prstGeom prst="rect">
+            <a:avLst/>
+          </a:prstGeom>
+          <a:solidFill>
+            <a:schemeClr val="bg1"/>
+          </a:solidFill>
+          <a:ln w="76200" cap="sq">
+            <a:solidFill>
+              <a:schemeClr val="bg1">
+                <a:lumMod val="95000"/>
+              </a:schemeClr>
+            </a:solidFill>
+            <a:miter lim="800000"/>
+          </a:ln>
+        </p:spPr>
+        <p:style>
+          <a:lnRef idx="2">
+            <a:schemeClr val="accent1">
+              <a:shade val="50000"/>
+            </a:schemeClr>
+          </a:lnRef>
+          <a:fillRef idx="1">
+            <a:schemeClr val="accent1"/>
+          </a:fillRef>
+          <a:effectRef idx="0">
+            <a:schemeClr val="accent1"/>
+          </a:effectRef>
+          <a:fontRef idx="minor">
+            <a:schemeClr val="lt1"/>
+          </a:fontRef>
+        </p:style>
+        <p:txBody>
+          <a:bodyPr rtlCol="0" anchor="ctr"/>
+          <a:lstStyle/>
+          <a:p>
+            <a:pPr algn="ctr"/>
+            <a:endParaRPr lang="en-US">
+              <a:ln cap="sq">
+                <a:solidFill>
+                  <a:schemeClr val="accent1"/>
+                </a:solidFill>
+                <a:miter lim="800000"/>
+              </a:ln>
+            </a:endParaRPr>
           </a:p>
         </p:txBody>
       </p:sp>
       <p:pic>
         <p:nvPicPr>
-          <p:cNvPr id="4" name="Shape 76"/>
-          <p:cNvPicPr preferRelativeResize="0"/>
+          <p:cNvPr id="13" name="Picture 2"/>
+          <p:cNvPicPr>
+            <a:picLocks noChangeAspect="1" noChangeArrowheads="1"/>
+          </p:cNvPicPr>
           <p:nvPr/>
         </p:nvPicPr>
         <p:blipFill rotWithShape="1">
-          <a:blip r:embed="rId2">
-            <a:alphaModFix/>
+          <a:blip r:embed="rId2" cstate="email">
+            <a:extLst>
+              <a:ext uri="{28A0092B-C50C-407E-A947-70E740481C1C}">
+                <a14:useLocalDpi xmlns:a14="http://schemas.microsoft.com/office/drawing/2010/main" val="0"/>
+              </a:ext>
+            </a:extLst>
           </a:blip>
-          <a:srcRect l="6976"/>
+          <a:srcRect r="7949"/>
           <a:stretch/>
         </p:blipFill>
-        <p:spPr>
-          <a:xfrm>
-            <a:off x="226240" y="1898117"/>
-            <a:ext cx="4979145" cy="3931225"/>
+        <p:spPr bwMode="auto">
+          <a:xfrm>
+            <a:off x="426128" y="1994699"/>
+            <a:ext cx="4377884" cy="3573587"/>
           </a:xfrm>
           <a:prstGeom prst="rect">
             <a:avLst/>
@@ -6934,8 +8694,118 @@
           <a:ln>
             <a:noFill/>
           </a:ln>
+          <a:extLst>
+            <a:ext uri="{909E8E84-426E-40dd-AFC4-6F175D3DCCD1}">
+              <a14:hiddenFill xmlns:a14="http://schemas.microsoft.com/office/drawing/2010/main">
+                <a:solidFill>
+                  <a:srgbClr val="FFFFFF"/>
+                </a:solidFill>
+              </a14:hiddenFill>
+            </a:ext>
+            <a:ext uri="{91240B29-F687-4f45-9708-019B960494DF}">
+              <a14:hiddenLine xmlns:a14="http://schemas.microsoft.com/office/drawing/2010/main" w="9525">
+                <a:solidFill>
+                  <a:srgbClr val="000000"/>
+                </a:solidFill>
+                <a:miter lim="800000"/>
+                <a:headEnd/>
+                <a:tailEnd/>
+              </a14:hiddenLine>
+            </a:ext>
+          </a:extLst>
         </p:spPr>
       </p:pic>
+      <p:sp>
+        <p:nvSpPr>
+          <p:cNvPr id="2" name="Title 1"/>
+          <p:cNvSpPr>
+            <a:spLocks noGrp="1"/>
+          </p:cNvSpPr>
+          <p:nvPr>
+            <p:ph type="title"/>
+          </p:nvPr>
+        </p:nvSpPr>
+        <p:spPr/>
+        <p:txBody>
+          <a:bodyPr>
+            <a:noAutofit/>
+          </a:bodyPr>
+          <a:lstStyle/>
+          <a:p>
+            <a:r>
+              <a:rPr lang="en-US" sz="2400" dirty="0" smtClean="0"/>
+              <a:t>A gene regulatory network controls the level of expression of genes </a:t>
+            </a:r>
+            <a:r>
+              <a:rPr lang="en-US" sz="2400" smtClean="0"/>
+              <a:t>and proteins</a:t>
+            </a:r>
+            <a:endParaRPr lang="en-US" sz="2400" dirty="0"/>
+          </a:p>
+        </p:txBody>
+      </p:sp>
+      <p:sp>
+        <p:nvSpPr>
+          <p:cNvPr id="3" name="Content Placeholder 2"/>
+          <p:cNvSpPr>
+            <a:spLocks noGrp="1"/>
+          </p:cNvSpPr>
+          <p:nvPr>
+            <p:ph idx="1"/>
+          </p:nvPr>
+        </p:nvSpPr>
+        <p:spPr>
+          <a:xfrm>
+            <a:off x="5068904" y="1916376"/>
+            <a:ext cx="3658858" cy="4373563"/>
+          </a:xfrm>
+        </p:spPr>
+        <p:txBody>
+          <a:bodyPr/>
+          <a:lstStyle/>
+          <a:p>
+            <a:r>
+              <a:rPr lang="en-US" sz="2000" dirty="0" smtClean="0"/>
+              <a:t>Mechanism of control: transcription factors</a:t>
+            </a:r>
+          </a:p>
+          <a:p>
+            <a:r>
+              <a:rPr lang="en-US" sz="2000" dirty="0" smtClean="0"/>
+              <a:t>Transcription factors bind to regulatory DNA </a:t>
+            </a:r>
+            <a:r>
+              <a:rPr lang="en-US" sz="2000" dirty="0" smtClean="0"/>
+              <a:t>sequences</a:t>
+            </a:r>
+            <a:endParaRPr lang="en-US" dirty="0" smtClean="0"/>
+          </a:p>
+          <a:p>
+            <a:pPr lvl="1"/>
+            <a:r>
+              <a:rPr lang="en-US" sz="1600" dirty="0" smtClean="0"/>
+              <a:t>Activators increase gene </a:t>
+            </a:r>
+            <a:r>
+              <a:rPr lang="en-US" sz="1600" dirty="0" smtClean="0"/>
+              <a:t>expression</a:t>
+            </a:r>
+            <a:endParaRPr lang="en-US" sz="1600" dirty="0" smtClean="0"/>
+          </a:p>
+          <a:p>
+            <a:pPr lvl="1"/>
+            <a:r>
+              <a:rPr lang="en-US" sz="1600" dirty="0" smtClean="0"/>
+              <a:t>Repressors decrease gene </a:t>
+            </a:r>
+            <a:r>
+              <a:rPr lang="en-US" sz="1600" dirty="0" smtClean="0"/>
+              <a:t>expression</a:t>
+            </a:r>
+            <a:endParaRPr lang="en-US" sz="1600" dirty="0"/>
+          </a:p>
+        </p:txBody>
+      </p:sp>
       <p:sp>
         <p:nvSpPr>
           <p:cNvPr id="5" name="Shape 78"/>
@@ -6944,7 +8814,7 @@
         </p:nvSpPr>
         <p:spPr>
           <a:xfrm>
-            <a:off x="426128" y="3004302"/>
+            <a:off x="603548" y="2908766"/>
             <a:ext cx="1673945" cy="396516"/>
           </a:xfrm>
           <a:prstGeom prst="rect">
@@ -6982,7 +8852,7 @@
         </p:nvSpPr>
         <p:spPr>
           <a:xfrm>
-            <a:off x="2210365" y="3467214"/>
+            <a:off x="2716591" y="3180533"/>
             <a:ext cx="910656" cy="396516"/>
           </a:xfrm>
           <a:prstGeom prst="rect">
@@ -7020,7 +8890,7 @@
         </p:nvSpPr>
         <p:spPr>
           <a:xfrm>
-            <a:off x="2447191" y="4801864"/>
+            <a:off x="2716591" y="4433370"/>
             <a:ext cx="1100284" cy="396516"/>
           </a:xfrm>
           <a:prstGeom prst="rect">
@@ -7058,7 +8928,7 @@
         </p:nvSpPr>
         <p:spPr>
           <a:xfrm>
-            <a:off x="2286565" y="2902314"/>
+            <a:off x="2716591" y="2655189"/>
             <a:ext cx="808859" cy="396516"/>
           </a:xfrm>
           <a:prstGeom prst="rect">
@@ -7096,7 +8966,7 @@
         </p:nvSpPr>
         <p:spPr>
           <a:xfrm>
-            <a:off x="651036" y="4801864"/>
+            <a:off x="821916" y="4433370"/>
             <a:ext cx="1449037" cy="396516"/>
           </a:xfrm>
           <a:prstGeom prst="rect">
@@ -7142,7 +9012,7 @@
         </p:blipFill>
         <p:spPr>
           <a:xfrm>
-            <a:off x="4639582" y="5198379"/>
+            <a:off x="4530398" y="5034603"/>
             <a:ext cx="4224660" cy="1446615"/>
           </a:xfrm>
           <a:prstGeom prst="rect">
@@ -7154,6 +9024,45 @@
           </a:ln>
         </p:spPr>
       </p:pic>
+      <p:sp>
+        <p:nvSpPr>
+          <p:cNvPr id="14" name="Shape 82"/>
+          <p:cNvSpPr txBox="1"/>
+          <p:nvPr/>
+        </p:nvSpPr>
+        <p:spPr>
+          <a:xfrm>
+            <a:off x="447281" y="5129676"/>
+            <a:ext cx="2269310" cy="396516"/>
+          </a:xfrm>
+          <a:prstGeom prst="rect">
+            <a:avLst/>
+          </a:prstGeom>
+          <a:noFill/>
+          <a:ln>
+            <a:noFill/>
+          </a:ln>
+        </p:spPr>
+        <p:txBody>
+          <a:bodyPr lIns="91425" tIns="91425" rIns="91425" bIns="91425" anchor="t" anchorCtr="0">
+            <a:noAutofit/>
+          </a:bodyPr>
+          <a:lstStyle/>
+          <a:p>
+            <a:pPr lvl="0" rtl="0">
+              <a:spcBef>
+                <a:spcPts val="0"/>
+              </a:spcBef>
+              <a:buNone/>
+            </a:pPr>
+            <a:r>
+              <a:rPr lang="en" sz="1200" b="1" smtClean="0"/>
+              <a:t>Freeman (2002)</a:t>
+            </a:r>
+            <a:endParaRPr lang="en" sz="1200" b="1" dirty="0"/>
+          </a:p>
+        </p:txBody>
+      </p:sp>
     </p:spTree>
     <p:extLst>
       <p:ext uri="{BB962C8B-B14F-4D97-AF65-F5344CB8AC3E}">
@@ -7164,6 +9073,13 @@
   <p:clrMapOvr>
     <a:masterClrMapping/>
   </p:clrMapOvr>
+  <p:timing>
+    <p:tnLst>
+      <p:par>
+        <p:cTn xmlns:p14="http://schemas.microsoft.com/office/powerpoint/2010/main" id="1" dur="indefinite" restart="never" nodeType="tmRoot"/>
+      </p:par>
+    </p:tnLst>
+  </p:timing>
 </p:sld>
 </file>
 
@@ -7184,302 +9100,166 @@
           <a:chExt cx="0" cy="0"/>
         </a:xfrm>
       </p:grpSpPr>
-      <p:sp>
-        <p:nvSpPr>
-          <p:cNvPr id="3" name="Content Placeholder 2"/>
+      <p:pic>
+        <p:nvPicPr>
+          <p:cNvPr id="2" name="Content Placeholder 1"/>
+          <p:cNvPicPr>
+            <a:picLocks noGrp="1" noChangeAspect="1"/>
+          </p:cNvPicPr>
+          <p:nvPr>
+            <p:ph idx="1"/>
+          </p:nvPr>
+        </p:nvPicPr>
+        <p:blipFill>
+          <a:blip r:embed="rId2" cstate="email">
+            <a:extLst>
+              <a:ext uri="{28A0092B-C50C-407E-A947-70E740481C1C}">
+                <a14:useLocalDpi xmlns:a14="http://schemas.microsoft.com/office/drawing/2010/main" val="0"/>
+              </a:ext>
+            </a:extLst>
+          </a:blip>
+          <a:stretch>
+            <a:fillRect/>
+          </a:stretch>
+        </p:blipFill>
+        <p:spPr>
+          <a:xfrm>
+            <a:off x="297264" y="2296819"/>
+            <a:ext cx="8596016" cy="2966416"/>
+          </a:xfrm>
+        </p:spPr>
+      </p:pic>
+      <p:sp>
+        <p:nvSpPr>
+          <p:cNvPr id="5" name="Title 4"/>
           <p:cNvSpPr>
             <a:spLocks noGrp="1"/>
           </p:cNvSpPr>
           <p:nvPr>
-            <p:ph idx="1"/>
-          </p:nvPr>
-        </p:nvSpPr>
-        <p:spPr>
-          <a:xfrm>
-            <a:off x="314336" y="1694700"/>
-            <a:ext cx="8549906" cy="3508977"/>
-          </a:xfrm>
-        </p:spPr>
-        <p:txBody>
-          <a:bodyPr/>
-          <a:lstStyle/>
-          <a:p>
-            <a:r>
-              <a:rPr lang="en-US" dirty="0" smtClean="0"/>
-              <a:t>Allows the user to upload a small- to medium-scale GRN in XLSX, SIF, or </a:t>
-            </a:r>
-            <a:r>
-              <a:rPr lang="en-US" dirty="0" err="1" smtClean="0"/>
-              <a:t>GraphML</a:t>
-            </a:r>
-            <a:r>
-              <a:rPr lang="en-US" dirty="0" smtClean="0"/>
-              <a:t> format</a:t>
-            </a:r>
-          </a:p>
-          <a:p>
-            <a:r>
-              <a:rPr lang="en-US" dirty="0" smtClean="0"/>
-              <a:t>The resulting visualization can then be customized and analyzed</a:t>
-            </a:r>
-            <a:endParaRPr lang="en-US" dirty="0"/>
-          </a:p>
-        </p:txBody>
-      </p:sp>
-      <p:sp>
-        <p:nvSpPr>
-          <p:cNvPr id="5" name="Title 1"/>
-          <p:cNvSpPr txBox="1">
-            <a:spLocks/>
-          </p:cNvSpPr>
+            <p:ph type="title"/>
+          </p:nvPr>
+        </p:nvSpPr>
+        <p:spPr/>
+        <p:txBody>
+          <a:bodyPr>
+            <a:normAutofit/>
+          </a:bodyPr>
+          <a:lstStyle/>
+          <a:p>
+            <a:r>
+              <a:rPr lang="en-US" sz="2400" dirty="0" smtClean="0"/>
+              <a:t>Representations of </a:t>
+            </a:r>
+            <a:r>
+              <a:rPr lang="en-US" sz="2400" dirty="0" err="1" smtClean="0"/>
+              <a:t>grns</a:t>
+            </a:r>
+            <a:r>
+              <a:rPr lang="en-US" sz="2400" dirty="0" smtClean="0"/>
+              <a:t> can be difficult to understand without visualization</a:t>
+            </a:r>
+            <a:endParaRPr lang="en-US" sz="2400" dirty="0"/>
+          </a:p>
+        </p:txBody>
+      </p:sp>
+      <p:sp>
+        <p:nvSpPr>
+          <p:cNvPr id="8" name="Rectangle 7"/>
+          <p:cNvSpPr/>
           <p:nvPr/>
         </p:nvSpPr>
         <p:spPr>
           <a:xfrm>
-            <a:off x="440221" y="422449"/>
-            <a:ext cx="8260672" cy="1039427"/>
+            <a:off x="828857" y="6149383"/>
+            <a:ext cx="7532831" cy="523220"/>
           </a:xfrm>
           <a:prstGeom prst="rect">
             <a:avLst/>
           </a:prstGeom>
         </p:spPr>
-        <p:txBody>
-          <a:bodyPr vert="horz" lIns="91440" tIns="45720" rIns="91440" bIns="45720" rtlCol="0" anchor="ctr">
-            <a:noAutofit/>
+        <p:style>
+          <a:lnRef idx="2">
+            <a:schemeClr val="accent1">
+              <a:shade val="50000"/>
+            </a:schemeClr>
+          </a:lnRef>
+          <a:fillRef idx="1">
+            <a:schemeClr val="accent1"/>
+          </a:fillRef>
+          <a:effectRef idx="0">
+            <a:schemeClr val="accent1"/>
+          </a:effectRef>
+          <a:fontRef idx="minor">
+            <a:schemeClr val="lt1"/>
+          </a:fontRef>
+        </p:style>
+        <p:txBody>
+          <a:bodyPr rtlCol="0" anchor="ctr"/>
+          <a:lstStyle/>
+          <a:p>
+            <a:pPr algn="ctr"/>
+            <a:endParaRPr lang="en-US"/>
+          </a:p>
+        </p:txBody>
+      </p:sp>
+      <p:sp>
+        <p:nvSpPr>
+          <p:cNvPr id="6" name="TextBox 5"/>
+          <p:cNvSpPr txBox="1"/>
+          <p:nvPr/>
+        </p:nvSpPr>
+        <p:spPr>
+          <a:xfrm>
+            <a:off x="828857" y="6153000"/>
+            <a:ext cx="7532831" cy="523220"/>
+          </a:xfrm>
+          <a:prstGeom prst="rect">
+            <a:avLst/>
+          </a:prstGeom>
+          <a:noFill/>
+        </p:spPr>
+        <p:txBody>
+          <a:bodyPr wrap="none" rtlCol="0">
+            <a:spAutoFit/>
           </a:bodyPr>
-          <a:lstStyle>
-            <a:lvl1pPr algn="ctr" defTabSz="914400" rtl="0" eaLnBrk="1" latinLnBrk="0" hangingPunct="1">
-              <a:spcBef>
-                <a:spcPct val="0"/>
-              </a:spcBef>
-              <a:buNone/>
-              <a:defRPr sz="3500" kern="1200" cap="all" baseline="0">
+          <a:lstStyle/>
+          <a:p>
+            <a:r>
+              <a:rPr lang="en-US" sz="2800" b="1" dirty="0" smtClean="0">
                 <a:solidFill>
-                  <a:schemeClr val="accent1">
-                    <a:lumMod val="75000"/>
-                  </a:schemeClr>
+                  <a:schemeClr val="bg1"/>
                 </a:solidFill>
-                <a:latin typeface="+mj-lt"/>
-                <a:ea typeface="+mj-ea"/>
-                <a:cs typeface="+mj-cs"/>
-              </a:defRPr>
-            </a:lvl1pPr>
-          </a:lstStyle>
-          <a:p>
-            <a:r>
-              <a:rPr lang="en-US" sz="2400" dirty="0" err="1" smtClean="0"/>
-              <a:t>GRNsight</a:t>
-            </a:r>
-            <a:r>
-              <a:rPr lang="en-US" sz="2400" dirty="0" smtClean="0"/>
-              <a:t> is a web app and service for visualizing </a:t>
-            </a:r>
-            <a:r>
-              <a:rPr lang="en-US" sz="2400" dirty="0" err="1" smtClean="0"/>
-              <a:t>gRNs</a:t>
-            </a:r>
-            <a:r>
-              <a:rPr lang="en-US" sz="2400" dirty="0" smtClean="0"/>
-              <a:t>.</a:t>
-            </a:r>
-            <a:endParaRPr lang="en-US" sz="2400" dirty="0"/>
-          </a:p>
-        </p:txBody>
-      </p:sp>
-      <p:graphicFrame>
-        <p:nvGraphicFramePr>
-          <p:cNvPr id="6" name="Table 5"/>
-          <p:cNvGraphicFramePr>
-            <a:graphicFrameLocks noGrp="1"/>
-          </p:cNvGraphicFramePr>
-          <p:nvPr>
-            <p:extLst>
-              <p:ext uri="{D42A27DB-BD31-4B8C-83A1-F6EECF244321}">
-                <p14:modId xmlns:p14="http://schemas.microsoft.com/office/powerpoint/2010/main" val="4284322503"/>
-              </p:ext>
-            </p:extLst>
-          </p:nvPr>
-        </p:nvGraphicFramePr>
-        <p:xfrm>
-          <a:off x="515659" y="3378030"/>
-          <a:ext cx="8172278" cy="3254796"/>
-        </p:xfrm>
-        <a:graphic>
-          <a:graphicData uri="http://schemas.openxmlformats.org/drawingml/2006/table">
-            <a:tbl>
-              <a:tblPr firstRow="1" bandRow="1"/>
-              <a:tblGrid>
-                <a:gridCol w="4086139"/>
-                <a:gridCol w="4086139"/>
-              </a:tblGrid>
-              <a:tr h="813699">
-                <a:tc>
-                  <a:txBody>
-                    <a:bodyPr/>
-                    <a:lstStyle/>
-                    <a:p>
-                      <a:pPr algn="ctr"/>
-                      <a:r>
-                        <a:rPr lang="en-US" sz="2000" b="1" dirty="0" err="1" smtClean="0"/>
-                        <a:t>Cytoscape</a:t>
-                      </a:r>
-                      <a:r>
-                        <a:rPr lang="en-US" sz="2000" b="1" baseline="0" dirty="0" smtClean="0"/>
-                        <a:t>/</a:t>
-                      </a:r>
-                      <a:r>
-                        <a:rPr lang="en-US" sz="2000" b="1" baseline="0" dirty="0" err="1" smtClean="0"/>
-                        <a:t>Gephi</a:t>
-                      </a:r>
-                      <a:endParaRPr lang="en-US" sz="2000" b="1" dirty="0"/>
-                    </a:p>
-                  </a:txBody>
-                  <a:tcPr anchor="ctr">
-                    <a:solidFill>
-                      <a:schemeClr val="bg1">
-                        <a:lumMod val="75000"/>
-                      </a:schemeClr>
-                    </a:solidFill>
-                  </a:tcPr>
-                </a:tc>
-                <a:tc>
-                  <a:txBody>
-                    <a:bodyPr/>
-                    <a:lstStyle/>
-                    <a:p>
-                      <a:pPr algn="ctr"/>
-                      <a:r>
-                        <a:rPr lang="en-US" sz="2000" b="1" dirty="0" err="1" smtClean="0"/>
-                        <a:t>GRNsight</a:t>
-                      </a:r>
-                      <a:endParaRPr lang="en-US" sz="2000" b="1" dirty="0"/>
-                    </a:p>
-                  </a:txBody>
-                  <a:tcPr anchor="ctr">
-                    <a:solidFill>
-                      <a:schemeClr val="bg1">
-                        <a:lumMod val="75000"/>
-                      </a:schemeClr>
-                    </a:solidFill>
-                  </a:tcPr>
-                </a:tc>
-              </a:tr>
-              <a:tr h="813699">
-                <a:tc>
-                  <a:txBody>
-                    <a:bodyPr/>
-                    <a:lstStyle/>
-                    <a:p>
-                      <a:pPr algn="ctr"/>
-                      <a:r>
-                        <a:rPr lang="en-US" sz="2000" b="1" dirty="0" smtClean="0"/>
-                        <a:t>Optimized for large-scale</a:t>
-                      </a:r>
-                      <a:r>
-                        <a:rPr lang="en-US" sz="2000" b="1" baseline="0" dirty="0" smtClean="0"/>
-                        <a:t> graphs.</a:t>
-                      </a:r>
-                      <a:endParaRPr lang="en-US" sz="2000" b="1" dirty="0"/>
-                    </a:p>
-                  </a:txBody>
-                  <a:tcPr anchor="ctr"/>
-                </a:tc>
-                <a:tc>
-                  <a:txBody>
-                    <a:bodyPr/>
-                    <a:lstStyle/>
-                    <a:p>
-                      <a:pPr algn="ctr"/>
-                      <a:r>
-                        <a:rPr lang="en-US" sz="2000" b="1" dirty="0" smtClean="0"/>
-                        <a:t>Optimized for small- to medium- scale graphs.</a:t>
-                      </a:r>
-                      <a:endParaRPr lang="en-US" sz="2000" b="1" dirty="0"/>
-                    </a:p>
-                  </a:txBody>
-                  <a:tcPr anchor="ctr"/>
-                </a:tc>
-              </a:tr>
-              <a:tr h="813699">
-                <a:tc>
-                  <a:txBody>
-                    <a:bodyPr/>
-                    <a:lstStyle/>
-                    <a:p>
-                      <a:pPr algn="ctr"/>
-                      <a:r>
-                        <a:rPr lang="en-US" sz="2000" b="1" dirty="0" smtClean="0"/>
-                        <a:t>Must be installed.</a:t>
-                      </a:r>
-                      <a:endParaRPr lang="en-US" sz="2000" b="1" dirty="0"/>
-                    </a:p>
-                  </a:txBody>
-                  <a:tcPr anchor="ctr"/>
-                </a:tc>
-                <a:tc>
-                  <a:txBody>
-                    <a:bodyPr/>
-                    <a:lstStyle/>
-                    <a:p>
-                      <a:pPr algn="ctr"/>
-                      <a:r>
-                        <a:rPr lang="en-US" sz="2000" b="1" dirty="0" smtClean="0"/>
-                        <a:t>Exists as a web application.</a:t>
-                      </a:r>
-                      <a:endParaRPr lang="en-US" sz="2000" b="1" dirty="0"/>
-                    </a:p>
-                  </a:txBody>
-                  <a:tcPr anchor="ctr"/>
-                </a:tc>
-              </a:tr>
-              <a:tr h="813699">
-                <a:tc>
-                  <a:txBody>
-                    <a:bodyPr/>
-                    <a:lstStyle/>
-                    <a:p>
-                      <a:pPr algn="ctr"/>
-                      <a:r>
-                        <a:rPr lang="en-US" sz="2000" b="1" dirty="0" smtClean="0"/>
-                        <a:t>Several</a:t>
-                      </a:r>
-                      <a:r>
-                        <a:rPr lang="en-US" sz="2000" b="1" baseline="0" dirty="0" smtClean="0"/>
-                        <a:t> complex features in addition to visualization.</a:t>
-                      </a:r>
-                      <a:endParaRPr lang="en-US" sz="2000" b="1" dirty="0"/>
-                    </a:p>
-                  </a:txBody>
-                  <a:tcPr anchor="ctr"/>
-                </a:tc>
-                <a:tc>
-                  <a:txBody>
-                    <a:bodyPr/>
-                    <a:lstStyle/>
-                    <a:p>
-                      <a:pPr algn="ctr"/>
-                      <a:r>
-                        <a:rPr lang="en-US" sz="2000" b="1" dirty="0" smtClean="0"/>
-                        <a:t>Intended </a:t>
-                      </a:r>
-                      <a:r>
-                        <a:rPr lang="en-US" sz="2000" b="1" baseline="0" dirty="0" smtClean="0"/>
-                        <a:t>solely for visualizations.</a:t>
-                      </a:r>
-                      <a:endParaRPr lang="en-US" sz="2000" b="1" dirty="0"/>
-                    </a:p>
-                  </a:txBody>
-                  <a:tcPr anchor="ctr"/>
-                </a:tc>
-              </a:tr>
-            </a:tbl>
-          </a:graphicData>
-        </a:graphic>
-      </p:graphicFrame>
+              </a:rPr>
+              <a:t>Weighted adjacency matrix in .</a:t>
+            </a:r>
+            <a:r>
+              <a:rPr lang="en-US" sz="2800" b="1" dirty="0" err="1" smtClean="0">
+                <a:solidFill>
+                  <a:schemeClr val="bg1"/>
+                </a:solidFill>
+              </a:rPr>
+              <a:t>xlsx</a:t>
+            </a:r>
+            <a:r>
+              <a:rPr lang="en-US" sz="2800" b="1" dirty="0" smtClean="0">
+                <a:solidFill>
+                  <a:schemeClr val="bg1"/>
+                </a:solidFill>
+              </a:rPr>
+              <a:t> format</a:t>
+            </a:r>
+            <a:endParaRPr lang="en-US" sz="2800" b="1" dirty="0">
+              <a:solidFill>
+                <a:schemeClr val="bg1"/>
+              </a:solidFill>
+            </a:endParaRPr>
+          </a:p>
+        </p:txBody>
+      </p:sp>
     </p:spTree>
     <p:extLst>
       <p:ext uri="{BB962C8B-B14F-4D97-AF65-F5344CB8AC3E}">
-        <p14:creationId xmlns:p14="http://schemas.microsoft.com/office/powerpoint/2010/main" val="1687058228"/>
+        <p14:creationId xmlns:p14="http://schemas.microsoft.com/office/powerpoint/2010/main" val="384843353"/>
       </p:ext>
     </p:extLst>
   </p:cSld>
@@ -7515,38 +9295,128 @@
       </p:grpSpPr>
       <p:sp>
         <p:nvSpPr>
-          <p:cNvPr id="3" name="Content Placeholder 2"/>
-          <p:cNvSpPr>
-            <a:spLocks noGrp="1"/>
+          <p:cNvPr id="7" name="Rectangle 6"/>
+          <p:cNvSpPr/>
+          <p:nvPr/>
+        </p:nvSpPr>
+        <p:spPr>
+          <a:xfrm>
+            <a:off x="320204" y="1796333"/>
+            <a:ext cx="8521957" cy="4768050"/>
+          </a:xfrm>
+          <a:prstGeom prst="rect">
+            <a:avLst/>
+          </a:prstGeom>
+          <a:solidFill>
+            <a:schemeClr val="bg1"/>
+          </a:solidFill>
+          <a:ln w="76200" cap="sq">
+            <a:solidFill>
+              <a:schemeClr val="bg1">
+                <a:lumMod val="95000"/>
+              </a:schemeClr>
+            </a:solidFill>
+            <a:miter lim="800000"/>
+          </a:ln>
+        </p:spPr>
+        <p:style>
+          <a:lnRef idx="2">
+            <a:schemeClr val="accent1">
+              <a:shade val="50000"/>
+            </a:schemeClr>
+          </a:lnRef>
+          <a:fillRef idx="1">
+            <a:schemeClr val="accent1"/>
+          </a:fillRef>
+          <a:effectRef idx="0">
+            <a:schemeClr val="accent1"/>
+          </a:effectRef>
+          <a:fontRef idx="minor">
+            <a:schemeClr val="lt1"/>
+          </a:fontRef>
+        </p:style>
+        <p:txBody>
+          <a:bodyPr rtlCol="0" anchor="ctr"/>
+          <a:lstStyle/>
+          <a:p>
+            <a:pPr algn="ctr"/>
+            <a:endParaRPr lang="en-US">
+              <a:ln cap="sq">
+                <a:solidFill>
+                  <a:schemeClr val="accent1"/>
+                </a:solidFill>
+                <a:miter lim="800000"/>
+              </a:ln>
+            </a:endParaRPr>
+          </a:p>
+        </p:txBody>
+      </p:sp>
+      <p:sp>
+        <p:nvSpPr>
+          <p:cNvPr id="5" name="Title 1"/>
+          <p:cNvSpPr txBox="1">
+            <a:spLocks/>
           </p:cNvSpPr>
-          <p:nvPr>
-            <p:ph idx="1"/>
-          </p:nvPr>
-        </p:nvSpPr>
-        <p:spPr>
-          <a:xfrm>
-            <a:off x="1043492" y="1694700"/>
-            <a:ext cx="6777317" cy="3508977"/>
-          </a:xfrm>
-        </p:spPr>
-        <p:txBody>
-          <a:bodyPr/>
-          <a:lstStyle/>
-          <a:p>
-            <a:endParaRPr lang="en-US" dirty="0"/>
+          <p:nvPr/>
+        </p:nvSpPr>
+        <p:spPr>
+          <a:xfrm>
+            <a:off x="440221" y="422449"/>
+            <a:ext cx="8260672" cy="1039427"/>
+          </a:xfrm>
+          <a:prstGeom prst="rect">
+            <a:avLst/>
+          </a:prstGeom>
+        </p:spPr>
+        <p:txBody>
+          <a:bodyPr vert="horz" lIns="91440" tIns="45720" rIns="91440" bIns="45720" rtlCol="0" anchor="ctr">
+            <a:noAutofit/>
+          </a:bodyPr>
+          <a:lstStyle>
+            <a:lvl1pPr algn="ctr" defTabSz="914400" rtl="0" eaLnBrk="1" latinLnBrk="0" hangingPunct="1">
+              <a:spcBef>
+                <a:spcPct val="0"/>
+              </a:spcBef>
+              <a:buNone/>
+              <a:defRPr sz="3500" kern="1200" cap="all" baseline="0">
+                <a:solidFill>
+                  <a:schemeClr val="accent1">
+                    <a:lumMod val="75000"/>
+                  </a:schemeClr>
+                </a:solidFill>
+                <a:latin typeface="+mj-lt"/>
+                <a:ea typeface="+mj-ea"/>
+                <a:cs typeface="+mj-cs"/>
+              </a:defRPr>
+            </a:lvl1pPr>
+          </a:lstStyle>
+          <a:p>
+            <a:r>
+              <a:rPr lang="en-US" sz="2400" dirty="0" smtClean="0"/>
+              <a:t>Existing GRN visualization software did not fit the Use case needed by the  </a:t>
+            </a:r>
+            <a:r>
+              <a:rPr lang="en-US" sz="2400" dirty="0" err="1" smtClean="0"/>
+              <a:t>Grnmap</a:t>
+            </a:r>
+            <a:r>
+              <a:rPr lang="en-US" sz="2400" dirty="0" smtClean="0"/>
+              <a:t> TEAM</a:t>
+            </a:r>
+            <a:endParaRPr lang="en-US" sz="2400" dirty="0"/>
           </a:p>
         </p:txBody>
       </p:sp>
       <p:pic>
         <p:nvPicPr>
-          <p:cNvPr id="4" name="Picture 3" descr="Screen Shot 2017-04-17 at 4.40.16 PM.png"/>
+          <p:cNvPr id="4" name="Picture 3"/>
           <p:cNvPicPr>
             <a:picLocks noChangeAspect="1"/>
           </p:cNvPicPr>
           <p:nvPr/>
         </p:nvPicPr>
         <p:blipFill>
-          <a:blip r:embed="rId2">
+          <a:blip r:embed="rId2" cstate="email">
             <a:extLst>
               <a:ext uri="{28A0092B-C50C-407E-A947-70E740481C1C}">
                 <a14:useLocalDpi xmlns:a14="http://schemas.microsoft.com/office/drawing/2010/main" val="0"/>
@@ -7559,8 +9429,8 @@
         </p:blipFill>
         <p:spPr>
           <a:xfrm>
-            <a:off x="326907" y="2296273"/>
-            <a:ext cx="8452463" cy="2870849"/>
+            <a:off x="440220" y="2826153"/>
+            <a:ext cx="8260673" cy="741404"/>
           </a:xfrm>
           <a:prstGeom prst="rect">
             <a:avLst/>
@@ -7569,35 +9439,104 @@
       </p:pic>
       <p:sp>
         <p:nvSpPr>
-          <p:cNvPr id="5" name="Title 4"/>
+          <p:cNvPr id="8" name="Content Placeholder 2"/>
           <p:cNvSpPr>
             <a:spLocks noGrp="1"/>
           </p:cNvSpPr>
           <p:nvPr>
-            <p:ph type="title"/>
-          </p:nvPr>
-        </p:nvSpPr>
-        <p:spPr/>
-        <p:txBody>
-          <a:bodyPr/>
+            <p:ph idx="1"/>
+          </p:nvPr>
+        </p:nvSpPr>
+        <p:spPr>
+          <a:xfrm>
+            <a:off x="314336" y="1858476"/>
+            <a:ext cx="8549906" cy="4705907"/>
+          </a:xfrm>
+        </p:spPr>
+        <p:txBody>
+          <a:bodyPr>
+            <a:normAutofit fontScale="92500"/>
+          </a:bodyPr>
           <a:lstStyle/>
           <a:p>
             <a:r>
               <a:rPr lang="en-US" dirty="0" smtClean="0"/>
-              <a:t>Turns this</a:t>
-            </a:r>
-            <a:r>
-              <a:rPr lang="mr-IN" dirty="0" smtClean="0"/>
-              <a:t>…</a:t>
-            </a:r>
+              <a:t>YEASTRACT GRN visualizations are static, difficult to interpret, and don’t display edge weight </a:t>
+            </a:r>
+            <a:r>
+              <a:rPr lang="en-US" dirty="0" smtClean="0"/>
+              <a:t>values</a:t>
+            </a:r>
+            <a:endParaRPr lang="en-US" dirty="0" smtClean="0"/>
+          </a:p>
+          <a:p>
             <a:endParaRPr lang="en-US" dirty="0"/>
+          </a:p>
+          <a:p>
+            <a:endParaRPr lang="en-US" dirty="0" smtClean="0"/>
+          </a:p>
+          <a:p>
+            <a:endParaRPr lang="en-US" dirty="0"/>
+          </a:p>
+          <a:p>
+            <a:r>
+              <a:rPr lang="en-US" dirty="0" err="1" smtClean="0"/>
+              <a:t>Cytoscape</a:t>
+            </a:r>
+            <a:r>
+              <a:rPr lang="en-US" dirty="0" smtClean="0"/>
+              <a:t> and </a:t>
+            </a:r>
+            <a:r>
+              <a:rPr lang="en-US" dirty="0" err="1" smtClean="0"/>
+              <a:t>Gephi</a:t>
+            </a:r>
+            <a:r>
+              <a:rPr lang="en-US" dirty="0" smtClean="0"/>
+              <a:t> must be installed, are optimized for large GRNs, and have complex features with a steep learning </a:t>
+            </a:r>
+            <a:r>
+              <a:rPr lang="en-US" dirty="0" smtClean="0"/>
+              <a:t>curve</a:t>
+            </a:r>
+            <a:endParaRPr lang="en-US" dirty="0" smtClean="0"/>
+          </a:p>
+          <a:p>
+            <a:r>
+              <a:rPr lang="en-US" dirty="0" smtClean="0"/>
+              <a:t>Making a graph by hand in Illustrator is time-consuming</a:t>
+            </a:r>
+            <a:endParaRPr lang="en-US" dirty="0"/>
+          </a:p>
+          <a:p>
+            <a:r>
+              <a:rPr lang="en-US" dirty="0" err="1" smtClean="0"/>
+              <a:t>GRNsight</a:t>
+            </a:r>
+            <a:r>
+              <a:rPr lang="en-US" dirty="0" smtClean="0"/>
+              <a:t> exists as a web app, is optimized for small- to medium-scale graphs</a:t>
+            </a:r>
+            <a:r>
+              <a:rPr lang="en-US" dirty="0" smtClean="0"/>
+              <a:t>, is quick to customize, </a:t>
+            </a:r>
+            <a:r>
+              <a:rPr lang="en-US" dirty="0" smtClean="0"/>
+              <a:t>and displays weight values in an intuitive way for the </a:t>
+            </a:r>
+            <a:r>
+              <a:rPr lang="en-US" dirty="0" smtClean="0"/>
+              <a:t>user</a:t>
+            </a:r>
+            <a:endParaRPr lang="en-US" dirty="0" smtClean="0"/>
           </a:p>
         </p:txBody>
       </p:sp>
     </p:spTree>
     <p:extLst>
       <p:ext uri="{BB962C8B-B14F-4D97-AF65-F5344CB8AC3E}">
-        <p14:creationId xmlns:p14="http://schemas.microsoft.com/office/powerpoint/2010/main" val="384843353"/>
+        <p14:creationId xmlns:p14="http://schemas.microsoft.com/office/powerpoint/2010/main" val="1687058228"/>
       </p:ext>
     </p:extLst>
   </p:cSld>
@@ -7631,40 +9570,18 @@
           <a:chExt cx="0" cy="0"/>
         </a:xfrm>
       </p:grpSpPr>
-      <p:sp>
-        <p:nvSpPr>
-          <p:cNvPr id="3" name="Content Placeholder 2"/>
-          <p:cNvSpPr>
-            <a:spLocks noGrp="1"/>
-          </p:cNvSpPr>
-          <p:nvPr>
-            <p:ph idx="1"/>
-          </p:nvPr>
-        </p:nvSpPr>
-        <p:spPr>
-          <a:xfrm>
-            <a:off x="1043492" y="1694700"/>
-            <a:ext cx="6777317" cy="3508977"/>
-          </a:xfrm>
-        </p:spPr>
-        <p:txBody>
-          <a:bodyPr/>
-          <a:lstStyle/>
-          <a:p>
-            <a:endParaRPr lang="en-US" dirty="0"/>
-          </a:p>
-        </p:txBody>
-      </p:sp>
       <p:pic>
         <p:nvPicPr>
-          <p:cNvPr id="5" name="Picture 4" descr="Screen Shot 2017-04-17 at 4.42.04 PM.png"/>
+          <p:cNvPr id="2" name="Content Placeholder 1"/>
           <p:cNvPicPr>
-            <a:picLocks noChangeAspect="1"/>
+            <a:picLocks noGrp="1" noChangeAspect="1"/>
           </p:cNvPicPr>
-          <p:nvPr/>
+          <p:nvPr>
+            <p:ph idx="1"/>
+          </p:nvPr>
         </p:nvPicPr>
         <p:blipFill>
-          <a:blip r:embed="rId2">
+          <a:blip r:embed="rId2" cstate="email">
             <a:extLst>
               <a:ext uri="{28A0092B-C50C-407E-A947-70E740481C1C}">
                 <a14:useLocalDpi xmlns:a14="http://schemas.microsoft.com/office/drawing/2010/main" val="0"/>
@@ -7677,41 +9594,140 @@
         </p:blipFill>
         <p:spPr>
           <a:xfrm>
-            <a:off x="917760" y="1858173"/>
-            <a:ext cx="7211199" cy="4802432"/>
+            <a:off x="297264" y="2296819"/>
+            <a:ext cx="8596016" cy="2966416"/>
+          </a:xfrm>
+        </p:spPr>
+      </p:pic>
+      <p:sp>
+        <p:nvSpPr>
+          <p:cNvPr id="5" name="Title 4"/>
+          <p:cNvSpPr>
+            <a:spLocks noGrp="1"/>
+          </p:cNvSpPr>
+          <p:nvPr>
+            <p:ph type="title"/>
+          </p:nvPr>
+        </p:nvSpPr>
+        <p:spPr/>
+        <p:txBody>
+          <a:bodyPr/>
+          <a:lstStyle/>
+          <a:p>
+            <a:r>
+              <a:rPr lang="en-US" smtClean="0"/>
+              <a:t>GRNsight Turns </a:t>
+            </a:r>
+            <a:r>
+              <a:rPr lang="en-US" dirty="0" smtClean="0"/>
+              <a:t>this</a:t>
+            </a:r>
+            <a:r>
+              <a:rPr lang="mr-IN" dirty="0" smtClean="0"/>
+              <a:t>…</a:t>
+            </a:r>
+            <a:endParaRPr lang="en-US" dirty="0"/>
+          </a:p>
+        </p:txBody>
+      </p:sp>
+      <p:sp>
+        <p:nvSpPr>
+          <p:cNvPr id="8" name="Rectangle 7"/>
+          <p:cNvSpPr/>
+          <p:nvPr/>
+        </p:nvSpPr>
+        <p:spPr>
+          <a:xfrm>
+            <a:off x="828857" y="6149383"/>
+            <a:ext cx="7532831" cy="523220"/>
           </a:xfrm>
           <a:prstGeom prst="rect">
             <a:avLst/>
           </a:prstGeom>
         </p:spPr>
-      </p:pic>
-      <p:sp>
-        <p:nvSpPr>
-          <p:cNvPr id="4" name="Title 3"/>
-          <p:cNvSpPr>
-            <a:spLocks noGrp="1"/>
-          </p:cNvSpPr>
-          <p:nvPr>
-            <p:ph type="title"/>
-          </p:nvPr>
-        </p:nvSpPr>
-        <p:spPr/>
-        <p:txBody>
-          <a:bodyPr/>
-          <a:lstStyle/>
-          <a:p>
-            <a:r>
-              <a:rPr lang="en-US" dirty="0" smtClean="0"/>
-              <a:t>Into this</a:t>
-            </a:r>
-            <a:endParaRPr lang="en-US" dirty="0"/>
+        <p:style>
+          <a:lnRef idx="2">
+            <a:schemeClr val="accent1">
+              <a:shade val="50000"/>
+            </a:schemeClr>
+          </a:lnRef>
+          <a:fillRef idx="1">
+            <a:schemeClr val="accent1"/>
+          </a:fillRef>
+          <a:effectRef idx="0">
+            <a:schemeClr val="accent1"/>
+          </a:effectRef>
+          <a:fontRef idx="minor">
+            <a:schemeClr val="lt1"/>
+          </a:fontRef>
+        </p:style>
+        <p:txBody>
+          <a:bodyPr rtlCol="0" anchor="ctr"/>
+          <a:lstStyle/>
+          <a:p>
+            <a:pPr algn="ctr"/>
+            <a:endParaRPr lang="en-US"/>
+          </a:p>
+        </p:txBody>
+      </p:sp>
+      <p:sp>
+        <p:nvSpPr>
+          <p:cNvPr id="6" name="TextBox 5"/>
+          <p:cNvSpPr txBox="1"/>
+          <p:nvPr/>
+        </p:nvSpPr>
+        <p:spPr>
+          <a:xfrm>
+            <a:off x="828857" y="6153000"/>
+            <a:ext cx="7532831" cy="523220"/>
+          </a:xfrm>
+          <a:prstGeom prst="rect">
+            <a:avLst/>
+          </a:prstGeom>
+          <a:noFill/>
+        </p:spPr>
+        <p:txBody>
+          <a:bodyPr wrap="none" rtlCol="0">
+            <a:spAutoFit/>
+          </a:bodyPr>
+          <a:lstStyle/>
+          <a:p>
+            <a:r>
+              <a:rPr lang="en-US" sz="2800" b="1" dirty="0" smtClean="0">
+                <a:solidFill>
+                  <a:schemeClr val="bg1"/>
+                </a:solidFill>
+              </a:rPr>
+              <a:t>Weighted adjacency matrix in .</a:t>
+            </a:r>
+            <a:r>
+              <a:rPr lang="en-US" sz="2800" b="1" dirty="0" err="1" smtClean="0">
+                <a:solidFill>
+                  <a:schemeClr val="bg1"/>
+                </a:solidFill>
+              </a:rPr>
+              <a:t>xlsx</a:t>
+            </a:r>
+            <a:r>
+              <a:rPr lang="en-US" sz="2800" b="1" dirty="0" smtClean="0">
+                <a:solidFill>
+                  <a:schemeClr val="bg1"/>
+                </a:solidFill>
+              </a:rPr>
+              <a:t> format</a:t>
+            </a:r>
+            <a:endParaRPr lang="en-US" sz="2800" b="1" dirty="0">
+              <a:solidFill>
+                <a:schemeClr val="bg1"/>
+              </a:solidFill>
+            </a:endParaRPr>
           </a:p>
         </p:txBody>
       </p:sp>
     </p:spTree>
     <p:extLst>
       <p:ext uri="{BB962C8B-B14F-4D97-AF65-F5344CB8AC3E}">
-        <p14:creationId xmlns:p14="http://schemas.microsoft.com/office/powerpoint/2010/main" val="3974235386"/>
+        <p14:creationId xmlns:p14="http://schemas.microsoft.com/office/powerpoint/2010/main" val="2416835274"/>
       </p:ext>
     </p:extLst>
   </p:cSld>
@@ -7745,35 +9761,11 @@
           <a:chExt cx="0" cy="0"/>
         </a:xfrm>
       </p:grpSpPr>
-      <p:sp>
-        <p:nvSpPr>
-          <p:cNvPr id="3" name="Content Placeholder 2"/>
-          <p:cNvSpPr>
-            <a:spLocks noGrp="1"/>
-          </p:cNvSpPr>
-          <p:nvPr>
-            <p:ph idx="1"/>
-          </p:nvPr>
-        </p:nvSpPr>
-        <p:spPr>
-          <a:xfrm>
-            <a:off x="1043492" y="1694700"/>
-            <a:ext cx="6777317" cy="3508977"/>
-          </a:xfrm>
-        </p:spPr>
-        <p:txBody>
-          <a:bodyPr/>
-          <a:lstStyle/>
-          <a:p>
-            <a:endParaRPr lang="en-US" dirty="0"/>
-          </a:p>
-        </p:txBody>
-      </p:sp>
       <p:pic>
         <p:nvPicPr>
-          <p:cNvPr id="6" name="Picture 6" descr="demo-4-auto"/>
+          <p:cNvPr id="3" name="Picture 2"/>
           <p:cNvPicPr>
-            <a:picLocks noChangeAspect="1" noChangeArrowheads="1"/>
+            <a:picLocks noChangeAspect="1"/>
           </p:cNvPicPr>
           <p:nvPr/>
         </p:nvPicPr>
@@ -7785,34 +9777,23 @@
               </a:ext>
             </a:extLst>
           </a:blip>
-          <a:srcRect/>
           <a:stretch>
             <a:fillRect/>
           </a:stretch>
         </p:blipFill>
-        <p:spPr bwMode="auto">
-          <a:xfrm>
-            <a:off x="1395534" y="1694700"/>
-            <a:ext cx="6161064" cy="4861026"/>
+        <p:spPr>
+          <a:xfrm>
+            <a:off x="3633915" y="1705970"/>
+            <a:ext cx="1931158" cy="4804012"/>
           </a:xfrm>
           <a:prstGeom prst="rect">
             <a:avLst/>
           </a:prstGeom>
-          <a:noFill/>
-          <a:extLst>
-            <a:ext uri="{909E8E84-426E-40dd-AFC4-6F175D3DCCD1}">
-              <a14:hiddenFill xmlns:a14="http://schemas.microsoft.com/office/drawing/2010/main">
-                <a:solidFill>
-                  <a:srgbClr val="FFFFFF"/>
-                </a:solidFill>
-              </a14:hiddenFill>
-            </a:ext>
-          </a:extLst>
         </p:spPr>
       </p:pic>
       <p:sp>
         <p:nvSpPr>
-          <p:cNvPr id="4" name="Title 3"/>
+          <p:cNvPr id="5" name="Title 4"/>
           <p:cNvSpPr>
             <a:spLocks noGrp="1"/>
           </p:cNvSpPr>
@@ -7822,23 +9803,138 @@
         </p:nvSpPr>
         <p:spPr/>
         <p:txBody>
-          <a:bodyPr>
-            <a:normAutofit fontScale="90000"/>
-          </a:bodyPr>
-          <a:lstStyle/>
-          <a:p>
+          <a:bodyPr/>
+          <a:lstStyle/>
+          <a:p>
+            <a:r>
+              <a:rPr lang="en-US" smtClean="0"/>
+              <a:t>GRNsight Turns </a:t>
+            </a:r>
             <a:r>
               <a:rPr lang="en-US" dirty="0" smtClean="0"/>
-              <a:t>Which can be customized to this!</a:t>
+              <a:t>this</a:t>
+            </a:r>
+            <a:r>
+              <a:rPr lang="mr-IN" dirty="0" smtClean="0"/>
+              <a:t>…</a:t>
             </a:r>
             <a:endParaRPr lang="en-US" dirty="0"/>
           </a:p>
         </p:txBody>
       </p:sp>
+      <p:grpSp>
+        <p:nvGrpSpPr>
+          <p:cNvPr id="7" name="Group 6"/>
+          <p:cNvGrpSpPr/>
+          <p:nvPr/>
+        </p:nvGrpSpPr>
+        <p:grpSpPr>
+          <a:xfrm>
+            <a:off x="705328" y="6146461"/>
+            <a:ext cx="7792871" cy="536909"/>
+            <a:chOff x="703059" y="2965117"/>
+            <a:chExt cx="7792871" cy="536909"/>
+          </a:xfrm>
+        </p:grpSpPr>
+        <p:sp>
+          <p:nvSpPr>
+            <p:cNvPr id="8" name="Rectangle 7"/>
+            <p:cNvSpPr/>
+            <p:nvPr/>
+          </p:nvSpPr>
+          <p:spPr>
+            <a:xfrm>
+              <a:off x="720117" y="2978806"/>
+              <a:ext cx="7704162" cy="523220"/>
+            </a:xfrm>
+            <a:prstGeom prst="rect">
+              <a:avLst/>
+            </a:prstGeom>
+          </p:spPr>
+          <p:style>
+            <a:lnRef idx="2">
+              <a:schemeClr val="accent1">
+                <a:shade val="50000"/>
+              </a:schemeClr>
+            </a:lnRef>
+            <a:fillRef idx="1">
+              <a:schemeClr val="accent1"/>
+            </a:fillRef>
+            <a:effectRef idx="0">
+              <a:schemeClr val="accent1"/>
+            </a:effectRef>
+            <a:fontRef idx="minor">
+              <a:schemeClr val="lt1"/>
+            </a:fontRef>
+          </p:style>
+          <p:txBody>
+            <a:bodyPr rtlCol="0" anchor="ctr"/>
+            <a:lstStyle/>
+            <a:p>
+              <a:pPr algn="ctr"/>
+              <a:endParaRPr lang="en-US"/>
+            </a:p>
+          </p:txBody>
+        </p:sp>
+        <p:sp>
+          <p:nvSpPr>
+            <p:cNvPr id="6" name="TextBox 5"/>
+            <p:cNvSpPr txBox="1"/>
+            <p:nvPr/>
+          </p:nvSpPr>
+          <p:spPr>
+            <a:xfrm>
+              <a:off x="703059" y="2965117"/>
+              <a:ext cx="7792871" cy="523220"/>
+            </a:xfrm>
+            <a:prstGeom prst="rect">
+              <a:avLst/>
+            </a:prstGeom>
+            <a:noFill/>
+          </p:spPr>
+          <p:txBody>
+            <a:bodyPr wrap="square" rtlCol="0">
+              <a:spAutoFit/>
+            </a:bodyPr>
+            <a:lstStyle/>
+            <a:p>
+              <a:r>
+                <a:rPr lang="en-US" sz="2800" b="1" dirty="0" smtClean="0">
+                  <a:solidFill>
+                    <a:schemeClr val="bg1"/>
+                  </a:solidFill>
+                </a:rPr>
+                <a:t>Weighted Simple Interaction Format (.</a:t>
+              </a:r>
+              <a:r>
+                <a:rPr lang="en-US" sz="2800" b="1" dirty="0" err="1" smtClean="0">
+                  <a:solidFill>
+                    <a:schemeClr val="bg1"/>
+                  </a:solidFill>
+                </a:rPr>
+                <a:t>sif</a:t>
+              </a:r>
+              <a:r>
+                <a:rPr lang="en-US" sz="2800" b="1" dirty="0" smtClean="0">
+                  <a:solidFill>
+                    <a:schemeClr val="bg1"/>
+                  </a:solidFill>
+                </a:rPr>
+                <a:t>) file</a:t>
+              </a:r>
+              <a:endParaRPr lang="en-US" sz="2800" b="1" dirty="0">
+                <a:solidFill>
+                  <a:schemeClr val="bg1"/>
+                </a:solidFill>
+              </a:endParaRPr>
+            </a:p>
+          </p:txBody>
+        </p:sp>
+      </p:grpSp>
     </p:spTree>
     <p:extLst>
       <p:ext uri="{BB962C8B-B14F-4D97-AF65-F5344CB8AC3E}">
-        <p14:creationId xmlns:p14="http://schemas.microsoft.com/office/powerpoint/2010/main" val="1656564870"/>
+        <p14:creationId xmlns:p14="http://schemas.microsoft.com/office/powerpoint/2010/main" val="3182623678"/>
       </p:ext>
     </p:extLst>
   </p:cSld>
@@ -7874,173 +9970,231 @@
       </p:grpSpPr>
       <p:sp>
         <p:nvSpPr>
-          <p:cNvPr id="3" name="Content Placeholder 2"/>
+          <p:cNvPr id="5" name="Title 4"/>
           <p:cNvSpPr>
             <a:spLocks noGrp="1"/>
           </p:cNvSpPr>
           <p:nvPr>
-            <p:ph idx="1"/>
-          </p:nvPr>
-        </p:nvSpPr>
-        <p:spPr>
-          <a:xfrm>
-            <a:off x="301761" y="1694700"/>
-            <a:ext cx="8537333" cy="4982537"/>
-          </a:xfrm>
-        </p:spPr>
+            <p:ph type="title"/>
+          </p:nvPr>
+        </p:nvSpPr>
+        <p:spPr/>
         <p:txBody>
           <a:bodyPr/>
           <a:lstStyle/>
           <a:p>
             <a:r>
-              <a:rPr lang="en-US" dirty="0"/>
-              <a:t>D</a:t>
+              <a:rPr lang="en-US" smtClean="0"/>
+              <a:t>GRNsight Turns </a:t>
             </a:r>
             <a:r>
               <a:rPr lang="en-US" dirty="0" smtClean="0"/>
-              <a:t>eveloped as part of a 402 project by Britain Southwick</a:t>
+              <a:t>this</a:t>
+            </a:r>
+            <a:r>
+              <a:rPr lang="mr-IN" dirty="0" smtClean="0"/>
+              <a:t>…</a:t>
             </a:r>
             <a:endParaRPr lang="en-US" dirty="0"/>
           </a:p>
-          <a:p>
-            <a:r>
-              <a:rPr lang="en-US" dirty="0" smtClean="0"/>
-              <a:t>Wanted a software that would be simple, intuitive</a:t>
-            </a:r>
-            <a:r>
-              <a:rPr lang="en-US" dirty="0"/>
-              <a:t>, </a:t>
-            </a:r>
-            <a:r>
-              <a:rPr lang="en-US" dirty="0" smtClean="0"/>
-              <a:t>and easy </a:t>
-            </a:r>
-            <a:r>
-              <a:rPr lang="en-US" dirty="0"/>
-              <a:t>to use </a:t>
-            </a:r>
-            <a:endParaRPr lang="en-US" dirty="0" smtClean="0"/>
-          </a:p>
-          <a:p>
-            <a:pPr lvl="1"/>
-            <a:r>
-              <a:rPr lang="en-US" dirty="0" smtClean="0"/>
-              <a:t>No overly complicated settings or steep learning curve</a:t>
-            </a:r>
-          </a:p>
-          <a:p>
-            <a:r>
-              <a:rPr lang="en-US" dirty="0" smtClean="0"/>
-              <a:t>Create </a:t>
-            </a:r>
-            <a:r>
-              <a:rPr lang="en-US" dirty="0"/>
-              <a:t>visualizations that are visually appealing</a:t>
-            </a:r>
-          </a:p>
-          <a:p>
-            <a:r>
-              <a:rPr lang="en-US" dirty="0"/>
-              <a:t>Allow </a:t>
-            </a:r>
-            <a:r>
-              <a:rPr lang="en-US" dirty="0" smtClean="0"/>
-              <a:t>customization </a:t>
-            </a:r>
-            <a:r>
-              <a:rPr lang="en-US" dirty="0"/>
-              <a:t>of the </a:t>
-            </a:r>
-            <a:r>
-              <a:rPr lang="en-US" dirty="0" smtClean="0"/>
-              <a:t>generated graph </a:t>
-            </a:r>
-            <a:r>
-              <a:rPr lang="en-US" dirty="0"/>
-              <a:t>so they can tailor it to their </a:t>
-            </a:r>
-            <a:r>
-              <a:rPr lang="en-US" dirty="0" smtClean="0"/>
-              <a:t>liking</a:t>
-            </a:r>
-          </a:p>
-          <a:p>
-            <a:endParaRPr lang="en-US" dirty="0"/>
-          </a:p>
-        </p:txBody>
-      </p:sp>
-      <p:sp>
-        <p:nvSpPr>
-          <p:cNvPr id="4" name="Title 3"/>
-          <p:cNvSpPr>
-            <a:spLocks noGrp="1"/>
-          </p:cNvSpPr>
-          <p:nvPr>
-            <p:ph type="title"/>
-          </p:nvPr>
-        </p:nvSpPr>
-        <p:spPr/>
-        <p:txBody>
-          <a:bodyPr>
-            <a:noAutofit/>
-          </a:bodyPr>
-          <a:lstStyle/>
-          <a:p>
-            <a:r>
-              <a:rPr lang="en-US" sz="2400" dirty="0" err="1" smtClean="0"/>
-              <a:t>Grnsight</a:t>
-            </a:r>
-            <a:r>
-              <a:rPr lang="en-US" sz="2400" dirty="0" smtClean="0"/>
-              <a:t> began development as a visualization tool </a:t>
-            </a:r>
-            <a:r>
-              <a:rPr lang="en-US" sz="2400" dirty="0" err="1" smtClean="0"/>
-              <a:t>Grnmap</a:t>
-            </a:r>
-            <a:r>
-              <a:rPr lang="en-US" sz="2400" dirty="0" smtClean="0"/>
-              <a:t>-modeled </a:t>
-            </a:r>
-            <a:r>
-              <a:rPr lang="en-US" sz="2400" dirty="0" err="1" smtClean="0"/>
-              <a:t>grns</a:t>
-            </a:r>
-            <a:r>
-              <a:rPr lang="en-US" sz="2400" dirty="0" smtClean="0"/>
-              <a:t>.</a:t>
-            </a:r>
-            <a:endParaRPr lang="en-US" sz="2400" dirty="0"/>
-          </a:p>
-        </p:txBody>
-      </p:sp>
-      <p:pic>
-        <p:nvPicPr>
-          <p:cNvPr id="6" name="Picture 5"/>
-          <p:cNvPicPr>
-            <a:picLocks noChangeAspect="1"/>
-          </p:cNvPicPr>
+        </p:txBody>
+      </p:sp>
+      <p:grpSp>
+        <p:nvGrpSpPr>
+          <p:cNvPr id="12" name="Group 11"/>
+          <p:cNvGrpSpPr/>
           <p:nvPr/>
-        </p:nvPicPr>
-        <p:blipFill rotWithShape="1">
-          <a:blip r:embed="rId2"/>
-          <a:srcRect l="9479" t="7895" r="9155" b="6993"/>
-          <a:stretch/>
-        </p:blipFill>
-        <p:spPr>
-          <a:xfrm>
-            <a:off x="3729766" y="5055080"/>
-            <a:ext cx="1664220" cy="1513241"/>
-          </a:xfrm>
-          <a:prstGeom prst="rect">
-            <a:avLst/>
-          </a:prstGeom>
-        </p:spPr>
-      </p:pic>
+        </p:nvGrpSpPr>
+        <p:grpSpPr>
+          <a:xfrm>
+            <a:off x="275214" y="1766908"/>
+            <a:ext cx="8593581" cy="3016588"/>
+            <a:chOff x="0" y="2624747"/>
+            <a:chExt cx="9144000" cy="3209801"/>
+          </a:xfrm>
+        </p:grpSpPr>
+        <p:pic>
+          <p:nvPicPr>
+            <p:cNvPr id="10" name="Picture 9"/>
+            <p:cNvPicPr>
+              <a:picLocks noChangeAspect="1"/>
+            </p:cNvPicPr>
+            <p:nvPr/>
+          </p:nvPicPr>
+          <p:blipFill>
+            <a:blip r:embed="rId2" cstate="email">
+              <a:extLst>
+                <a:ext uri="{28A0092B-C50C-407E-A947-70E740481C1C}">
+                  <a14:useLocalDpi xmlns:a14="http://schemas.microsoft.com/office/drawing/2010/main" val="0"/>
+                </a:ext>
+              </a:extLst>
+            </a:blip>
+            <a:stretch>
+              <a:fillRect/>
+            </a:stretch>
+          </p:blipFill>
+          <p:spPr>
+            <a:xfrm>
+              <a:off x="0" y="2624747"/>
+              <a:ext cx="9144000" cy="1608505"/>
+            </a:xfrm>
+            <a:prstGeom prst="rect">
+              <a:avLst/>
+            </a:prstGeom>
+          </p:spPr>
+        </p:pic>
+        <p:pic>
+          <p:nvPicPr>
+            <p:cNvPr id="11" name="Picture 10"/>
+            <p:cNvPicPr>
+              <a:picLocks noChangeAspect="1"/>
+            </p:cNvPicPr>
+            <p:nvPr/>
+          </p:nvPicPr>
+          <p:blipFill>
+            <a:blip r:embed="rId3" cstate="email">
+              <a:extLst>
+                <a:ext uri="{28A0092B-C50C-407E-A947-70E740481C1C}">
+                  <a14:useLocalDpi xmlns:a14="http://schemas.microsoft.com/office/drawing/2010/main" val="0"/>
+                </a:ext>
+              </a:extLst>
+            </a:blip>
+            <a:stretch>
+              <a:fillRect/>
+            </a:stretch>
+          </p:blipFill>
+          <p:spPr>
+            <a:xfrm>
+              <a:off x="0" y="4230849"/>
+              <a:ext cx="9144000" cy="1603699"/>
+            </a:xfrm>
+            <a:prstGeom prst="rect">
+              <a:avLst/>
+            </a:prstGeom>
+          </p:spPr>
+        </p:pic>
+      </p:grpSp>
+      <p:grpSp>
+        <p:nvGrpSpPr>
+          <p:cNvPr id="7" name="Group 6"/>
+          <p:cNvGrpSpPr/>
+          <p:nvPr/>
+        </p:nvGrpSpPr>
+        <p:grpSpPr>
+          <a:xfrm>
+            <a:off x="2596574" y="6158266"/>
+            <a:ext cx="4152034" cy="536909"/>
+            <a:chOff x="703059" y="2965117"/>
+            <a:chExt cx="7792871" cy="536909"/>
+          </a:xfrm>
+        </p:grpSpPr>
+        <p:sp>
+          <p:nvSpPr>
+            <p:cNvPr id="8" name="Rectangle 7"/>
+            <p:cNvSpPr/>
+            <p:nvPr/>
+          </p:nvSpPr>
+          <p:spPr>
+            <a:xfrm>
+              <a:off x="720117" y="2978806"/>
+              <a:ext cx="7704162" cy="523220"/>
+            </a:xfrm>
+            <a:prstGeom prst="rect">
+              <a:avLst/>
+            </a:prstGeom>
+          </p:spPr>
+          <p:style>
+            <a:lnRef idx="2">
+              <a:schemeClr val="accent1">
+                <a:shade val="50000"/>
+              </a:schemeClr>
+            </a:lnRef>
+            <a:fillRef idx="1">
+              <a:schemeClr val="accent1"/>
+            </a:fillRef>
+            <a:effectRef idx="0">
+              <a:schemeClr val="accent1"/>
+            </a:effectRef>
+            <a:fontRef idx="minor">
+              <a:schemeClr val="lt1"/>
+            </a:fontRef>
+          </p:style>
+          <p:txBody>
+            <a:bodyPr rtlCol="0" anchor="ctr"/>
+            <a:lstStyle/>
+            <a:p>
+              <a:pPr algn="ctr"/>
+              <a:endParaRPr lang="en-US"/>
+            </a:p>
+          </p:txBody>
+        </p:sp>
+        <p:sp>
+          <p:nvSpPr>
+            <p:cNvPr id="6" name="TextBox 5"/>
+            <p:cNvSpPr txBox="1"/>
+            <p:nvPr/>
+          </p:nvSpPr>
+          <p:spPr>
+            <a:xfrm>
+              <a:off x="703059" y="2965117"/>
+              <a:ext cx="7792871" cy="523220"/>
+            </a:xfrm>
+            <a:prstGeom prst="rect">
+              <a:avLst/>
+            </a:prstGeom>
+            <a:noFill/>
+          </p:spPr>
+          <p:txBody>
+            <a:bodyPr wrap="square" rtlCol="0">
+              <a:spAutoFit/>
+            </a:bodyPr>
+            <a:lstStyle/>
+            <a:p>
+              <a:r>
+                <a:rPr lang="en-US" sz="2800" b="1" dirty="0" smtClean="0">
+                  <a:solidFill>
+                    <a:schemeClr val="bg1"/>
+                  </a:solidFill>
+                </a:rPr>
+                <a:t>Weighted </a:t>
+              </a:r>
+              <a:r>
+                <a:rPr lang="en-US" sz="2800" b="1" dirty="0" err="1" smtClean="0">
+                  <a:solidFill>
+                    <a:schemeClr val="bg1"/>
+                  </a:solidFill>
+                </a:rPr>
+                <a:t>GraphML</a:t>
+              </a:r>
+              <a:r>
+                <a:rPr lang="en-US" sz="2800" b="1" dirty="0" smtClean="0">
+                  <a:solidFill>
+                    <a:schemeClr val="bg1"/>
+                  </a:solidFill>
+                </a:rPr>
+                <a:t> </a:t>
+              </a:r>
+              <a:r>
+                <a:rPr lang="en-US" sz="2800" b="1" dirty="0" smtClean="0">
+                  <a:solidFill>
+                    <a:schemeClr val="bg1"/>
+                  </a:solidFill>
+                </a:rPr>
+                <a:t>file</a:t>
+              </a:r>
+              <a:endParaRPr lang="en-US" sz="2800" b="1" dirty="0">
+                <a:solidFill>
+                  <a:schemeClr val="bg1"/>
+                </a:solidFill>
+              </a:endParaRPr>
+            </a:p>
+          </p:txBody>
+        </p:sp>
+      </p:grpSp>
     </p:spTree>
     <p:extLst>
       <p:ext uri="{BB962C8B-B14F-4D97-AF65-F5344CB8AC3E}">
-        <p14:creationId xmlns:p14="http://schemas.microsoft.com/office/powerpoint/2010/main" val="2099093691"/>
+        <p14:creationId xmlns:p14="http://schemas.microsoft.com/office/powerpoint/2010/main" val="82298751"/>
       </p:ext>
     </p:extLst>
   </p:cSld>
@@ -8076,118 +10230,112 @@
       </p:grpSpPr>
       <p:sp>
         <p:nvSpPr>
-          <p:cNvPr id="3" name="Content Placeholder 2"/>
+          <p:cNvPr id="6" name="Rectangle 5"/>
+          <p:cNvSpPr/>
+          <p:nvPr/>
+        </p:nvSpPr>
+        <p:spPr>
+          <a:xfrm>
+            <a:off x="320204" y="1796333"/>
+            <a:ext cx="8521957" cy="4768050"/>
+          </a:xfrm>
+          <a:prstGeom prst="rect">
+            <a:avLst/>
+          </a:prstGeom>
+          <a:solidFill>
+            <a:schemeClr val="bg1"/>
+          </a:solidFill>
+          <a:ln w="76200" cap="sq">
+            <a:solidFill>
+              <a:schemeClr val="bg1">
+                <a:lumMod val="95000"/>
+              </a:schemeClr>
+            </a:solidFill>
+            <a:miter lim="800000"/>
+          </a:ln>
+        </p:spPr>
+        <p:style>
+          <a:lnRef idx="2">
+            <a:schemeClr val="accent1">
+              <a:shade val="50000"/>
+            </a:schemeClr>
+          </a:lnRef>
+          <a:fillRef idx="1">
+            <a:schemeClr val="accent1"/>
+          </a:fillRef>
+          <a:effectRef idx="0">
+            <a:schemeClr val="accent1"/>
+          </a:effectRef>
+          <a:fontRef idx="minor">
+            <a:schemeClr val="lt1"/>
+          </a:fontRef>
+        </p:style>
+        <p:txBody>
+          <a:bodyPr rtlCol="0" anchor="ctr"/>
+          <a:lstStyle/>
+          <a:p>
+            <a:pPr algn="ctr"/>
+            <a:endParaRPr lang="en-US">
+              <a:ln cap="sq">
+                <a:solidFill>
+                  <a:schemeClr val="accent1"/>
+                </a:solidFill>
+                <a:miter lim="800000"/>
+              </a:ln>
+            </a:endParaRPr>
+          </a:p>
+        </p:txBody>
+      </p:sp>
+      <p:sp>
+        <p:nvSpPr>
+          <p:cNvPr id="4" name="Title 3"/>
           <p:cNvSpPr>
             <a:spLocks noGrp="1"/>
           </p:cNvSpPr>
           <p:nvPr>
-            <p:ph idx="1"/>
-          </p:nvPr>
-        </p:nvSpPr>
-        <p:spPr>
-          <a:xfrm>
-            <a:off x="1043492" y="1694700"/>
-            <a:ext cx="6777317" cy="3508977"/>
-          </a:xfrm>
-        </p:spPr>
+            <p:ph type="title"/>
+          </p:nvPr>
+        </p:nvSpPr>
+        <p:spPr/>
         <p:txBody>
           <a:bodyPr/>
           <a:lstStyle/>
           <a:p>
+            <a:r>
+              <a:rPr lang="en-US" dirty="0" smtClean="0"/>
+              <a:t>Into this</a:t>
+            </a:r>
             <a:endParaRPr lang="en-US" dirty="0"/>
           </a:p>
         </p:txBody>
       </p:sp>
       <p:pic>
         <p:nvPicPr>
-          <p:cNvPr id="7" name="Picture 6" descr="Screen Shot 2017-04-28 at 3.10.32 PM.png"/>
+          <p:cNvPr id="7" name="Picture 6"/>
           <p:cNvPicPr>
             <a:picLocks noChangeAspect="1"/>
           </p:cNvPicPr>
           <p:nvPr/>
         </p:nvPicPr>
-        <p:blipFill>
-          <a:blip r:embed="rId2">
-            <a:extLst>
-              <a:ext uri="{28A0092B-C50C-407E-A947-70E740481C1C}">
-                <a14:useLocalDpi xmlns:a14="http://schemas.microsoft.com/office/drawing/2010/main" val="0"/>
-              </a:ext>
-            </a:extLst>
-          </a:blip>
-          <a:stretch>
-            <a:fillRect/>
-          </a:stretch>
+        <p:blipFill rotWithShape="1">
+          <a:blip r:embed="rId2"/>
+          <a:srcRect l="25247" t="21381" r="19134" b="12872"/>
+          <a:stretch/>
         </p:blipFill>
         <p:spPr>
           <a:xfrm>
-            <a:off x="221790" y="1868437"/>
-            <a:ext cx="8730493" cy="4688746"/>
+            <a:off x="1044890" y="1872342"/>
+            <a:ext cx="7072584" cy="4598127"/>
           </a:xfrm>
           <a:prstGeom prst="rect">
             <a:avLst/>
           </a:prstGeom>
         </p:spPr>
       </p:pic>
-      <p:sp>
-        <p:nvSpPr>
-          <p:cNvPr id="12" name="TextBox 11"/>
-          <p:cNvSpPr txBox="1"/>
-          <p:nvPr/>
-        </p:nvSpPr>
-        <p:spPr>
-          <a:xfrm>
-            <a:off x="239912" y="6187851"/>
-            <a:ext cx="2559941" cy="369332"/>
-          </a:xfrm>
-          <a:prstGeom prst="rect">
-            <a:avLst/>
-          </a:prstGeom>
-          <a:noFill/>
-        </p:spPr>
-        <p:txBody>
-          <a:bodyPr wrap="none" rtlCol="0">
-            <a:spAutoFit/>
-          </a:bodyPr>
-          <a:lstStyle/>
-          <a:p>
-            <a:r>
-              <a:rPr lang="en-US" dirty="0" smtClean="0"/>
-              <a:t>Britain Southwick, 402</a:t>
-            </a:r>
-            <a:endParaRPr lang="en-US" dirty="0"/>
-          </a:p>
-        </p:txBody>
-      </p:sp>
-      <p:sp>
-        <p:nvSpPr>
-          <p:cNvPr id="13" name="Title 12"/>
-          <p:cNvSpPr>
-            <a:spLocks noGrp="1"/>
-          </p:cNvSpPr>
-          <p:nvPr>
-            <p:ph type="title"/>
-          </p:nvPr>
-        </p:nvSpPr>
-        <p:spPr/>
-        <p:txBody>
-          <a:bodyPr/>
-          <a:lstStyle/>
-          <a:p>
-            <a:r>
-              <a:rPr lang="en-US" dirty="0" err="1"/>
-              <a:t>GRNsight</a:t>
-            </a:r>
-            <a:r>
-              <a:rPr lang="en-US" dirty="0"/>
-              <a:t> v0 (May 2014)</a:t>
-            </a:r>
-          </a:p>
-        </p:txBody>
-      </p:sp>
     </p:spTree>
     <p:extLst>
       <p:ext uri="{BB962C8B-B14F-4D97-AF65-F5344CB8AC3E}">
-        <p14:creationId xmlns:p14="http://schemas.microsoft.com/office/powerpoint/2010/main" val="3969859091"/>
+        <p14:creationId xmlns:p14="http://schemas.microsoft.com/office/powerpoint/2010/main" val="3974235386"/>
       </p:ext>
     </p:extLst>
   </p:cSld>
